--- a/Documentation/PhotosLight-Hands-on-Labb.pptx
+++ b/Documentation/PhotosLight-Hands-on-Labb.pptx
@@ -5,16 +5,17 @@
     <p:sldMasterId id="2147483648" r:id="rId1"/>
   </p:sldMasterIdLst>
   <p:notesMasterIdLst>
-    <p:notesMasterId r:id="rId9"/>
+    <p:notesMasterId r:id="rId10"/>
   </p:notesMasterIdLst>
   <p:sldIdLst>
     <p:sldId id="256" r:id="rId2"/>
-    <p:sldId id="257" r:id="rId3"/>
-    <p:sldId id="258" r:id="rId4"/>
-    <p:sldId id="259" r:id="rId5"/>
-    <p:sldId id="260" r:id="rId6"/>
-    <p:sldId id="261" r:id="rId7"/>
-    <p:sldId id="262" r:id="rId8"/>
+    <p:sldId id="263" r:id="rId3"/>
+    <p:sldId id="264" r:id="rId4"/>
+    <p:sldId id="257" r:id="rId5"/>
+    <p:sldId id="258" r:id="rId6"/>
+    <p:sldId id="260" r:id="rId7"/>
+    <p:sldId id="261" r:id="rId8"/>
+    <p:sldId id="262" r:id="rId9"/>
   </p:sldIdLst>
   <p:sldSz cx="12192000" cy="6858000"/>
   <p:notesSz cx="6858000" cy="9144000"/>
@@ -113,6 +114,11 @@
       </a:defRPr>
     </a:lvl9pPr>
   </p:defaultTextStyle>
+  <p:extLst>
+    <p:ext uri="{EFAFB233-063F-42B5-8137-9DF3F51BA10A}">
+      <p15:sldGuideLst xmlns:p15="http://schemas.microsoft.com/office/powerpoint/2012/main"/>
+    </p:ext>
+  </p:extLst>
 </p:presentation>
 </file>
 
@@ -198,7 +204,7 @@
           <a:p>
             <a:fld id="{50AE6DC0-F699-40E9-948E-5D396E4FA13B}" type="datetimeFigureOut">
               <a:rPr lang="sv-SE" smtClean="0"/>
-              <a:t>2017-04-18</a:t>
+              <a:t>2017-05-11</a:t>
             </a:fld>
             <a:endParaRPr lang="sv-SE"/>
           </a:p>
@@ -511,67 +517,12 @@
           <a:lstStyle/>
           <a:p>
             <a:r>
-              <a:rPr lang="sv-SE" sz="1200" kern="1200" dirty="0">
-                <a:solidFill>
-                  <a:schemeClr val="tx1"/>
-                </a:solidFill>
-                <a:latin typeface="+mn-lt"/>
-                <a:ea typeface="+mn-ea"/>
-                <a:cs typeface="+mn-cs"/>
-              </a:rPr>
-              <a:t> &lt;DataTemplate x:Key="ImageItemDataTemplate"&gt;</a:t>
-            </a:r>
-          </a:p>
-          <a:p>
-            <a:r>
-              <a:rPr lang="sv-SE" sz="1200" kern="1200" dirty="0">
-                <a:solidFill>
-                  <a:schemeClr val="tx1"/>
-                </a:solidFill>
-                <a:latin typeface="+mn-lt"/>
-                <a:ea typeface="+mn-ea"/>
-                <a:cs typeface="+mn-cs"/>
-              </a:rPr>
-              <a:t>            &lt;Grid&gt;</a:t>
-            </a:r>
-          </a:p>
-          <a:p>
-            <a:r>
-              <a:rPr lang="sv-SE" sz="1200" kern="1200" dirty="0">
-                <a:solidFill>
-                  <a:schemeClr val="tx1"/>
-                </a:solidFill>
-                <a:latin typeface="+mn-lt"/>
-                <a:ea typeface="+mn-ea"/>
-                <a:cs typeface="+mn-cs"/>
-              </a:rPr>
-              <a:t>                &lt;Image  Source="{Binding Source}" Stretch="UniformToFill"/&gt;</a:t>
-            </a:r>
-          </a:p>
-          <a:p>
-            <a:r>
-              <a:rPr lang="sv-SE" sz="1200" kern="1200" dirty="0">
-                <a:solidFill>
-                  <a:schemeClr val="tx1"/>
-                </a:solidFill>
-                <a:latin typeface="+mn-lt"/>
-                <a:ea typeface="+mn-ea"/>
-                <a:cs typeface="+mn-cs"/>
-              </a:rPr>
-              <a:t>            &lt;/Grid&gt;</a:t>
-            </a:r>
-          </a:p>
-          <a:p>
-            <a:r>
-              <a:rPr lang="sv-SE" sz="1200" kern="1200" dirty="0">
-                <a:solidFill>
-                  <a:schemeClr val="tx1"/>
-                </a:solidFill>
-                <a:latin typeface="+mn-lt"/>
-                <a:ea typeface="+mn-ea"/>
-                <a:cs typeface="+mn-cs"/>
-              </a:rPr>
-              <a:t>        &lt;/DataTemplate&gt;</a:t>
+              <a:rPr lang="sv-SE" dirty="0"/>
+              <a:t>This is</a:t>
+            </a:r>
+            <a:r>
+              <a:rPr lang="sv-SE" baseline="0" dirty="0"/>
+              <a:t> what we’re creating – a photo viewer.</a:t>
             </a:r>
             <a:endParaRPr lang="sv-SE" dirty="0"/>
           </a:p>
@@ -603,7 +554,7 @@
     </p:spTree>
     <p:extLst>
       <p:ext uri="{BB962C8B-B14F-4D97-AF65-F5344CB8AC3E}">
-        <p14:creationId xmlns:p14="http://schemas.microsoft.com/office/powerpoint/2010/main" val="3443589649"/>
+        <p14:creationId xmlns:p14="http://schemas.microsoft.com/office/powerpoint/2010/main" val="3521997304"/>
       </p:ext>
     </p:extLst>
   </p:cSld>
@@ -666,7 +617,7 @@
                 <a:ea typeface="+mn-ea"/>
                 <a:cs typeface="+mn-cs"/>
               </a:rPr>
-              <a:t> &lt;DataTemplate x:Key="VideoItemDataTemplate"&gt;</a:t>
+              <a:t> &lt;DataTemplate x:Key="ImageItemDataTemplate"&gt;</a:t>
             </a:r>
           </a:p>
           <a:p>
@@ -692,7 +643,7 @@
                 <a:ea typeface="+mn-ea"/>
                 <a:cs typeface="+mn-cs"/>
               </a:rPr>
-              <a:t>                &lt;MediaElement AreTransportControlsEnabled="True"  Source="{Binding Source}" Stretch="UniformToFill"/&gt;</a:t>
+              <a:t>                &lt;Image  Source="{Binding Source}" Stretch="UniformToFill"/&gt;</a:t>
             </a:r>
           </a:p>
           <a:p>
@@ -720,7 +671,16 @@
               </a:rPr>
               <a:t>        &lt;/DataTemplate&gt;</a:t>
             </a:r>
-            <a:endParaRPr lang="sv-SE" dirty="0"/>
+          </a:p>
+          <a:p>
+            <a:endParaRPr lang="sv-SE" sz="1200" kern="1200" dirty="0">
+              <a:solidFill>
+                <a:schemeClr val="tx1"/>
+              </a:solidFill>
+              <a:latin typeface="+mn-lt"/>
+              <a:ea typeface="+mn-ea"/>
+              <a:cs typeface="+mn-cs"/>
+            </a:endParaRPr>
           </a:p>
         </p:txBody>
       </p:sp>
@@ -741,7 +701,7 @@
           <a:p>
             <a:fld id="{4B9FCB87-32D7-4284-A949-DB9003BC6512}" type="slidenum">
               <a:rPr lang="sv-SE" smtClean="0"/>
-              <a:t>3</a:t>
+              <a:t>4</a:t>
             </a:fld>
             <a:endParaRPr lang="sv-SE"/>
           </a:p>
@@ -750,7 +710,7 @@
     </p:spTree>
     <p:extLst>
       <p:ext uri="{BB962C8B-B14F-4D97-AF65-F5344CB8AC3E}">
-        <p14:creationId xmlns:p14="http://schemas.microsoft.com/office/powerpoint/2010/main" val="473385171"/>
+        <p14:creationId xmlns:p14="http://schemas.microsoft.com/office/powerpoint/2010/main" val="3443589649"/>
       </p:ext>
     </p:extLst>
   </p:cSld>
@@ -813,57 +773,581 @@
                 <a:ea typeface="+mn-ea"/>
                 <a:cs typeface="+mn-cs"/>
               </a:rPr>
-              <a:t> &lt;ListView x:Name="listView"  HorizontalAlignment="Center"  ScrollViewer.HorizontalScrollMode="Enabled"  ScrollViewer.HorizontalScrollBarVisibility="Visible" ScrollViewer.IsHorizontalRailEnabled="True" ItemTemplate="{StaticResource ImageFilmStripItemDataTemplate}"  SelectedItem="{x:Bind ViewModel.SelectedObject, Mode=TwoWay}" ItemsSource="{x:Bind ViewModel.Thumbnails}"  Grid.Row="1" VerticalAlignment="Bottom" ItemsPanel="{StaticResource ItemsPanelTemplate}" ItemContainerStyle="{StaticResource ListViewItemStyle1}" Margin="50,0"  /&gt;</a:t>
-            </a:r>
-          </a:p>
-          <a:p>
-            <a:endParaRPr lang="sv-SE" sz="1200" kern="1200" dirty="0">
+              <a:t> &lt;DataTemplate x:Key="VideoItemDataTemplate"&gt;</a:t>
+            </a:r>
+          </a:p>
+          <a:p>
+            <a:r>
+              <a:rPr lang="sv-SE" sz="1200" kern="1200" dirty="0">
+                <a:solidFill>
+                  <a:schemeClr val="tx1"/>
+                </a:solidFill>
+                <a:latin typeface="+mn-lt"/>
+                <a:ea typeface="+mn-ea"/>
+                <a:cs typeface="+mn-cs"/>
+              </a:rPr>
+              <a:t>            &lt;Grid&gt;</a:t>
+            </a:r>
+          </a:p>
+          <a:p>
+            <a:r>
+              <a:rPr lang="sv-SE" sz="1200" kern="1200" dirty="0">
+                <a:solidFill>
+                  <a:schemeClr val="tx1"/>
+                </a:solidFill>
+                <a:latin typeface="+mn-lt"/>
+                <a:ea typeface="+mn-ea"/>
+                <a:cs typeface="+mn-cs"/>
+              </a:rPr>
+              <a:t>                &lt;MediaElement AreTransportControlsEnabled="True"  Source="{Binding Source}" Stretch="UniformToFill"/&gt;</a:t>
+            </a:r>
+          </a:p>
+          <a:p>
+            <a:r>
+              <a:rPr lang="sv-SE" sz="1200" kern="1200" dirty="0">
+                <a:solidFill>
+                  <a:schemeClr val="tx1"/>
+                </a:solidFill>
+                <a:latin typeface="+mn-lt"/>
+                <a:ea typeface="+mn-ea"/>
+                <a:cs typeface="+mn-cs"/>
+              </a:rPr>
+              <a:t>            &lt;/Grid&gt;</a:t>
+            </a:r>
+          </a:p>
+          <a:p>
+            <a:r>
+              <a:rPr lang="sv-SE" sz="1200" kern="1200" dirty="0">
+                <a:solidFill>
+                  <a:schemeClr val="tx1"/>
+                </a:solidFill>
+                <a:latin typeface="+mn-lt"/>
+                <a:ea typeface="+mn-ea"/>
+                <a:cs typeface="+mn-cs"/>
+              </a:rPr>
+              <a:t>        &lt;/DataTemplate&gt;</a:t>
+            </a:r>
+          </a:p>
+          <a:p>
+            <a:endParaRPr lang="sv-SE" dirty="0"/>
+          </a:p>
+          <a:p>
+            <a:pPr marL="0" marR="0" lvl="0" indent="0" algn="l" defTabSz="914400" rtl="0" eaLnBrk="0" fontAlgn="base" latinLnBrk="0" hangingPunct="0">
+              <a:lnSpc>
+                <a:spcPct val="100000"/>
+              </a:lnSpc>
+              <a:spcBef>
+                <a:spcPct val="0"/>
+              </a:spcBef>
+              <a:spcAft>
+                <a:spcPct val="0"/>
+              </a:spcAft>
+              <a:buClrTx/>
+              <a:buSzTx/>
+              <a:buFontTx/>
+              <a:buNone/>
+              <a:tabLst/>
+            </a:pPr>
+            <a:r>
+              <a:rPr kumimoji="0" lang="sv-SE" altLang="sv-SE" sz="1200" b="0" i="0" u="none" strike="noStrike" cap="none" normalizeH="0" baseline="0" dirty="0">
+                <a:ln>
+                  <a:noFill/>
+                </a:ln>
+                <a:solidFill>
+                  <a:srgbClr val="22B3EB"/>
+                </a:solidFill>
+                <a:effectLst/>
+                <a:latin typeface="Monaco"/>
+              </a:rPr>
+              <a:t>&lt;Page.Resources&gt;</a:t>
+            </a:r>
+          </a:p>
+          <a:p>
+            <a:pPr marL="0" lvl="0" indent="0" eaLnBrk="0" fontAlgn="base" hangingPunct="0">
+              <a:lnSpc>
+                <a:spcPct val="100000"/>
+              </a:lnSpc>
+              <a:spcBef>
+                <a:spcPct val="0"/>
+              </a:spcBef>
+              <a:spcAft>
+                <a:spcPct val="0"/>
+              </a:spcAft>
+              <a:buNone/>
+            </a:pPr>
+            <a:r>
+              <a:rPr lang="sv-SE" altLang="sv-SE" sz="1200" dirty="0">
+                <a:solidFill>
+                  <a:srgbClr val="22B3EB"/>
+                </a:solidFill>
+                <a:latin typeface="Monaco"/>
+              </a:rPr>
+              <a:t>    </a:t>
+            </a:r>
+            <a:r>
+              <a:rPr kumimoji="0" lang="sv-SE" altLang="sv-SE" sz="1200" b="0" i="0" u="none" strike="noStrike" cap="none" normalizeH="0" baseline="0" dirty="0">
+                <a:ln>
+                  <a:noFill/>
+                </a:ln>
+                <a:solidFill>
+                  <a:srgbClr val="494E52"/>
+                </a:solidFill>
+                <a:effectLst/>
+                <a:latin typeface="Monaco"/>
+              </a:rPr>
+              <a:t> </a:t>
+            </a:r>
+            <a:r>
+              <a:rPr kumimoji="0" lang="sv-SE" altLang="sv-SE" sz="1200" b="0" i="0" u="none" strike="noStrike" cap="none" normalizeH="0" baseline="0" dirty="0">
+                <a:ln>
+                  <a:noFill/>
+                </a:ln>
+                <a:solidFill>
+                  <a:srgbClr val="22B3EB"/>
+                </a:solidFill>
+                <a:effectLst/>
+                <a:latin typeface="Monaco"/>
+              </a:rPr>
+              <a:t>&lt; ViewerTemplateSelector</a:t>
+            </a:r>
+            <a:r>
+              <a:rPr kumimoji="0" lang="sv-SE" altLang="sv-SE" sz="1200" b="0" i="0" u="none" strike="noStrike" cap="none" normalizeH="0" baseline="0" dirty="0">
+                <a:ln>
+                  <a:noFill/>
+                </a:ln>
+                <a:solidFill>
+                  <a:srgbClr val="494E52"/>
+                </a:solidFill>
+                <a:effectLst/>
+                <a:latin typeface="Monaco"/>
+              </a:rPr>
+              <a:t> </a:t>
+            </a:r>
+            <a:r>
+              <a:rPr kumimoji="0" lang="sv-SE" altLang="sv-SE" sz="1200" b="0" i="0" u="none" strike="noStrike" cap="none" normalizeH="0" baseline="0" dirty="0">
+                <a:ln>
+                  <a:noFill/>
+                </a:ln>
+                <a:solidFill>
+                  <a:srgbClr val="586E75"/>
+                </a:solidFill>
+                <a:effectLst/>
+                <a:latin typeface="Monaco"/>
+              </a:rPr>
+              <a:t>x:Name=</a:t>
+            </a:r>
+            <a:r>
+              <a:rPr kumimoji="0" lang="sv-SE" altLang="sv-SE" sz="1200" b="0" i="0" u="none" strike="noStrike" cap="none" normalizeH="0" baseline="0" dirty="0">
+                <a:ln>
+                  <a:noFill/>
+                </a:ln>
+                <a:solidFill>
+                  <a:srgbClr val="2AA198"/>
+                </a:solidFill>
+                <a:effectLst/>
+                <a:latin typeface="Monaco"/>
+              </a:rPr>
+              <a:t>”ViewerTemplateSelector"</a:t>
+            </a:r>
+            <a:r>
+              <a:rPr kumimoji="0" lang="sv-SE" altLang="sv-SE" sz="1200" b="0" i="0" u="none" strike="noStrike" cap="none" normalizeH="0" baseline="0" dirty="0">
+                <a:ln>
+                  <a:noFill/>
+                </a:ln>
+                <a:solidFill>
+                  <a:srgbClr val="494E52"/>
+                </a:solidFill>
+                <a:effectLst/>
+                <a:latin typeface="Monaco"/>
+              </a:rPr>
+              <a:t> </a:t>
+            </a:r>
+          </a:p>
+          <a:p>
+            <a:pPr marL="0" marR="0" lvl="0" indent="0" algn="l" defTabSz="914400" rtl="0" eaLnBrk="0" fontAlgn="base" latinLnBrk="0" hangingPunct="0">
+              <a:lnSpc>
+                <a:spcPct val="100000"/>
+              </a:lnSpc>
+              <a:spcBef>
+                <a:spcPct val="0"/>
+              </a:spcBef>
+              <a:spcAft>
+                <a:spcPct val="0"/>
+              </a:spcAft>
+              <a:buClrTx/>
+              <a:buSzTx/>
+              <a:buFontTx/>
+              <a:buNone/>
+              <a:tabLst/>
+            </a:pPr>
+            <a:r>
+              <a:rPr lang="sv-SE" altLang="sv-SE" sz="1200" dirty="0">
+                <a:solidFill>
+                  <a:srgbClr val="494E52"/>
+                </a:solidFill>
+                <a:latin typeface="Monaco"/>
+              </a:rPr>
+              <a:t>     </a:t>
+            </a:r>
+            <a:r>
+              <a:rPr kumimoji="0" lang="sv-SE" altLang="sv-SE" sz="1200" b="0" i="0" u="none" strike="noStrike" cap="none" normalizeH="0" baseline="0" dirty="0">
+                <a:ln>
+                  <a:noFill/>
+                </a:ln>
+                <a:solidFill>
+                  <a:srgbClr val="586E75"/>
+                </a:solidFill>
+                <a:effectLst/>
+                <a:latin typeface="Monaco"/>
+              </a:rPr>
+              <a:t>ImageTemplate=</a:t>
+            </a:r>
+            <a:r>
+              <a:rPr kumimoji="0" lang="sv-SE" altLang="sv-SE" sz="1200" b="0" i="0" u="none" strike="noStrike" cap="none" normalizeH="0" baseline="0" dirty="0">
+                <a:ln>
+                  <a:noFill/>
+                </a:ln>
+                <a:solidFill>
+                  <a:srgbClr val="2AA198"/>
+                </a:solidFill>
+                <a:effectLst/>
+                <a:latin typeface="Monaco"/>
+              </a:rPr>
+              <a:t>"{StaticResource ImageViewerDataTemplate}"</a:t>
+            </a:r>
+            <a:r>
+              <a:rPr kumimoji="0" lang="sv-SE" altLang="sv-SE" sz="1200" b="0" i="0" u="none" strike="noStrike" cap="none" normalizeH="0" baseline="0" dirty="0">
+                <a:ln>
+                  <a:noFill/>
+                </a:ln>
+                <a:solidFill>
+                  <a:srgbClr val="494E52"/>
+                </a:solidFill>
+                <a:effectLst/>
+                <a:latin typeface="Monaco"/>
+              </a:rPr>
+              <a:t> </a:t>
+            </a:r>
+          </a:p>
+          <a:p>
+            <a:pPr marL="0" marR="0" lvl="0" indent="0" algn="l" defTabSz="914400" rtl="0" eaLnBrk="0" fontAlgn="base" latinLnBrk="0" hangingPunct="0">
+              <a:lnSpc>
+                <a:spcPct val="100000"/>
+              </a:lnSpc>
+              <a:spcBef>
+                <a:spcPct val="0"/>
+              </a:spcBef>
+              <a:spcAft>
+                <a:spcPct val="0"/>
+              </a:spcAft>
+              <a:buClrTx/>
+              <a:buSzTx/>
+              <a:buFontTx/>
+              <a:buNone/>
+              <a:tabLst/>
+            </a:pPr>
+            <a:r>
+              <a:rPr lang="sv-SE" altLang="sv-SE" sz="1200" dirty="0">
+                <a:solidFill>
+                  <a:srgbClr val="494E52"/>
+                </a:solidFill>
+                <a:latin typeface="Monaco"/>
+              </a:rPr>
+              <a:t>     </a:t>
+            </a:r>
+            <a:r>
+              <a:rPr kumimoji="0" lang="sv-SE" altLang="sv-SE" sz="1200" b="0" i="0" u="none" strike="noStrike" cap="none" normalizeH="0" baseline="0" dirty="0">
+                <a:ln>
+                  <a:noFill/>
+                </a:ln>
+                <a:solidFill>
+                  <a:srgbClr val="586E75"/>
+                </a:solidFill>
+                <a:effectLst/>
+                <a:latin typeface="Monaco"/>
+              </a:rPr>
+              <a:t>VideoTemplate=</a:t>
+            </a:r>
+            <a:r>
+              <a:rPr kumimoji="0" lang="sv-SE" altLang="sv-SE" sz="1200" b="0" i="0" u="none" strike="noStrike" cap="none" normalizeH="0" baseline="0" dirty="0">
+                <a:ln>
+                  <a:noFill/>
+                </a:ln>
+                <a:solidFill>
+                  <a:srgbClr val="2AA198"/>
+                </a:solidFill>
+                <a:effectLst/>
+                <a:latin typeface="Monaco"/>
+              </a:rPr>
+              <a:t>"{StaticResource VideoDataTemplate}"</a:t>
+            </a:r>
+            <a:r>
+              <a:rPr kumimoji="0" lang="sv-SE" altLang="sv-SE" sz="1200" b="0" i="0" u="none" strike="noStrike" cap="none" normalizeH="0" baseline="0" dirty="0">
+                <a:ln>
+                  <a:noFill/>
+                </a:ln>
+                <a:solidFill>
+                  <a:srgbClr val="494E52"/>
+                </a:solidFill>
+                <a:effectLst/>
+                <a:latin typeface="Monaco"/>
+              </a:rPr>
+              <a:t> </a:t>
+            </a:r>
+            <a:r>
+              <a:rPr kumimoji="0" lang="sv-SE" altLang="sv-SE" sz="1200" b="0" i="0" u="none" strike="noStrike" cap="none" normalizeH="0" baseline="0" dirty="0">
+                <a:ln>
+                  <a:noFill/>
+                </a:ln>
+                <a:solidFill>
+                  <a:srgbClr val="22B3EB"/>
+                </a:solidFill>
+                <a:effectLst/>
+                <a:latin typeface="Monaco"/>
+              </a:rPr>
+              <a:t>/&gt;</a:t>
+            </a:r>
+            <a:r>
+              <a:rPr kumimoji="0" lang="sv-SE" altLang="sv-SE" sz="1200" b="0" i="0" u="none" strike="noStrike" cap="none" normalizeH="0" baseline="0" dirty="0">
+                <a:ln>
+                  <a:noFill/>
+                </a:ln>
+                <a:solidFill>
+                  <a:srgbClr val="494E52"/>
+                </a:solidFill>
+                <a:effectLst/>
+                <a:latin typeface="Monaco"/>
+              </a:rPr>
+              <a:t> </a:t>
+            </a:r>
+          </a:p>
+          <a:p>
+            <a:pPr marL="0" marR="0" lvl="0" indent="0" algn="l" defTabSz="914400" rtl="0" eaLnBrk="0" fontAlgn="base" latinLnBrk="0" hangingPunct="0">
+              <a:lnSpc>
+                <a:spcPct val="100000"/>
+              </a:lnSpc>
+              <a:spcBef>
+                <a:spcPct val="0"/>
+              </a:spcBef>
+              <a:spcAft>
+                <a:spcPct val="0"/>
+              </a:spcAft>
+              <a:buClrTx/>
+              <a:buSzTx/>
+              <a:buFontTx/>
+              <a:buNone/>
+              <a:tabLst/>
+            </a:pPr>
+            <a:r>
+              <a:rPr lang="sv-SE" altLang="sv-SE" sz="1200" dirty="0">
+                <a:solidFill>
+                  <a:srgbClr val="494E52"/>
+                </a:solidFill>
+                <a:latin typeface="Monaco"/>
+              </a:rPr>
+              <a:t>  </a:t>
+            </a:r>
+            <a:r>
+              <a:rPr kumimoji="0" lang="sv-SE" altLang="sv-SE" sz="1200" b="0" i="0" u="none" strike="noStrike" cap="none" normalizeH="0" baseline="0" dirty="0">
+                <a:ln>
+                  <a:noFill/>
+                </a:ln>
+                <a:solidFill>
+                  <a:srgbClr val="22B3EB"/>
+                </a:solidFill>
+                <a:effectLst/>
+                <a:latin typeface="Monaco"/>
+              </a:rPr>
+              <a:t>&lt;/Page.Resources&gt;</a:t>
+            </a:r>
+            <a:r>
+              <a:rPr kumimoji="0" lang="sv-SE" altLang="sv-SE" sz="800" b="0" i="0" u="none" strike="noStrike" cap="none" normalizeH="0" baseline="0" dirty="0">
+                <a:ln>
+                  <a:noFill/>
+                </a:ln>
+                <a:solidFill>
+                  <a:schemeClr val="tx1"/>
+                </a:solidFill>
+                <a:effectLst/>
+              </a:rPr>
+              <a:t> </a:t>
+            </a:r>
+            <a:endParaRPr kumimoji="0" lang="sv-SE" altLang="sv-SE" sz="2800" b="0" i="0" u="none" strike="noStrike" cap="none" normalizeH="0" baseline="0" dirty="0">
+              <a:ln>
+                <a:noFill/>
+              </a:ln>
               <a:solidFill>
                 <a:schemeClr val="tx1"/>
               </a:solidFill>
-              <a:latin typeface="+mn-lt"/>
-              <a:ea typeface="+mn-ea"/>
-              <a:cs typeface="+mn-cs"/>
+              <a:effectLst/>
+              <a:latin typeface="Arial" panose="020B0604020202020204" pitchFamily="34" charset="0"/>
             </a:endParaRPr>
           </a:p>
           <a:p>
-            <a:r>
-              <a:rPr lang="sv-SE" sz="1200" kern="1200" dirty="0">
-                <a:solidFill>
-                  <a:schemeClr val="tx1"/>
-                </a:solidFill>
-                <a:latin typeface="+mn-lt"/>
-                <a:ea typeface="+mn-ea"/>
-                <a:cs typeface="+mn-cs"/>
-              </a:rPr>
-              <a:t> &lt;ItemsPanelTemplate x:Key="ItemsPanelTemplate"&gt;</a:t>
-            </a:r>
-          </a:p>
-          <a:p>
-            <a:r>
-              <a:rPr lang="sv-SE" sz="1200" kern="1200" dirty="0">
-                <a:solidFill>
-                  <a:schemeClr val="tx1"/>
-                </a:solidFill>
-                <a:latin typeface="+mn-lt"/>
-                <a:ea typeface="+mn-ea"/>
-                <a:cs typeface="+mn-cs"/>
-              </a:rPr>
-              <a:t>            &lt;ItemsStackPanel Orientation="Horizontal" /&gt;</a:t>
-            </a:r>
-          </a:p>
-          <a:p>
-            <a:r>
-              <a:rPr lang="sv-SE" sz="1200" kern="1200" dirty="0">
-                <a:solidFill>
-                  <a:schemeClr val="tx1"/>
-                </a:solidFill>
-                <a:latin typeface="+mn-lt"/>
-                <a:ea typeface="+mn-ea"/>
-                <a:cs typeface="+mn-cs"/>
-              </a:rPr>
-              <a:t>        &lt;/ItemsPanelTemplate&gt;</a:t>
-            </a:r>
+            <a:endParaRPr lang="sv-SE" dirty="0"/>
+          </a:p>
+          <a:p>
+            <a:endParaRPr lang="sv-SE" dirty="0"/>
+          </a:p>
+          <a:p>
+            <a:pPr marL="0" marR="0" lvl="0" indent="0" algn="l" defTabSz="914400" rtl="0" eaLnBrk="1" fontAlgn="auto" latinLnBrk="0" hangingPunct="1">
+              <a:lnSpc>
+                <a:spcPct val="100000"/>
+              </a:lnSpc>
+              <a:spcBef>
+                <a:spcPts val="0"/>
+              </a:spcBef>
+              <a:spcAft>
+                <a:spcPts val="0"/>
+              </a:spcAft>
+              <a:buClrTx/>
+              <a:buSzTx/>
+              <a:buFontTx/>
+              <a:buNone/>
+              <a:tabLst/>
+              <a:defRPr/>
+            </a:pPr>
+            <a:r>
+              <a:rPr kumimoji="0" lang="sv-SE" altLang="sv-SE" sz="1200" b="0" i="0" u="none" strike="noStrike" cap="none" normalizeH="0" baseline="0" dirty="0">
+                <a:ln>
+                  <a:noFill/>
+                </a:ln>
+                <a:solidFill>
+                  <a:srgbClr val="22B3EB"/>
+                </a:solidFill>
+                <a:effectLst/>
+                <a:latin typeface="Monaco"/>
+              </a:rPr>
+              <a:t>&lt;FlipView</a:t>
+            </a:r>
+            <a:r>
+              <a:rPr kumimoji="0" lang="sv-SE" altLang="sv-SE" sz="1200" b="0" i="0" u="none" strike="noStrike" cap="none" normalizeH="0" baseline="0" dirty="0">
+                <a:ln>
+                  <a:noFill/>
+                </a:ln>
+                <a:solidFill>
+                  <a:srgbClr val="494E52"/>
+                </a:solidFill>
+                <a:effectLst/>
+                <a:latin typeface="Monaco"/>
+              </a:rPr>
+              <a:t> </a:t>
+            </a:r>
+            <a:r>
+              <a:rPr kumimoji="0" lang="sv-SE" altLang="sv-SE" sz="1200" b="0" i="0" u="none" strike="noStrike" cap="none" normalizeH="0" baseline="0" dirty="0">
+                <a:ln>
+                  <a:noFill/>
+                </a:ln>
+                <a:solidFill>
+                  <a:srgbClr val="586E75"/>
+                </a:solidFill>
+                <a:effectLst/>
+                <a:latin typeface="Monaco"/>
+              </a:rPr>
+              <a:t>ItemsSource=</a:t>
+            </a:r>
+            <a:r>
+              <a:rPr kumimoji="0" lang="sv-SE" altLang="sv-SE" sz="1200" b="0" i="0" u="none" strike="noStrike" cap="none" normalizeH="0" baseline="0" dirty="0">
+                <a:ln>
+                  <a:noFill/>
+                </a:ln>
+                <a:solidFill>
+                  <a:srgbClr val="2AA198"/>
+                </a:solidFill>
+                <a:effectLst/>
+                <a:latin typeface="Monaco"/>
+              </a:rPr>
+              <a:t>"{x:Bind ViewModel.Thumbnails}"</a:t>
+            </a:r>
+            <a:r>
+              <a:rPr kumimoji="0" lang="sv-SE" altLang="sv-SE" sz="1200" b="0" i="0" u="none" strike="noStrike" cap="none" normalizeH="0" baseline="0" dirty="0">
+                <a:ln>
+                  <a:noFill/>
+                </a:ln>
+                <a:solidFill>
+                  <a:srgbClr val="494E52"/>
+                </a:solidFill>
+                <a:effectLst/>
+                <a:latin typeface="Monaco"/>
+              </a:rPr>
+              <a:t> </a:t>
+            </a:r>
+            <a:r>
+              <a:rPr kumimoji="0" lang="sv-SE" altLang="sv-SE" sz="1200" b="0" i="0" u="none" strike="noStrike" cap="none" normalizeH="0" baseline="0" dirty="0">
+                <a:ln>
+                  <a:noFill/>
+                </a:ln>
+                <a:solidFill>
+                  <a:srgbClr val="586E75"/>
+                </a:solidFill>
+                <a:effectLst/>
+                <a:latin typeface="Monaco"/>
+              </a:rPr>
+              <a:t>ItemTemplateSelector=</a:t>
+            </a:r>
+            <a:r>
+              <a:rPr kumimoji="0" lang="sv-SE" altLang="sv-SE" sz="1200" b="0" i="0" u="none" strike="noStrike" cap="none" normalizeH="0" baseline="0" dirty="0">
+                <a:ln>
+                  <a:noFill/>
+                </a:ln>
+                <a:solidFill>
+                  <a:srgbClr val="2AA198"/>
+                </a:solidFill>
+                <a:effectLst/>
+                <a:latin typeface="Monaco"/>
+              </a:rPr>
+              <a:t>"{StaticResource ViewerTemplateSelector}"</a:t>
+            </a:r>
+            <a:r>
+              <a:rPr kumimoji="0" lang="sv-SE" altLang="sv-SE" sz="1200" b="0" i="0" u="none" strike="noStrike" cap="none" normalizeH="0" baseline="0" dirty="0">
+                <a:ln>
+                  <a:noFill/>
+                </a:ln>
+                <a:solidFill>
+                  <a:srgbClr val="494E52"/>
+                </a:solidFill>
+                <a:effectLst/>
+                <a:latin typeface="Monaco"/>
+              </a:rPr>
+              <a:t> </a:t>
+            </a:r>
+            <a:r>
+              <a:rPr kumimoji="0" lang="sv-SE" altLang="sv-SE" sz="1200" b="0" i="0" u="none" strike="noStrike" cap="none" normalizeH="0" baseline="0" dirty="0">
+                <a:ln>
+                  <a:noFill/>
+                </a:ln>
+                <a:solidFill>
+                  <a:srgbClr val="22B3EB"/>
+                </a:solidFill>
+                <a:effectLst/>
+                <a:latin typeface="Monaco"/>
+              </a:rPr>
+              <a:t>/&gt;</a:t>
+            </a:r>
+            <a:r>
+              <a:rPr kumimoji="0" lang="sv-SE" altLang="sv-SE" sz="800" b="0" i="0" u="none" strike="noStrike" cap="none" normalizeH="0" baseline="0" dirty="0">
+                <a:ln>
+                  <a:noFill/>
+                </a:ln>
+                <a:solidFill>
+                  <a:schemeClr val="tx1"/>
+                </a:solidFill>
+                <a:effectLst/>
+              </a:rPr>
+              <a:t> </a:t>
+            </a:r>
+            <a:endParaRPr kumimoji="0" lang="sv-SE" altLang="sv-SE" sz="2800" b="0" i="0" u="none" strike="noStrike" cap="none" normalizeH="0" baseline="0" dirty="0">
+              <a:ln>
+                <a:noFill/>
+              </a:ln>
+              <a:solidFill>
+                <a:schemeClr val="tx1"/>
+              </a:solidFill>
+              <a:effectLst/>
+              <a:latin typeface="Arial" panose="020B0604020202020204" pitchFamily="34" charset="0"/>
+            </a:endParaRPr>
+          </a:p>
+          <a:p>
             <a:endParaRPr lang="sv-SE" dirty="0"/>
           </a:p>
         </p:txBody>
@@ -894,7 +1378,7 @@
     </p:spTree>
     <p:extLst>
       <p:ext uri="{BB962C8B-B14F-4D97-AF65-F5344CB8AC3E}">
-        <p14:creationId xmlns:p14="http://schemas.microsoft.com/office/powerpoint/2010/main" val="3948554352"/>
+        <p14:creationId xmlns:p14="http://schemas.microsoft.com/office/powerpoint/2010/main" val="473385171"/>
       </p:ext>
     </p:extLst>
   </p:cSld>
@@ -957,176 +1441,7 @@
                 <a:ea typeface="+mn-ea"/>
                 <a:cs typeface="+mn-cs"/>
               </a:rPr>
-              <a:t> &lt;Button x:Name="FullScreenButton"  HorizontalAlignment="Right"  Command="{x:Bind ViewModel.FullscreenCommnad}" VerticalAlignment="Bottom" Grid.Row="1"&gt;</a:t>
-            </a:r>
-          </a:p>
-          <a:p>
-            <a:r>
-              <a:rPr lang="sv-SE" sz="1200" kern="1200" dirty="0">
-                <a:solidFill>
-                  <a:schemeClr val="tx1"/>
-                </a:solidFill>
-                <a:latin typeface="+mn-lt"/>
-                <a:ea typeface="+mn-ea"/>
-                <a:cs typeface="+mn-cs"/>
-              </a:rPr>
-              <a:t>            &lt;FontIcon x:Name="FullScreenFontIcon" Foreground="White" FontSize="20" FontFamily="{ThemeResource SymbolThemeFontFamily}" Glyph="&amp;#xE1D9;" HorizontalAlignment="Center" MirroredWhenRightToLeft="True" UseLayoutRounding="False" VerticalAlignment="Center"/&gt;</a:t>
-            </a:r>
-          </a:p>
-          <a:p>
-            <a:r>
-              <a:rPr lang="sv-SE" sz="1200" kern="1200" dirty="0">
-                <a:solidFill>
-                  <a:schemeClr val="tx1"/>
-                </a:solidFill>
-                <a:latin typeface="+mn-lt"/>
-                <a:ea typeface="+mn-ea"/>
-                <a:cs typeface="+mn-cs"/>
-              </a:rPr>
-              <a:t>        &lt;/Button&gt;</a:t>
-            </a:r>
-          </a:p>
-          <a:p>
-            <a:r>
-              <a:rPr lang="sv-SE" sz="1200" kern="1200" dirty="0">
-                <a:solidFill>
-                  <a:schemeClr val="tx1"/>
-                </a:solidFill>
-                <a:latin typeface="+mn-lt"/>
-                <a:ea typeface="+mn-ea"/>
-                <a:cs typeface="+mn-cs"/>
-              </a:rPr>
-              <a:t> </a:t>
-            </a:r>
-          </a:p>
-          <a:p>
-            <a:r>
-              <a:rPr lang="sv-SE" sz="1200" kern="1200" dirty="0">
-                <a:solidFill>
-                  <a:schemeClr val="tx1"/>
-                </a:solidFill>
-                <a:latin typeface="+mn-lt"/>
-                <a:ea typeface="+mn-ea"/>
-                <a:cs typeface="+mn-cs"/>
-              </a:rPr>
-              <a:t>&lt;VisualStateGroup x:Name="FullScreenVisualStateGroup"&gt;</a:t>
-            </a:r>
-          </a:p>
-          <a:p>
-            <a:r>
-              <a:rPr lang="sv-SE" sz="1200" kern="1200" dirty="0">
-                <a:solidFill>
-                  <a:schemeClr val="tx1"/>
-                </a:solidFill>
-                <a:latin typeface="+mn-lt"/>
-                <a:ea typeface="+mn-ea"/>
-                <a:cs typeface="+mn-cs"/>
-              </a:rPr>
-              <a:t>                &lt;VisualState x:Name="FullScreenState"&gt;</a:t>
-            </a:r>
-          </a:p>
-          <a:p>
-            <a:r>
-              <a:rPr lang="sv-SE" sz="1200" kern="1200" dirty="0">
-                <a:solidFill>
-                  <a:schemeClr val="tx1"/>
-                </a:solidFill>
-                <a:latin typeface="+mn-lt"/>
-                <a:ea typeface="+mn-ea"/>
-                <a:cs typeface="+mn-cs"/>
-              </a:rPr>
-              <a:t>                    &lt;VisualState.StateTriggers&gt;</a:t>
-            </a:r>
-          </a:p>
-          <a:p>
-            <a:r>
-              <a:rPr lang="sv-SE" sz="1200" kern="1200" dirty="0">
-                <a:solidFill>
-                  <a:schemeClr val="tx1"/>
-                </a:solidFill>
-                <a:latin typeface="+mn-lt"/>
-                <a:ea typeface="+mn-ea"/>
-                <a:cs typeface="+mn-cs"/>
-              </a:rPr>
-              <a:t>                        &lt;StateTrigger IsActive="{x:Bind ViewModel.IsFullScreen,Mode=OneWay}"/&gt;</a:t>
-            </a:r>
-          </a:p>
-          <a:p>
-            <a:r>
-              <a:rPr lang="sv-SE" sz="1200" kern="1200" dirty="0">
-                <a:solidFill>
-                  <a:schemeClr val="tx1"/>
-                </a:solidFill>
-                <a:latin typeface="+mn-lt"/>
-                <a:ea typeface="+mn-ea"/>
-                <a:cs typeface="+mn-cs"/>
-              </a:rPr>
-              <a:t>                    &lt;/VisualState.StateTriggers&gt;</a:t>
-            </a:r>
-          </a:p>
-          <a:p>
-            <a:r>
-              <a:rPr lang="sv-SE" sz="1200" kern="1200" dirty="0">
-                <a:solidFill>
-                  <a:schemeClr val="tx1"/>
-                </a:solidFill>
-                <a:latin typeface="+mn-lt"/>
-                <a:ea typeface="+mn-ea"/>
-                <a:cs typeface="+mn-cs"/>
-              </a:rPr>
-              <a:t>                    &lt;VisualState.Setters&gt;</a:t>
-            </a:r>
-          </a:p>
-          <a:p>
-            <a:r>
-              <a:rPr lang="sv-SE" sz="1200" kern="1200" dirty="0">
-                <a:solidFill>
-                  <a:schemeClr val="tx1"/>
-                </a:solidFill>
-                <a:latin typeface="+mn-lt"/>
-                <a:ea typeface="+mn-ea"/>
-                <a:cs typeface="+mn-cs"/>
-              </a:rPr>
-              <a:t>                        &lt;Setter Target="FullScreenFontIcon.(FontIcon.Glyph)" Value="&amp;#xE1D8;"/&gt;</a:t>
-            </a:r>
-          </a:p>
-          <a:p>
-            <a:r>
-              <a:rPr lang="sv-SE" sz="1200" kern="1200" dirty="0">
-                <a:solidFill>
-                  <a:schemeClr val="tx1"/>
-                </a:solidFill>
-                <a:latin typeface="+mn-lt"/>
-                <a:ea typeface="+mn-ea"/>
-                <a:cs typeface="+mn-cs"/>
-              </a:rPr>
-              <a:t>                    &lt;/VisualState.Setters&gt;</a:t>
-            </a:r>
-          </a:p>
-          <a:p>
-            <a:r>
-              <a:rPr lang="sv-SE" sz="1200" kern="1200" dirty="0">
-                <a:solidFill>
-                  <a:schemeClr val="tx1"/>
-                </a:solidFill>
-                <a:latin typeface="+mn-lt"/>
-                <a:ea typeface="+mn-ea"/>
-                <a:cs typeface="+mn-cs"/>
-              </a:rPr>
-              <a:t>                &lt;/VisualState&gt;</a:t>
-            </a:r>
-          </a:p>
-          <a:p>
-            <a:r>
-              <a:rPr lang="sv-SE" sz="1200" kern="1200" dirty="0">
-                <a:solidFill>
-                  <a:schemeClr val="tx1"/>
-                </a:solidFill>
-                <a:latin typeface="+mn-lt"/>
-                <a:ea typeface="+mn-ea"/>
-                <a:cs typeface="+mn-cs"/>
-              </a:rPr>
-              <a:t>            &lt;/VisualStateGroup&gt;</a:t>
+              <a:t> &lt;ListView x:Name="listView"  HorizontalAlignment="Center"  ScrollViewer.HorizontalScrollMode="Enabled"  ScrollViewer.HorizontalScrollBarVisibility="Visible" ScrollViewer.IsHorizontalRailEnabled="True" ItemTemplate="{StaticResource ImageFilmStripItemDataTemplate}"  SelectedItem="{x:Bind ViewModel.SelectedObject, Mode=TwoWay}" ItemsSource="{x:Bind ViewModel.Thumbnails}"  Grid.Row="1" VerticalAlignment="Bottom" ItemsPanel="{StaticResource ItemsPanelTemplate}" ItemContainerStyle="{StaticResource ListViewItemStyle1}" Margin="50,0"  /&gt;</a:t>
             </a:r>
           </a:p>
           <a:p>
@@ -1149,18 +1464,8 @@
                 <a:ea typeface="+mn-ea"/>
                 <a:cs typeface="+mn-cs"/>
               </a:rPr>
-              <a:t> public bool IsFullScreen { get { return ApplicationView.GetForCurrentView().IsFullScreenMode; } }</a:t>
-            </a:r>
-          </a:p>
-          <a:p>
-            <a:endParaRPr lang="sv-SE" sz="1200" kern="1200" dirty="0">
-              <a:solidFill>
-                <a:schemeClr val="tx1"/>
-              </a:solidFill>
-              <a:latin typeface="+mn-lt"/>
-              <a:ea typeface="+mn-ea"/>
-              <a:cs typeface="+mn-cs"/>
-            </a:endParaRPr>
+              <a:t> &lt;ItemsPanelTemplate x:Key="ItemsPanelTemplate"&gt;</a:t>
+            </a:r>
           </a:p>
           <a:p>
             <a:r>
@@ -1172,7 +1477,7 @@
                 <a:ea typeface="+mn-ea"/>
                 <a:cs typeface="+mn-cs"/>
               </a:rPr>
-              <a:t> FullscreenCommnad = new DelegateCommand(() =&gt;</a:t>
+              <a:t>            &lt;ItemsStackPanel Orientation="Horizontal" /&gt;</a:t>
             </a:r>
           </a:p>
           <a:p>
@@ -1185,46 +1490,7 @@
                 <a:ea typeface="+mn-ea"/>
                 <a:cs typeface="+mn-cs"/>
               </a:rPr>
-              <a:t>            {</a:t>
-            </a:r>
-          </a:p>
-          <a:p>
-            <a:r>
-              <a:rPr lang="sv-SE" sz="1200" kern="1200" dirty="0">
-                <a:solidFill>
-                  <a:schemeClr val="tx1"/>
-                </a:solidFill>
-                <a:latin typeface="+mn-lt"/>
-                <a:ea typeface="+mn-ea"/>
-                <a:cs typeface="+mn-cs"/>
-              </a:rPr>
-              <a:t>                ToggleFullScreenMode();</a:t>
-            </a:r>
-          </a:p>
-          <a:p>
-            <a:r>
-              <a:rPr lang="sv-SE" sz="1200" kern="1200" dirty="0">
-                <a:solidFill>
-                  <a:schemeClr val="tx1"/>
-                </a:solidFill>
-                <a:latin typeface="+mn-lt"/>
-                <a:ea typeface="+mn-ea"/>
-                <a:cs typeface="+mn-cs"/>
-              </a:rPr>
-              <a:t>                OnPropertyChanged(() =&gt; IsFullScreen);</a:t>
-            </a:r>
-          </a:p>
-          <a:p>
-            <a:r>
-              <a:rPr lang="sv-SE" sz="1200" kern="1200" dirty="0">
-                <a:solidFill>
-                  <a:schemeClr val="tx1"/>
-                </a:solidFill>
-                <a:latin typeface="+mn-lt"/>
-                <a:ea typeface="+mn-ea"/>
-                <a:cs typeface="+mn-cs"/>
-              </a:rPr>
-              <a:t>            });</a:t>
+              <a:t>        &lt;/ItemsPanelTemplate&gt;</a:t>
             </a:r>
             <a:endParaRPr lang="sv-SE" dirty="0"/>
           </a:p>
@@ -1256,7 +1522,7 @@
     </p:spTree>
     <p:extLst>
       <p:ext uri="{BB962C8B-B14F-4D97-AF65-F5344CB8AC3E}">
-        <p14:creationId xmlns:p14="http://schemas.microsoft.com/office/powerpoint/2010/main" val="1190943076"/>
+        <p14:creationId xmlns:p14="http://schemas.microsoft.com/office/powerpoint/2010/main" val="3948554352"/>
       </p:ext>
     </p:extLst>
   </p:cSld>
@@ -1319,7 +1585,176 @@
                 <a:ea typeface="+mn-ea"/>
                 <a:cs typeface="+mn-cs"/>
               </a:rPr>
-              <a:t>FlipView Tapped="{x:Bind ViewModel.OnViewTapped}" </a:t>
+              <a:t> &lt;Button x:Name="FullScreenButton"  HorizontalAlignment="Right"  Command="{x:Bind ViewModel.FullscreenCommnad}" VerticalAlignment="Bottom" Grid.Row="1"&gt;</a:t>
+            </a:r>
+          </a:p>
+          <a:p>
+            <a:r>
+              <a:rPr lang="sv-SE" sz="1200" kern="1200" dirty="0">
+                <a:solidFill>
+                  <a:schemeClr val="tx1"/>
+                </a:solidFill>
+                <a:latin typeface="+mn-lt"/>
+                <a:ea typeface="+mn-ea"/>
+                <a:cs typeface="+mn-cs"/>
+              </a:rPr>
+              <a:t>            &lt;FontIcon x:Name="FullScreenFontIcon" Foreground="White" FontSize="20" FontFamily="{ThemeResource SymbolThemeFontFamily}" Glyph="&amp;#xE1D9;" HorizontalAlignment="Center" MirroredWhenRightToLeft="True" UseLayoutRounding="False" VerticalAlignment="Center"/&gt;</a:t>
+            </a:r>
+          </a:p>
+          <a:p>
+            <a:r>
+              <a:rPr lang="sv-SE" sz="1200" kern="1200" dirty="0">
+                <a:solidFill>
+                  <a:schemeClr val="tx1"/>
+                </a:solidFill>
+                <a:latin typeface="+mn-lt"/>
+                <a:ea typeface="+mn-ea"/>
+                <a:cs typeface="+mn-cs"/>
+              </a:rPr>
+              <a:t>        &lt;/Button&gt;</a:t>
+            </a:r>
+          </a:p>
+          <a:p>
+            <a:r>
+              <a:rPr lang="sv-SE" sz="1200" kern="1200" dirty="0">
+                <a:solidFill>
+                  <a:schemeClr val="tx1"/>
+                </a:solidFill>
+                <a:latin typeface="+mn-lt"/>
+                <a:ea typeface="+mn-ea"/>
+                <a:cs typeface="+mn-cs"/>
+              </a:rPr>
+              <a:t> </a:t>
+            </a:r>
+          </a:p>
+          <a:p>
+            <a:r>
+              <a:rPr lang="sv-SE" sz="1200" kern="1200" dirty="0">
+                <a:solidFill>
+                  <a:schemeClr val="tx1"/>
+                </a:solidFill>
+                <a:latin typeface="+mn-lt"/>
+                <a:ea typeface="+mn-ea"/>
+                <a:cs typeface="+mn-cs"/>
+              </a:rPr>
+              <a:t>&lt;VisualStateGroup x:Name="FullScreenVisualStateGroup"&gt;</a:t>
+            </a:r>
+          </a:p>
+          <a:p>
+            <a:r>
+              <a:rPr lang="sv-SE" sz="1200" kern="1200" dirty="0">
+                <a:solidFill>
+                  <a:schemeClr val="tx1"/>
+                </a:solidFill>
+                <a:latin typeface="+mn-lt"/>
+                <a:ea typeface="+mn-ea"/>
+                <a:cs typeface="+mn-cs"/>
+              </a:rPr>
+              <a:t>                &lt;VisualState x:Name="FullScreenState"&gt;</a:t>
+            </a:r>
+          </a:p>
+          <a:p>
+            <a:r>
+              <a:rPr lang="sv-SE" sz="1200" kern="1200" dirty="0">
+                <a:solidFill>
+                  <a:schemeClr val="tx1"/>
+                </a:solidFill>
+                <a:latin typeface="+mn-lt"/>
+                <a:ea typeface="+mn-ea"/>
+                <a:cs typeface="+mn-cs"/>
+              </a:rPr>
+              <a:t>                    &lt;VisualState.StateTriggers&gt;</a:t>
+            </a:r>
+          </a:p>
+          <a:p>
+            <a:r>
+              <a:rPr lang="sv-SE" sz="1200" kern="1200" dirty="0">
+                <a:solidFill>
+                  <a:schemeClr val="tx1"/>
+                </a:solidFill>
+                <a:latin typeface="+mn-lt"/>
+                <a:ea typeface="+mn-ea"/>
+                <a:cs typeface="+mn-cs"/>
+              </a:rPr>
+              <a:t>                        &lt;StateTrigger IsActive="{x:Bind ViewModel.IsFullScreen,Mode=OneWay}"/&gt;</a:t>
+            </a:r>
+          </a:p>
+          <a:p>
+            <a:r>
+              <a:rPr lang="sv-SE" sz="1200" kern="1200" dirty="0">
+                <a:solidFill>
+                  <a:schemeClr val="tx1"/>
+                </a:solidFill>
+                <a:latin typeface="+mn-lt"/>
+                <a:ea typeface="+mn-ea"/>
+                <a:cs typeface="+mn-cs"/>
+              </a:rPr>
+              <a:t>                    &lt;/VisualState.StateTriggers&gt;</a:t>
+            </a:r>
+          </a:p>
+          <a:p>
+            <a:r>
+              <a:rPr lang="sv-SE" sz="1200" kern="1200" dirty="0">
+                <a:solidFill>
+                  <a:schemeClr val="tx1"/>
+                </a:solidFill>
+                <a:latin typeface="+mn-lt"/>
+                <a:ea typeface="+mn-ea"/>
+                <a:cs typeface="+mn-cs"/>
+              </a:rPr>
+              <a:t>                    &lt;VisualState.Setters&gt;</a:t>
+            </a:r>
+          </a:p>
+          <a:p>
+            <a:r>
+              <a:rPr lang="sv-SE" sz="1200" kern="1200" dirty="0">
+                <a:solidFill>
+                  <a:schemeClr val="tx1"/>
+                </a:solidFill>
+                <a:latin typeface="+mn-lt"/>
+                <a:ea typeface="+mn-ea"/>
+                <a:cs typeface="+mn-cs"/>
+              </a:rPr>
+              <a:t>                        &lt;Setter Target="FullScreenFontIcon.(FontIcon.Glyph)" Value="&amp;#xE1D8;"/&gt;</a:t>
+            </a:r>
+          </a:p>
+          <a:p>
+            <a:r>
+              <a:rPr lang="sv-SE" sz="1200" kern="1200" dirty="0">
+                <a:solidFill>
+                  <a:schemeClr val="tx1"/>
+                </a:solidFill>
+                <a:latin typeface="+mn-lt"/>
+                <a:ea typeface="+mn-ea"/>
+                <a:cs typeface="+mn-cs"/>
+              </a:rPr>
+              <a:t>                    &lt;/VisualState.Setters&gt;</a:t>
+            </a:r>
+          </a:p>
+          <a:p>
+            <a:r>
+              <a:rPr lang="sv-SE" sz="1200" kern="1200" dirty="0">
+                <a:solidFill>
+                  <a:schemeClr val="tx1"/>
+                </a:solidFill>
+                <a:latin typeface="+mn-lt"/>
+                <a:ea typeface="+mn-ea"/>
+                <a:cs typeface="+mn-cs"/>
+              </a:rPr>
+              <a:t>                &lt;/VisualState&gt;</a:t>
+            </a:r>
+          </a:p>
+          <a:p>
+            <a:r>
+              <a:rPr lang="sv-SE" sz="1200" kern="1200" dirty="0">
+                <a:solidFill>
+                  <a:schemeClr val="tx1"/>
+                </a:solidFill>
+                <a:latin typeface="+mn-lt"/>
+                <a:ea typeface="+mn-ea"/>
+                <a:cs typeface="+mn-cs"/>
+              </a:rPr>
+              <a:t>            &lt;/VisualStateGroup&gt;</a:t>
             </a:r>
           </a:p>
           <a:p>
@@ -1334,63 +1769,6 @@
           </a:p>
           <a:p>
             <a:r>
-              <a:rPr lang="en-US" sz="1200" kern="1200" dirty="0">
-                <a:solidFill>
-                  <a:schemeClr val="tx1"/>
-                </a:solidFill>
-                <a:latin typeface="+mn-lt"/>
-                <a:ea typeface="+mn-ea"/>
-                <a:cs typeface="+mn-cs"/>
-              </a:rPr>
-              <a:t> public void </a:t>
-            </a:r>
-            <a:r>
-              <a:rPr lang="en-US" sz="1200" kern="1200" dirty="0" err="1">
-                <a:solidFill>
-                  <a:schemeClr val="tx1"/>
-                </a:solidFill>
-                <a:latin typeface="+mn-lt"/>
-                <a:ea typeface="+mn-ea"/>
-                <a:cs typeface="+mn-cs"/>
-              </a:rPr>
-              <a:t>OnViewTapped</a:t>
-            </a:r>
-            <a:r>
-              <a:rPr lang="en-US" sz="1200" kern="1200" dirty="0">
-                <a:solidFill>
-                  <a:schemeClr val="tx1"/>
-                </a:solidFill>
-                <a:latin typeface="+mn-lt"/>
-                <a:ea typeface="+mn-ea"/>
-                <a:cs typeface="+mn-cs"/>
-              </a:rPr>
-              <a:t>(object sender, </a:t>
-            </a:r>
-            <a:r>
-              <a:rPr lang="en-US" sz="1200" kern="1200" dirty="0" err="1">
-                <a:solidFill>
-                  <a:schemeClr val="tx1"/>
-                </a:solidFill>
-                <a:latin typeface="+mn-lt"/>
-                <a:ea typeface="+mn-ea"/>
-                <a:cs typeface="+mn-cs"/>
-              </a:rPr>
-              <a:t>RoutedEventArgs</a:t>
-            </a:r>
-            <a:r>
-              <a:rPr lang="en-US" sz="1200" kern="1200" dirty="0">
-                <a:solidFill>
-                  <a:schemeClr val="tx1"/>
-                </a:solidFill>
-                <a:latin typeface="+mn-lt"/>
-                <a:ea typeface="+mn-ea"/>
-                <a:cs typeface="+mn-cs"/>
-              </a:rPr>
-              <a:t> e)</a:t>
-            </a:r>
-          </a:p>
-          <a:p>
-            <a:r>
               <a:rPr lang="sv-SE" sz="1200" kern="1200" dirty="0">
                 <a:solidFill>
                   <a:schemeClr val="tx1"/>
@@ -1399,72 +1777,7 @@
                 <a:ea typeface="+mn-ea"/>
                 <a:cs typeface="+mn-cs"/>
               </a:rPr>
-              <a:t>        {</a:t>
-            </a:r>
-          </a:p>
-          <a:p>
-            <a:r>
-              <a:rPr lang="sv-SE" sz="1200" kern="1200" dirty="0">
-                <a:solidFill>
-                  <a:schemeClr val="tx1"/>
-                </a:solidFill>
-                <a:latin typeface="+mn-lt"/>
-                <a:ea typeface="+mn-ea"/>
-                <a:cs typeface="+mn-cs"/>
-              </a:rPr>
-              <a:t>            if (e.OriginalSource.GetType() == typeof(Image)) </a:t>
-            </a:r>
-          </a:p>
-          <a:p>
-            <a:r>
-              <a:rPr lang="sv-SE" sz="1200" kern="1200" dirty="0">
-                <a:solidFill>
-                  <a:schemeClr val="tx1"/>
-                </a:solidFill>
-                <a:latin typeface="+mn-lt"/>
-                <a:ea typeface="+mn-ea"/>
-                <a:cs typeface="+mn-cs"/>
-              </a:rPr>
-              <a:t>            {</a:t>
-            </a:r>
-          </a:p>
-          <a:p>
-            <a:r>
-              <a:rPr lang="sv-SE" sz="1200" kern="1200" dirty="0">
-                <a:solidFill>
-                  <a:schemeClr val="tx1"/>
-                </a:solidFill>
-                <a:latin typeface="+mn-lt"/>
-                <a:ea typeface="+mn-ea"/>
-                <a:cs typeface="+mn-cs"/>
-              </a:rPr>
-              <a:t>                ToogleChrome();</a:t>
-            </a:r>
-          </a:p>
-          <a:p>
-            <a:r>
-              <a:rPr lang="sv-SE" sz="1200" kern="1200" dirty="0">
-                <a:solidFill>
-                  <a:schemeClr val="tx1"/>
-                </a:solidFill>
-                <a:latin typeface="+mn-lt"/>
-                <a:ea typeface="+mn-ea"/>
-                <a:cs typeface="+mn-cs"/>
-              </a:rPr>
-              <a:t>            }</a:t>
-            </a:r>
-          </a:p>
-          <a:p>
-            <a:r>
-              <a:rPr lang="sv-SE" sz="1200" kern="1200" dirty="0">
-                <a:solidFill>
-                  <a:schemeClr val="tx1"/>
-                </a:solidFill>
-                <a:latin typeface="+mn-lt"/>
-                <a:ea typeface="+mn-ea"/>
-                <a:cs typeface="+mn-cs"/>
-              </a:rPr>
-              <a:t>        }</a:t>
+              <a:t> public bool IsFullScreen { get { return ApplicationView.GetForCurrentView().IsFullScreenMode; } }</a:t>
             </a:r>
           </a:p>
           <a:p>
@@ -1487,7 +1800,7 @@
                 <a:ea typeface="+mn-ea"/>
                 <a:cs typeface="+mn-cs"/>
               </a:rPr>
-              <a:t> &lt;VisualStateGroup x:Name="ChromeStateGroup"&gt;             </a:t>
+              <a:t> FullscreenCommnad = new DelegateCommand(() =&gt;</a:t>
             </a:r>
           </a:p>
           <a:p>
@@ -1500,7 +1813,7 @@
                 <a:ea typeface="+mn-ea"/>
                 <a:cs typeface="+mn-cs"/>
               </a:rPr>
-              <a:t>                 &lt;VisualState x:Name="ChromeOn"&gt;</a:t>
+              <a:t>            {</a:t>
             </a:r>
           </a:p>
           <a:p>
@@ -1513,7 +1826,7 @@
                 <a:ea typeface="+mn-ea"/>
                 <a:cs typeface="+mn-cs"/>
               </a:rPr>
-              <a:t>                &lt;VisualState.StateTriggers&gt;</a:t>
+              <a:t>                ToggleFullScreenMode();</a:t>
             </a:r>
           </a:p>
           <a:p>
@@ -1526,7 +1839,7 @@
                 <a:ea typeface="+mn-ea"/>
                 <a:cs typeface="+mn-cs"/>
               </a:rPr>
-              <a:t>                    &lt;StateTrigger IsActive="{x:Bind ViewModel.IsChromeOn,Mode=OneWay}"/&gt;</a:t>
+              <a:t>                OnPropertyChanged(() =&gt; IsFullScreen);</a:t>
             </a:r>
           </a:p>
           <a:p>
@@ -1539,9 +1852,91 @@
                 <a:ea typeface="+mn-ea"/>
                 <a:cs typeface="+mn-cs"/>
               </a:rPr>
-              <a:t>                &lt;/VisualState.StateTriggers&gt;</a:t>
-            </a:r>
-          </a:p>
+              <a:t>            });</a:t>
+            </a:r>
+            <a:endParaRPr lang="sv-SE" dirty="0"/>
+          </a:p>
+        </p:txBody>
+      </p:sp>
+      <p:sp>
+        <p:nvSpPr>
+          <p:cNvPr id="4" name="Slide Number Placeholder 3"/>
+          <p:cNvSpPr>
+            <a:spLocks noGrp="1"/>
+          </p:cNvSpPr>
+          <p:nvPr>
+            <p:ph type="sldNum" sz="quarter" idx="10"/>
+          </p:nvPr>
+        </p:nvSpPr>
+        <p:spPr/>
+        <p:txBody>
+          <a:bodyPr/>
+          <a:lstStyle/>
+          <a:p>
+            <a:fld id="{4B9FCB87-32D7-4284-A949-DB9003BC6512}" type="slidenum">
+              <a:rPr lang="sv-SE" smtClean="0"/>
+              <a:t>7</a:t>
+            </a:fld>
+            <a:endParaRPr lang="sv-SE"/>
+          </a:p>
+        </p:txBody>
+      </p:sp>
+    </p:spTree>
+    <p:extLst>
+      <p:ext uri="{BB962C8B-B14F-4D97-AF65-F5344CB8AC3E}">
+        <p14:creationId xmlns:p14="http://schemas.microsoft.com/office/powerpoint/2010/main" val="1190943076"/>
+      </p:ext>
+    </p:extLst>
+  </p:cSld>
+  <p:clrMapOvr>
+    <a:masterClrMapping/>
+  </p:clrMapOvr>
+</p:notes>
+</file>
+
+<file path=ppt/notesSlides/notesSlide6.xml><?xml version="1.0" encoding="utf-8"?>
+<p:notes xmlns:a="http://schemas.openxmlformats.org/drawingml/2006/main" xmlns:r="http://schemas.openxmlformats.org/officeDocument/2006/relationships" xmlns:p="http://schemas.openxmlformats.org/presentationml/2006/main">
+  <p:cSld>
+    <p:spTree>
+      <p:nvGrpSpPr>
+        <p:cNvPr id="1" name=""/>
+        <p:cNvGrpSpPr/>
+        <p:nvPr/>
+      </p:nvGrpSpPr>
+      <p:grpSpPr>
+        <a:xfrm>
+          <a:off x="0" y="0"/>
+          <a:ext cx="0" cy="0"/>
+          <a:chOff x="0" y="0"/>
+          <a:chExt cx="0" cy="0"/>
+        </a:xfrm>
+      </p:grpSpPr>
+      <p:sp>
+        <p:nvSpPr>
+          <p:cNvPr id="2" name="Slide Image Placeholder 1"/>
+          <p:cNvSpPr>
+            <a:spLocks noGrp="1" noRot="1" noChangeAspect="1"/>
+          </p:cNvSpPr>
+          <p:nvPr>
+            <p:ph type="sldImg"/>
+          </p:nvPr>
+        </p:nvSpPr>
+        <p:spPr/>
+      </p:sp>
+      <p:sp>
+        <p:nvSpPr>
+          <p:cNvPr id="3" name="Notes Placeholder 2"/>
+          <p:cNvSpPr>
+            <a:spLocks noGrp="1"/>
+          </p:cNvSpPr>
+          <p:nvPr>
+            <p:ph type="body" idx="1"/>
+          </p:nvPr>
+        </p:nvSpPr>
+        <p:spPr/>
+        <p:txBody>
+          <a:bodyPr/>
+          <a:lstStyle/>
           <a:p>
             <a:r>
               <a:rPr lang="sv-SE" sz="1200" kern="1200" dirty="0">
@@ -1552,567 +1947,7 @@
                 <a:ea typeface="+mn-ea"/>
                 <a:cs typeface="+mn-cs"/>
               </a:rPr>
-              <a:t>                    &lt;VisualState.Setters&gt;</a:t>
-            </a:r>
-          </a:p>
-          <a:p>
-            <a:r>
-              <a:rPr lang="sv-SE" sz="1200" kern="1200" dirty="0">
-                <a:solidFill>
-                  <a:schemeClr val="tx1"/>
-                </a:solidFill>
-                <a:latin typeface="+mn-lt"/>
-                <a:ea typeface="+mn-ea"/>
-                <a:cs typeface="+mn-cs"/>
-              </a:rPr>
-              <a:t>                        &lt;Setter Target="listView.(UIElement.Visibility)" Value="Visible"/&gt;</a:t>
-            </a:r>
-          </a:p>
-          <a:p>
-            <a:r>
-              <a:rPr lang="sv-SE" sz="1200" kern="1200" dirty="0">
-                <a:solidFill>
-                  <a:schemeClr val="tx1"/>
-                </a:solidFill>
-                <a:latin typeface="+mn-lt"/>
-                <a:ea typeface="+mn-ea"/>
-                <a:cs typeface="+mn-cs"/>
-              </a:rPr>
-              <a:t>                        &lt;Setter Target="commandBar.(UIElement.Visibility)" Value="Visible"/&gt;</a:t>
-            </a:r>
-          </a:p>
-          <a:p>
-            <a:r>
-              <a:rPr lang="sv-SE" sz="1200" kern="1200" dirty="0">
-                <a:solidFill>
-                  <a:schemeClr val="tx1"/>
-                </a:solidFill>
-                <a:latin typeface="+mn-lt"/>
-                <a:ea typeface="+mn-ea"/>
-                <a:cs typeface="+mn-cs"/>
-              </a:rPr>
-              <a:t>                    &lt;/VisualState.Setters&gt;</a:t>
-            </a:r>
-          </a:p>
-          <a:p>
-            <a:r>
-              <a:rPr lang="sv-SE" sz="1200" kern="1200" dirty="0">
-                <a:solidFill>
-                  <a:schemeClr val="tx1"/>
-                </a:solidFill>
-                <a:latin typeface="+mn-lt"/>
-                <a:ea typeface="+mn-ea"/>
-                <a:cs typeface="+mn-cs"/>
-              </a:rPr>
-              <a:t>                    &lt;Storyboard&gt;</a:t>
-            </a:r>
-          </a:p>
-          <a:p>
-            <a:r>
-              <a:rPr lang="en-US" sz="1200" kern="1200" dirty="0">
-                <a:solidFill>
-                  <a:schemeClr val="tx1"/>
-                </a:solidFill>
-                <a:latin typeface="+mn-lt"/>
-                <a:ea typeface="+mn-ea"/>
-                <a:cs typeface="+mn-cs"/>
-              </a:rPr>
-              <a:t>                        &lt;</a:t>
-            </a:r>
-            <a:r>
-              <a:rPr lang="en-US" sz="1200" kern="1200" dirty="0" err="1">
-                <a:solidFill>
-                  <a:schemeClr val="tx1"/>
-                </a:solidFill>
-                <a:latin typeface="+mn-lt"/>
-                <a:ea typeface="+mn-ea"/>
-                <a:cs typeface="+mn-cs"/>
-              </a:rPr>
-              <a:t>DoubleAnimation</a:t>
-            </a:r>
-            <a:r>
-              <a:rPr lang="en-US" sz="1200" kern="1200" dirty="0">
-                <a:solidFill>
-                  <a:schemeClr val="tx1"/>
-                </a:solidFill>
-                <a:latin typeface="+mn-lt"/>
-                <a:ea typeface="+mn-ea"/>
-                <a:cs typeface="+mn-cs"/>
-              </a:rPr>
-              <a:t> </a:t>
-            </a:r>
-            <a:r>
-              <a:rPr lang="en-US" sz="1200" kern="1200" dirty="0" err="1">
-                <a:solidFill>
-                  <a:schemeClr val="tx1"/>
-                </a:solidFill>
-                <a:latin typeface="+mn-lt"/>
-                <a:ea typeface="+mn-ea"/>
-                <a:cs typeface="+mn-cs"/>
-              </a:rPr>
-              <a:t>Storyboard.TargetProperty</a:t>
-            </a:r>
-            <a:r>
-              <a:rPr lang="en-US" sz="1200" kern="1200" dirty="0">
-                <a:solidFill>
-                  <a:schemeClr val="tx1"/>
-                </a:solidFill>
-                <a:latin typeface="+mn-lt"/>
-                <a:ea typeface="+mn-ea"/>
-                <a:cs typeface="+mn-cs"/>
-              </a:rPr>
-              <a:t>="Opacity" </a:t>
-            </a:r>
-            <a:r>
-              <a:rPr lang="en-US" sz="1200" kern="1200" dirty="0" err="1">
-                <a:solidFill>
-                  <a:schemeClr val="tx1"/>
-                </a:solidFill>
-                <a:latin typeface="+mn-lt"/>
-                <a:ea typeface="+mn-ea"/>
-                <a:cs typeface="+mn-cs"/>
-              </a:rPr>
-              <a:t>Storyboard.TargetName</a:t>
-            </a:r>
-            <a:r>
-              <a:rPr lang="en-US" sz="1200" kern="1200" dirty="0">
-                <a:solidFill>
-                  <a:schemeClr val="tx1"/>
-                </a:solidFill>
-                <a:latin typeface="+mn-lt"/>
-                <a:ea typeface="+mn-ea"/>
-                <a:cs typeface="+mn-cs"/>
-              </a:rPr>
-              <a:t>="</a:t>
-            </a:r>
-            <a:r>
-              <a:rPr lang="en-US" sz="1200" kern="1200" dirty="0" err="1">
-                <a:solidFill>
-                  <a:schemeClr val="tx1"/>
-                </a:solidFill>
-                <a:latin typeface="+mn-lt"/>
-                <a:ea typeface="+mn-ea"/>
-                <a:cs typeface="+mn-cs"/>
-              </a:rPr>
-              <a:t>commandBar</a:t>
-            </a:r>
-            <a:r>
-              <a:rPr lang="en-US" sz="1200" kern="1200" dirty="0">
-                <a:solidFill>
-                  <a:schemeClr val="tx1"/>
-                </a:solidFill>
-                <a:latin typeface="+mn-lt"/>
-                <a:ea typeface="+mn-ea"/>
-                <a:cs typeface="+mn-cs"/>
-              </a:rPr>
-              <a:t>" From="0" To="1.0" Duration="0:0:0.2"/&gt;</a:t>
-            </a:r>
-          </a:p>
-          <a:p>
-            <a:r>
-              <a:rPr lang="en-US" sz="1200" kern="1200" dirty="0">
-                <a:solidFill>
-                  <a:schemeClr val="tx1"/>
-                </a:solidFill>
-                <a:latin typeface="+mn-lt"/>
-                <a:ea typeface="+mn-ea"/>
-                <a:cs typeface="+mn-cs"/>
-              </a:rPr>
-              <a:t>                        &lt;</a:t>
-            </a:r>
-            <a:r>
-              <a:rPr lang="en-US" sz="1200" kern="1200" dirty="0" err="1">
-                <a:solidFill>
-                  <a:schemeClr val="tx1"/>
-                </a:solidFill>
-                <a:latin typeface="+mn-lt"/>
-                <a:ea typeface="+mn-ea"/>
-                <a:cs typeface="+mn-cs"/>
-              </a:rPr>
-              <a:t>DoubleAnimation</a:t>
-            </a:r>
-            <a:r>
-              <a:rPr lang="en-US" sz="1200" kern="1200" dirty="0">
-                <a:solidFill>
-                  <a:schemeClr val="tx1"/>
-                </a:solidFill>
-                <a:latin typeface="+mn-lt"/>
-                <a:ea typeface="+mn-ea"/>
-                <a:cs typeface="+mn-cs"/>
-              </a:rPr>
-              <a:t> </a:t>
-            </a:r>
-            <a:r>
-              <a:rPr lang="en-US" sz="1200" kern="1200" dirty="0" err="1">
-                <a:solidFill>
-                  <a:schemeClr val="tx1"/>
-                </a:solidFill>
-                <a:latin typeface="+mn-lt"/>
-                <a:ea typeface="+mn-ea"/>
-                <a:cs typeface="+mn-cs"/>
-              </a:rPr>
-              <a:t>Storyboard.TargetProperty</a:t>
-            </a:r>
-            <a:r>
-              <a:rPr lang="en-US" sz="1200" kern="1200" dirty="0">
-                <a:solidFill>
-                  <a:schemeClr val="tx1"/>
-                </a:solidFill>
-                <a:latin typeface="+mn-lt"/>
-                <a:ea typeface="+mn-ea"/>
-                <a:cs typeface="+mn-cs"/>
-              </a:rPr>
-              <a:t>="Opacity" </a:t>
-            </a:r>
-            <a:r>
-              <a:rPr lang="en-US" sz="1200" kern="1200" dirty="0" err="1">
-                <a:solidFill>
-                  <a:schemeClr val="tx1"/>
-                </a:solidFill>
-                <a:latin typeface="+mn-lt"/>
-                <a:ea typeface="+mn-ea"/>
-                <a:cs typeface="+mn-cs"/>
-              </a:rPr>
-              <a:t>Storyboard.TargetName</a:t>
-            </a:r>
-            <a:r>
-              <a:rPr lang="en-US" sz="1200" kern="1200" dirty="0">
-                <a:solidFill>
-                  <a:schemeClr val="tx1"/>
-                </a:solidFill>
-                <a:latin typeface="+mn-lt"/>
-                <a:ea typeface="+mn-ea"/>
-                <a:cs typeface="+mn-cs"/>
-              </a:rPr>
-              <a:t>="</a:t>
-            </a:r>
-            <a:r>
-              <a:rPr lang="en-US" sz="1200" kern="1200" dirty="0" err="1">
-                <a:solidFill>
-                  <a:schemeClr val="tx1"/>
-                </a:solidFill>
-                <a:latin typeface="+mn-lt"/>
-                <a:ea typeface="+mn-ea"/>
-                <a:cs typeface="+mn-cs"/>
-              </a:rPr>
-              <a:t>listView</a:t>
-            </a:r>
-            <a:r>
-              <a:rPr lang="en-US" sz="1200" kern="1200" dirty="0">
-                <a:solidFill>
-                  <a:schemeClr val="tx1"/>
-                </a:solidFill>
-                <a:latin typeface="+mn-lt"/>
-                <a:ea typeface="+mn-ea"/>
-                <a:cs typeface="+mn-cs"/>
-              </a:rPr>
-              <a:t>" From="0" To="1.0" Duration="0:0:0.2"/&gt;                                          </a:t>
-            </a:r>
-          </a:p>
-          <a:p>
-            <a:r>
-              <a:rPr lang="sv-SE" sz="1200" kern="1200" dirty="0">
-                <a:solidFill>
-                  <a:schemeClr val="tx1"/>
-                </a:solidFill>
-                <a:latin typeface="+mn-lt"/>
-                <a:ea typeface="+mn-ea"/>
-                <a:cs typeface="+mn-cs"/>
-              </a:rPr>
-              <a:t>                    &lt;/Storyboard&gt;</a:t>
-            </a:r>
-          </a:p>
-          <a:p>
-            <a:r>
-              <a:rPr lang="sv-SE" sz="1200" kern="1200" dirty="0">
-                <a:solidFill>
-                  <a:schemeClr val="tx1"/>
-                </a:solidFill>
-                <a:latin typeface="+mn-lt"/>
-                <a:ea typeface="+mn-ea"/>
-                <a:cs typeface="+mn-cs"/>
-              </a:rPr>
-              <a:t>                  </a:t>
-            </a:r>
-          </a:p>
-          <a:p>
-            <a:r>
-              <a:rPr lang="sv-SE" sz="1200" kern="1200" dirty="0">
-                <a:solidFill>
-                  <a:schemeClr val="tx1"/>
-                </a:solidFill>
-                <a:latin typeface="+mn-lt"/>
-                <a:ea typeface="+mn-ea"/>
-                <a:cs typeface="+mn-cs"/>
-              </a:rPr>
-              <a:t>            &lt;/VisualState&gt;</a:t>
-            </a:r>
-          </a:p>
-          <a:p>
-            <a:r>
-              <a:rPr lang="sv-SE" sz="1200" kern="1200" dirty="0">
-                <a:solidFill>
-                  <a:schemeClr val="tx1"/>
-                </a:solidFill>
-                <a:latin typeface="+mn-lt"/>
-                <a:ea typeface="+mn-ea"/>
-                <a:cs typeface="+mn-cs"/>
-              </a:rPr>
-              <a:t>                &lt;VisualState x:Name="ChromeOff"&gt;</a:t>
-            </a:r>
-          </a:p>
-          <a:p>
-            <a:r>
-              <a:rPr lang="sv-SE" sz="1200" kern="1200" dirty="0">
-                <a:solidFill>
-                  <a:schemeClr val="tx1"/>
-                </a:solidFill>
-                <a:latin typeface="+mn-lt"/>
-                <a:ea typeface="+mn-ea"/>
-                <a:cs typeface="+mn-cs"/>
-              </a:rPr>
-              <a:t>                    &lt;VisualState.StateTriggers&gt;</a:t>
-            </a:r>
-          </a:p>
-          <a:p>
-            <a:r>
-              <a:rPr lang="sv-SE" sz="1200" kern="1200" dirty="0">
-                <a:solidFill>
-                  <a:schemeClr val="tx1"/>
-                </a:solidFill>
-                <a:latin typeface="+mn-lt"/>
-                <a:ea typeface="+mn-ea"/>
-                <a:cs typeface="+mn-cs"/>
-              </a:rPr>
-              <a:t>                        &lt;StateTrigger IsActive="{x:Bind ViewModel.IsChromeOff, Mode=OneWay}"/&gt;</a:t>
-            </a:r>
-          </a:p>
-          <a:p>
-            <a:r>
-              <a:rPr lang="sv-SE" sz="1200" kern="1200" dirty="0">
-                <a:solidFill>
-                  <a:schemeClr val="tx1"/>
-                </a:solidFill>
-                <a:latin typeface="+mn-lt"/>
-                <a:ea typeface="+mn-ea"/>
-                <a:cs typeface="+mn-cs"/>
-              </a:rPr>
-              <a:t>                    &lt;/VisualState.StateTriggers&gt;</a:t>
-            </a:r>
-          </a:p>
-          <a:p>
-            <a:r>
-              <a:rPr lang="sv-SE" sz="1200" kern="1200" dirty="0">
-                <a:solidFill>
-                  <a:schemeClr val="tx1"/>
-                </a:solidFill>
-                <a:latin typeface="+mn-lt"/>
-                <a:ea typeface="+mn-ea"/>
-                <a:cs typeface="+mn-cs"/>
-              </a:rPr>
-              <a:t>                    &lt;Storyboard&gt;</a:t>
-            </a:r>
-          </a:p>
-          <a:p>
-            <a:r>
-              <a:rPr lang="en-US" sz="1200" kern="1200" dirty="0">
-                <a:solidFill>
-                  <a:schemeClr val="tx1"/>
-                </a:solidFill>
-                <a:latin typeface="+mn-lt"/>
-                <a:ea typeface="+mn-ea"/>
-                <a:cs typeface="+mn-cs"/>
-              </a:rPr>
-              <a:t>                        &lt;</a:t>
-            </a:r>
-            <a:r>
-              <a:rPr lang="en-US" sz="1200" kern="1200" dirty="0" err="1">
-                <a:solidFill>
-                  <a:schemeClr val="tx1"/>
-                </a:solidFill>
-                <a:latin typeface="+mn-lt"/>
-                <a:ea typeface="+mn-ea"/>
-                <a:cs typeface="+mn-cs"/>
-              </a:rPr>
-              <a:t>DoubleAnimation</a:t>
-            </a:r>
-            <a:r>
-              <a:rPr lang="en-US" sz="1200" kern="1200" dirty="0">
-                <a:solidFill>
-                  <a:schemeClr val="tx1"/>
-                </a:solidFill>
-                <a:latin typeface="+mn-lt"/>
-                <a:ea typeface="+mn-ea"/>
-                <a:cs typeface="+mn-cs"/>
-              </a:rPr>
-              <a:t> </a:t>
-            </a:r>
-            <a:r>
-              <a:rPr lang="en-US" sz="1200" kern="1200" dirty="0" err="1">
-                <a:solidFill>
-                  <a:schemeClr val="tx1"/>
-                </a:solidFill>
-                <a:latin typeface="+mn-lt"/>
-                <a:ea typeface="+mn-ea"/>
-                <a:cs typeface="+mn-cs"/>
-              </a:rPr>
-              <a:t>Storyboard.TargetProperty</a:t>
-            </a:r>
-            <a:r>
-              <a:rPr lang="en-US" sz="1200" kern="1200" dirty="0">
-                <a:solidFill>
-                  <a:schemeClr val="tx1"/>
-                </a:solidFill>
-                <a:latin typeface="+mn-lt"/>
-                <a:ea typeface="+mn-ea"/>
-                <a:cs typeface="+mn-cs"/>
-              </a:rPr>
-              <a:t>="Opacity" </a:t>
-            </a:r>
-            <a:r>
-              <a:rPr lang="en-US" sz="1200" kern="1200" dirty="0" err="1">
-                <a:solidFill>
-                  <a:schemeClr val="tx1"/>
-                </a:solidFill>
-                <a:latin typeface="+mn-lt"/>
-                <a:ea typeface="+mn-ea"/>
-                <a:cs typeface="+mn-cs"/>
-              </a:rPr>
-              <a:t>Storyboard.TargetName</a:t>
-            </a:r>
-            <a:r>
-              <a:rPr lang="en-US" sz="1200" kern="1200" dirty="0">
-                <a:solidFill>
-                  <a:schemeClr val="tx1"/>
-                </a:solidFill>
-                <a:latin typeface="+mn-lt"/>
-                <a:ea typeface="+mn-ea"/>
-                <a:cs typeface="+mn-cs"/>
-              </a:rPr>
-              <a:t>="</a:t>
-            </a:r>
-            <a:r>
-              <a:rPr lang="en-US" sz="1200" kern="1200" dirty="0" err="1">
-                <a:solidFill>
-                  <a:schemeClr val="tx1"/>
-                </a:solidFill>
-                <a:latin typeface="+mn-lt"/>
-                <a:ea typeface="+mn-ea"/>
-                <a:cs typeface="+mn-cs"/>
-              </a:rPr>
-              <a:t>commandBar</a:t>
-            </a:r>
-            <a:r>
-              <a:rPr lang="en-US" sz="1200" kern="1200" dirty="0">
-                <a:solidFill>
-                  <a:schemeClr val="tx1"/>
-                </a:solidFill>
-                <a:latin typeface="+mn-lt"/>
-                <a:ea typeface="+mn-ea"/>
-                <a:cs typeface="+mn-cs"/>
-              </a:rPr>
-              <a:t>" To="0" Duration="0:0:0.2"/&gt;</a:t>
-            </a:r>
-          </a:p>
-          <a:p>
-            <a:r>
-              <a:rPr lang="en-US" sz="1200" kern="1200" dirty="0">
-                <a:solidFill>
-                  <a:schemeClr val="tx1"/>
-                </a:solidFill>
-                <a:latin typeface="+mn-lt"/>
-                <a:ea typeface="+mn-ea"/>
-                <a:cs typeface="+mn-cs"/>
-              </a:rPr>
-              <a:t>                        &lt;</a:t>
-            </a:r>
-            <a:r>
-              <a:rPr lang="en-US" sz="1200" kern="1200" dirty="0" err="1">
-                <a:solidFill>
-                  <a:schemeClr val="tx1"/>
-                </a:solidFill>
-                <a:latin typeface="+mn-lt"/>
-                <a:ea typeface="+mn-ea"/>
-                <a:cs typeface="+mn-cs"/>
-              </a:rPr>
-              <a:t>DoubleAnimation</a:t>
-            </a:r>
-            <a:r>
-              <a:rPr lang="en-US" sz="1200" kern="1200" dirty="0">
-                <a:solidFill>
-                  <a:schemeClr val="tx1"/>
-                </a:solidFill>
-                <a:latin typeface="+mn-lt"/>
-                <a:ea typeface="+mn-ea"/>
-                <a:cs typeface="+mn-cs"/>
-              </a:rPr>
-              <a:t> </a:t>
-            </a:r>
-            <a:r>
-              <a:rPr lang="en-US" sz="1200" kern="1200" dirty="0" err="1">
-                <a:solidFill>
-                  <a:schemeClr val="tx1"/>
-                </a:solidFill>
-                <a:latin typeface="+mn-lt"/>
-                <a:ea typeface="+mn-ea"/>
-                <a:cs typeface="+mn-cs"/>
-              </a:rPr>
-              <a:t>Storyboard.TargetProperty</a:t>
-            </a:r>
-            <a:r>
-              <a:rPr lang="en-US" sz="1200" kern="1200" dirty="0">
-                <a:solidFill>
-                  <a:schemeClr val="tx1"/>
-                </a:solidFill>
-                <a:latin typeface="+mn-lt"/>
-                <a:ea typeface="+mn-ea"/>
-                <a:cs typeface="+mn-cs"/>
-              </a:rPr>
-              <a:t>="Opacity" </a:t>
-            </a:r>
-            <a:r>
-              <a:rPr lang="en-US" sz="1200" kern="1200" dirty="0" err="1">
-                <a:solidFill>
-                  <a:schemeClr val="tx1"/>
-                </a:solidFill>
-                <a:latin typeface="+mn-lt"/>
-                <a:ea typeface="+mn-ea"/>
-                <a:cs typeface="+mn-cs"/>
-              </a:rPr>
-              <a:t>Storyboard.TargetName</a:t>
-            </a:r>
-            <a:r>
-              <a:rPr lang="en-US" sz="1200" kern="1200" dirty="0">
-                <a:solidFill>
-                  <a:schemeClr val="tx1"/>
-                </a:solidFill>
-                <a:latin typeface="+mn-lt"/>
-                <a:ea typeface="+mn-ea"/>
-                <a:cs typeface="+mn-cs"/>
-              </a:rPr>
-              <a:t>="</a:t>
-            </a:r>
-            <a:r>
-              <a:rPr lang="en-US" sz="1200" kern="1200" dirty="0" err="1">
-                <a:solidFill>
-                  <a:schemeClr val="tx1"/>
-                </a:solidFill>
-                <a:latin typeface="+mn-lt"/>
-                <a:ea typeface="+mn-ea"/>
-                <a:cs typeface="+mn-cs"/>
-              </a:rPr>
-              <a:t>listView</a:t>
-            </a:r>
-            <a:r>
-              <a:rPr lang="en-US" sz="1200" kern="1200" dirty="0">
-                <a:solidFill>
-                  <a:schemeClr val="tx1"/>
-                </a:solidFill>
-                <a:latin typeface="+mn-lt"/>
-                <a:ea typeface="+mn-ea"/>
-                <a:cs typeface="+mn-cs"/>
-              </a:rPr>
-              <a:t>" To="0" Duration="0:0:0.2"/&gt;</a:t>
+              <a:t>FlipView Tapped="{x:Bind ViewModel.OnViewTapped}" </a:t>
             </a:r>
           </a:p>
           <a:p>
@@ -2127,6 +1962,799 @@
           </a:p>
           <a:p>
             <a:r>
+              <a:rPr lang="en-US" sz="1200" kern="1200" dirty="0">
+                <a:solidFill>
+                  <a:schemeClr val="tx1"/>
+                </a:solidFill>
+                <a:latin typeface="+mn-lt"/>
+                <a:ea typeface="+mn-ea"/>
+                <a:cs typeface="+mn-cs"/>
+              </a:rPr>
+              <a:t> public void </a:t>
+            </a:r>
+            <a:r>
+              <a:rPr lang="en-US" sz="1200" kern="1200" dirty="0" err="1">
+                <a:solidFill>
+                  <a:schemeClr val="tx1"/>
+                </a:solidFill>
+                <a:latin typeface="+mn-lt"/>
+                <a:ea typeface="+mn-ea"/>
+                <a:cs typeface="+mn-cs"/>
+              </a:rPr>
+              <a:t>OnViewTapped</a:t>
+            </a:r>
+            <a:r>
+              <a:rPr lang="en-US" sz="1200" kern="1200" dirty="0">
+                <a:solidFill>
+                  <a:schemeClr val="tx1"/>
+                </a:solidFill>
+                <a:latin typeface="+mn-lt"/>
+                <a:ea typeface="+mn-ea"/>
+                <a:cs typeface="+mn-cs"/>
+              </a:rPr>
+              <a:t>(object sender, </a:t>
+            </a:r>
+            <a:r>
+              <a:rPr lang="en-US" sz="1200" kern="1200" dirty="0" err="1">
+                <a:solidFill>
+                  <a:schemeClr val="tx1"/>
+                </a:solidFill>
+                <a:latin typeface="+mn-lt"/>
+                <a:ea typeface="+mn-ea"/>
+                <a:cs typeface="+mn-cs"/>
+              </a:rPr>
+              <a:t>RoutedEventArgs</a:t>
+            </a:r>
+            <a:r>
+              <a:rPr lang="en-US" sz="1200" kern="1200" dirty="0">
+                <a:solidFill>
+                  <a:schemeClr val="tx1"/>
+                </a:solidFill>
+                <a:latin typeface="+mn-lt"/>
+                <a:ea typeface="+mn-ea"/>
+                <a:cs typeface="+mn-cs"/>
+              </a:rPr>
+              <a:t> e)</a:t>
+            </a:r>
+          </a:p>
+          <a:p>
+            <a:r>
+              <a:rPr lang="sv-SE" sz="1200" kern="1200" dirty="0">
+                <a:solidFill>
+                  <a:schemeClr val="tx1"/>
+                </a:solidFill>
+                <a:latin typeface="+mn-lt"/>
+                <a:ea typeface="+mn-ea"/>
+                <a:cs typeface="+mn-cs"/>
+              </a:rPr>
+              <a:t>        {</a:t>
+            </a:r>
+          </a:p>
+          <a:p>
+            <a:r>
+              <a:rPr lang="sv-SE" sz="1200" kern="1200" dirty="0">
+                <a:solidFill>
+                  <a:schemeClr val="tx1"/>
+                </a:solidFill>
+                <a:latin typeface="+mn-lt"/>
+                <a:ea typeface="+mn-ea"/>
+                <a:cs typeface="+mn-cs"/>
+              </a:rPr>
+              <a:t>            if (e.OriginalSource.GetType() == typeof(Image)) </a:t>
+            </a:r>
+          </a:p>
+          <a:p>
+            <a:r>
+              <a:rPr lang="sv-SE" sz="1200" kern="1200" dirty="0">
+                <a:solidFill>
+                  <a:schemeClr val="tx1"/>
+                </a:solidFill>
+                <a:latin typeface="+mn-lt"/>
+                <a:ea typeface="+mn-ea"/>
+                <a:cs typeface="+mn-cs"/>
+              </a:rPr>
+              <a:t>            {</a:t>
+            </a:r>
+          </a:p>
+          <a:p>
+            <a:r>
+              <a:rPr lang="sv-SE" sz="1200" kern="1200" dirty="0">
+                <a:solidFill>
+                  <a:schemeClr val="tx1"/>
+                </a:solidFill>
+                <a:latin typeface="+mn-lt"/>
+                <a:ea typeface="+mn-ea"/>
+                <a:cs typeface="+mn-cs"/>
+              </a:rPr>
+              <a:t>                ToogleChrome();</a:t>
+            </a:r>
+          </a:p>
+          <a:p>
+            <a:r>
+              <a:rPr lang="sv-SE" sz="1200" kern="1200" dirty="0">
+                <a:solidFill>
+                  <a:schemeClr val="tx1"/>
+                </a:solidFill>
+                <a:latin typeface="+mn-lt"/>
+                <a:ea typeface="+mn-ea"/>
+                <a:cs typeface="+mn-cs"/>
+              </a:rPr>
+              <a:t>            }</a:t>
+            </a:r>
+          </a:p>
+          <a:p>
+            <a:r>
+              <a:rPr lang="sv-SE" sz="1200" kern="1200" dirty="0">
+                <a:solidFill>
+                  <a:schemeClr val="tx1"/>
+                </a:solidFill>
+                <a:latin typeface="+mn-lt"/>
+                <a:ea typeface="+mn-ea"/>
+                <a:cs typeface="+mn-cs"/>
+              </a:rPr>
+              <a:t>        }</a:t>
+            </a:r>
+          </a:p>
+          <a:p>
+            <a:endParaRPr lang="sv-SE" sz="1200" kern="1200" dirty="0">
+              <a:solidFill>
+                <a:schemeClr val="tx1"/>
+              </a:solidFill>
+              <a:latin typeface="+mn-lt"/>
+              <a:ea typeface="+mn-ea"/>
+              <a:cs typeface="+mn-cs"/>
+            </a:endParaRPr>
+          </a:p>
+          <a:p>
+            <a:r>
+              <a:rPr lang="sv-SE" sz="1200" kern="1200" dirty="0">
+                <a:solidFill>
+                  <a:schemeClr val="tx1"/>
+                </a:solidFill>
+                <a:latin typeface="+mn-lt"/>
+                <a:ea typeface="+mn-ea"/>
+                <a:cs typeface="+mn-cs"/>
+              </a:rPr>
+              <a:t> &lt;VisualStateGroup x:Name="ChromeStateGroup"&gt;             </a:t>
+            </a:r>
+          </a:p>
+          <a:p>
+            <a:r>
+              <a:rPr lang="sv-SE" sz="1200" kern="1200" dirty="0">
+                <a:solidFill>
+                  <a:schemeClr val="tx1"/>
+                </a:solidFill>
+                <a:latin typeface="+mn-lt"/>
+                <a:ea typeface="+mn-ea"/>
+                <a:cs typeface="+mn-cs"/>
+              </a:rPr>
+              <a:t>                 &lt;VisualState x:Name="ChromeOn"&gt;</a:t>
+            </a:r>
+          </a:p>
+          <a:p>
+            <a:r>
+              <a:rPr lang="sv-SE" sz="1200" kern="1200" dirty="0">
+                <a:solidFill>
+                  <a:schemeClr val="tx1"/>
+                </a:solidFill>
+                <a:latin typeface="+mn-lt"/>
+                <a:ea typeface="+mn-ea"/>
+                <a:cs typeface="+mn-cs"/>
+              </a:rPr>
+              <a:t>                &lt;VisualState.StateTriggers&gt;</a:t>
+            </a:r>
+          </a:p>
+          <a:p>
+            <a:r>
+              <a:rPr lang="sv-SE" sz="1200" kern="1200" dirty="0">
+                <a:solidFill>
+                  <a:schemeClr val="tx1"/>
+                </a:solidFill>
+                <a:latin typeface="+mn-lt"/>
+                <a:ea typeface="+mn-ea"/>
+                <a:cs typeface="+mn-cs"/>
+              </a:rPr>
+              <a:t>                    &lt;StateTrigger IsActive="{x:Bind ViewModel.IsChromeOn,Mode=OneWay}"/&gt;</a:t>
+            </a:r>
+          </a:p>
+          <a:p>
+            <a:r>
+              <a:rPr lang="sv-SE" sz="1200" kern="1200" dirty="0">
+                <a:solidFill>
+                  <a:schemeClr val="tx1"/>
+                </a:solidFill>
+                <a:latin typeface="+mn-lt"/>
+                <a:ea typeface="+mn-ea"/>
+                <a:cs typeface="+mn-cs"/>
+              </a:rPr>
+              <a:t>                &lt;/VisualState.StateTriggers&gt;</a:t>
+            </a:r>
+          </a:p>
+          <a:p>
+            <a:r>
+              <a:rPr lang="sv-SE" sz="1200" kern="1200" dirty="0">
+                <a:solidFill>
+                  <a:schemeClr val="tx1"/>
+                </a:solidFill>
+                <a:latin typeface="+mn-lt"/>
+                <a:ea typeface="+mn-ea"/>
+                <a:cs typeface="+mn-cs"/>
+              </a:rPr>
+              <a:t>                    &lt;VisualState.Setters&gt;</a:t>
+            </a:r>
+          </a:p>
+          <a:p>
+            <a:r>
+              <a:rPr lang="sv-SE" sz="1200" kern="1200" dirty="0">
+                <a:solidFill>
+                  <a:schemeClr val="tx1"/>
+                </a:solidFill>
+                <a:latin typeface="+mn-lt"/>
+                <a:ea typeface="+mn-ea"/>
+                <a:cs typeface="+mn-cs"/>
+              </a:rPr>
+              <a:t>                        &lt;Setter Target="listView.(UIElement.Visibility)" Value="Visible"/&gt;</a:t>
+            </a:r>
+          </a:p>
+          <a:p>
+            <a:r>
+              <a:rPr lang="sv-SE" sz="1200" kern="1200" dirty="0">
+                <a:solidFill>
+                  <a:schemeClr val="tx1"/>
+                </a:solidFill>
+                <a:latin typeface="+mn-lt"/>
+                <a:ea typeface="+mn-ea"/>
+                <a:cs typeface="+mn-cs"/>
+              </a:rPr>
+              <a:t>                        &lt;Setter Target="commandBar.(UIElement.Visibility)" Value="Visible"/&gt;</a:t>
+            </a:r>
+          </a:p>
+          <a:p>
+            <a:r>
+              <a:rPr lang="sv-SE" sz="1200" kern="1200" dirty="0">
+                <a:solidFill>
+                  <a:schemeClr val="tx1"/>
+                </a:solidFill>
+                <a:latin typeface="+mn-lt"/>
+                <a:ea typeface="+mn-ea"/>
+                <a:cs typeface="+mn-cs"/>
+              </a:rPr>
+              <a:t>                    &lt;/VisualState.Setters&gt;</a:t>
+            </a:r>
+          </a:p>
+          <a:p>
+            <a:r>
+              <a:rPr lang="sv-SE" sz="1200" kern="1200" dirty="0">
+                <a:solidFill>
+                  <a:schemeClr val="tx1"/>
+                </a:solidFill>
+                <a:latin typeface="+mn-lt"/>
+                <a:ea typeface="+mn-ea"/>
+                <a:cs typeface="+mn-cs"/>
+              </a:rPr>
+              <a:t>                    &lt;Storyboard&gt;</a:t>
+            </a:r>
+          </a:p>
+          <a:p>
+            <a:r>
+              <a:rPr lang="en-US" sz="1200" kern="1200" dirty="0">
+                <a:solidFill>
+                  <a:schemeClr val="tx1"/>
+                </a:solidFill>
+                <a:latin typeface="+mn-lt"/>
+                <a:ea typeface="+mn-ea"/>
+                <a:cs typeface="+mn-cs"/>
+              </a:rPr>
+              <a:t>                        &lt;</a:t>
+            </a:r>
+            <a:r>
+              <a:rPr lang="en-US" sz="1200" kern="1200" dirty="0" err="1">
+                <a:solidFill>
+                  <a:schemeClr val="tx1"/>
+                </a:solidFill>
+                <a:latin typeface="+mn-lt"/>
+                <a:ea typeface="+mn-ea"/>
+                <a:cs typeface="+mn-cs"/>
+              </a:rPr>
+              <a:t>DoubleAnimation</a:t>
+            </a:r>
+            <a:r>
+              <a:rPr lang="en-US" sz="1200" kern="1200" dirty="0">
+                <a:solidFill>
+                  <a:schemeClr val="tx1"/>
+                </a:solidFill>
+                <a:latin typeface="+mn-lt"/>
+                <a:ea typeface="+mn-ea"/>
+                <a:cs typeface="+mn-cs"/>
+              </a:rPr>
+              <a:t> </a:t>
+            </a:r>
+            <a:r>
+              <a:rPr lang="en-US" sz="1200" kern="1200" dirty="0" err="1">
+                <a:solidFill>
+                  <a:schemeClr val="tx1"/>
+                </a:solidFill>
+                <a:latin typeface="+mn-lt"/>
+                <a:ea typeface="+mn-ea"/>
+                <a:cs typeface="+mn-cs"/>
+              </a:rPr>
+              <a:t>Storyboard.TargetProperty</a:t>
+            </a:r>
+            <a:r>
+              <a:rPr lang="en-US" sz="1200" kern="1200" dirty="0">
+                <a:solidFill>
+                  <a:schemeClr val="tx1"/>
+                </a:solidFill>
+                <a:latin typeface="+mn-lt"/>
+                <a:ea typeface="+mn-ea"/>
+                <a:cs typeface="+mn-cs"/>
+              </a:rPr>
+              <a:t>="Opacity" </a:t>
+            </a:r>
+            <a:r>
+              <a:rPr lang="en-US" sz="1200" kern="1200" dirty="0" err="1">
+                <a:solidFill>
+                  <a:schemeClr val="tx1"/>
+                </a:solidFill>
+                <a:latin typeface="+mn-lt"/>
+                <a:ea typeface="+mn-ea"/>
+                <a:cs typeface="+mn-cs"/>
+              </a:rPr>
+              <a:t>Storyboard.TargetName</a:t>
+            </a:r>
+            <a:r>
+              <a:rPr lang="en-US" sz="1200" kern="1200" dirty="0">
+                <a:solidFill>
+                  <a:schemeClr val="tx1"/>
+                </a:solidFill>
+                <a:latin typeface="+mn-lt"/>
+                <a:ea typeface="+mn-ea"/>
+                <a:cs typeface="+mn-cs"/>
+              </a:rPr>
+              <a:t>="</a:t>
+            </a:r>
+            <a:r>
+              <a:rPr lang="en-US" sz="1200" kern="1200" dirty="0" err="1">
+                <a:solidFill>
+                  <a:schemeClr val="tx1"/>
+                </a:solidFill>
+                <a:latin typeface="+mn-lt"/>
+                <a:ea typeface="+mn-ea"/>
+                <a:cs typeface="+mn-cs"/>
+              </a:rPr>
+              <a:t>commandBar</a:t>
+            </a:r>
+            <a:r>
+              <a:rPr lang="en-US" sz="1200" kern="1200" dirty="0">
+                <a:solidFill>
+                  <a:schemeClr val="tx1"/>
+                </a:solidFill>
+                <a:latin typeface="+mn-lt"/>
+                <a:ea typeface="+mn-ea"/>
+                <a:cs typeface="+mn-cs"/>
+              </a:rPr>
+              <a:t>" From="0" To="1.0" Duration="0:0:0.2"/&gt;</a:t>
+            </a:r>
+          </a:p>
+          <a:p>
+            <a:r>
+              <a:rPr lang="en-US" sz="1200" kern="1200" dirty="0">
+                <a:solidFill>
+                  <a:schemeClr val="tx1"/>
+                </a:solidFill>
+                <a:latin typeface="+mn-lt"/>
+                <a:ea typeface="+mn-ea"/>
+                <a:cs typeface="+mn-cs"/>
+              </a:rPr>
+              <a:t>                        &lt;</a:t>
+            </a:r>
+            <a:r>
+              <a:rPr lang="en-US" sz="1200" kern="1200" dirty="0" err="1">
+                <a:solidFill>
+                  <a:schemeClr val="tx1"/>
+                </a:solidFill>
+                <a:latin typeface="+mn-lt"/>
+                <a:ea typeface="+mn-ea"/>
+                <a:cs typeface="+mn-cs"/>
+              </a:rPr>
+              <a:t>DoubleAnimation</a:t>
+            </a:r>
+            <a:r>
+              <a:rPr lang="en-US" sz="1200" kern="1200" dirty="0">
+                <a:solidFill>
+                  <a:schemeClr val="tx1"/>
+                </a:solidFill>
+                <a:latin typeface="+mn-lt"/>
+                <a:ea typeface="+mn-ea"/>
+                <a:cs typeface="+mn-cs"/>
+              </a:rPr>
+              <a:t> </a:t>
+            </a:r>
+            <a:r>
+              <a:rPr lang="en-US" sz="1200" kern="1200" dirty="0" err="1">
+                <a:solidFill>
+                  <a:schemeClr val="tx1"/>
+                </a:solidFill>
+                <a:latin typeface="+mn-lt"/>
+                <a:ea typeface="+mn-ea"/>
+                <a:cs typeface="+mn-cs"/>
+              </a:rPr>
+              <a:t>Storyboard.TargetProperty</a:t>
+            </a:r>
+            <a:r>
+              <a:rPr lang="en-US" sz="1200" kern="1200" dirty="0">
+                <a:solidFill>
+                  <a:schemeClr val="tx1"/>
+                </a:solidFill>
+                <a:latin typeface="+mn-lt"/>
+                <a:ea typeface="+mn-ea"/>
+                <a:cs typeface="+mn-cs"/>
+              </a:rPr>
+              <a:t>="Opacity" </a:t>
+            </a:r>
+            <a:r>
+              <a:rPr lang="en-US" sz="1200" kern="1200" dirty="0" err="1">
+                <a:solidFill>
+                  <a:schemeClr val="tx1"/>
+                </a:solidFill>
+                <a:latin typeface="+mn-lt"/>
+                <a:ea typeface="+mn-ea"/>
+                <a:cs typeface="+mn-cs"/>
+              </a:rPr>
+              <a:t>Storyboard.TargetName</a:t>
+            </a:r>
+            <a:r>
+              <a:rPr lang="en-US" sz="1200" kern="1200" dirty="0">
+                <a:solidFill>
+                  <a:schemeClr val="tx1"/>
+                </a:solidFill>
+                <a:latin typeface="+mn-lt"/>
+                <a:ea typeface="+mn-ea"/>
+                <a:cs typeface="+mn-cs"/>
+              </a:rPr>
+              <a:t>="</a:t>
+            </a:r>
+            <a:r>
+              <a:rPr lang="en-US" sz="1200" kern="1200" dirty="0" err="1">
+                <a:solidFill>
+                  <a:schemeClr val="tx1"/>
+                </a:solidFill>
+                <a:latin typeface="+mn-lt"/>
+                <a:ea typeface="+mn-ea"/>
+                <a:cs typeface="+mn-cs"/>
+              </a:rPr>
+              <a:t>listView</a:t>
+            </a:r>
+            <a:r>
+              <a:rPr lang="en-US" sz="1200" kern="1200" dirty="0">
+                <a:solidFill>
+                  <a:schemeClr val="tx1"/>
+                </a:solidFill>
+                <a:latin typeface="+mn-lt"/>
+                <a:ea typeface="+mn-ea"/>
+                <a:cs typeface="+mn-cs"/>
+              </a:rPr>
+              <a:t>" From="0" To="1.0" Duration="0:0:0.2"/&gt;                                          </a:t>
+            </a:r>
+          </a:p>
+          <a:p>
+            <a:r>
+              <a:rPr lang="sv-SE" sz="1200" kern="1200" dirty="0">
+                <a:solidFill>
+                  <a:schemeClr val="tx1"/>
+                </a:solidFill>
+                <a:latin typeface="+mn-lt"/>
+                <a:ea typeface="+mn-ea"/>
+                <a:cs typeface="+mn-cs"/>
+              </a:rPr>
+              <a:t>                    &lt;/Storyboard&gt;</a:t>
+            </a:r>
+          </a:p>
+          <a:p>
+            <a:r>
+              <a:rPr lang="sv-SE" sz="1200" kern="1200" dirty="0">
+                <a:solidFill>
+                  <a:schemeClr val="tx1"/>
+                </a:solidFill>
+                <a:latin typeface="+mn-lt"/>
+                <a:ea typeface="+mn-ea"/>
+                <a:cs typeface="+mn-cs"/>
+              </a:rPr>
+              <a:t>                  </a:t>
+            </a:r>
+          </a:p>
+          <a:p>
+            <a:r>
+              <a:rPr lang="sv-SE" sz="1200" kern="1200" dirty="0">
+                <a:solidFill>
+                  <a:schemeClr val="tx1"/>
+                </a:solidFill>
+                <a:latin typeface="+mn-lt"/>
+                <a:ea typeface="+mn-ea"/>
+                <a:cs typeface="+mn-cs"/>
+              </a:rPr>
+              <a:t>            &lt;/VisualState&gt;</a:t>
+            </a:r>
+          </a:p>
+          <a:p>
+            <a:r>
+              <a:rPr lang="sv-SE" sz="1200" kern="1200" dirty="0">
+                <a:solidFill>
+                  <a:schemeClr val="tx1"/>
+                </a:solidFill>
+                <a:latin typeface="+mn-lt"/>
+                <a:ea typeface="+mn-ea"/>
+                <a:cs typeface="+mn-cs"/>
+              </a:rPr>
+              <a:t>                &lt;VisualState x:Name="ChromeOff"&gt;</a:t>
+            </a:r>
+          </a:p>
+          <a:p>
+            <a:r>
+              <a:rPr lang="sv-SE" sz="1200" kern="1200" dirty="0">
+                <a:solidFill>
+                  <a:schemeClr val="tx1"/>
+                </a:solidFill>
+                <a:latin typeface="+mn-lt"/>
+                <a:ea typeface="+mn-ea"/>
+                <a:cs typeface="+mn-cs"/>
+              </a:rPr>
+              <a:t>                    &lt;VisualState.StateTriggers&gt;</a:t>
+            </a:r>
+          </a:p>
+          <a:p>
+            <a:r>
+              <a:rPr lang="sv-SE" sz="1200" kern="1200" dirty="0">
+                <a:solidFill>
+                  <a:schemeClr val="tx1"/>
+                </a:solidFill>
+                <a:latin typeface="+mn-lt"/>
+                <a:ea typeface="+mn-ea"/>
+                <a:cs typeface="+mn-cs"/>
+              </a:rPr>
+              <a:t>                        &lt;StateTrigger IsActive="{x:Bind ViewModel.IsChromeOff, Mode=OneWay}"/&gt;</a:t>
+            </a:r>
+          </a:p>
+          <a:p>
+            <a:r>
+              <a:rPr lang="sv-SE" sz="1200" kern="1200" dirty="0">
+                <a:solidFill>
+                  <a:schemeClr val="tx1"/>
+                </a:solidFill>
+                <a:latin typeface="+mn-lt"/>
+                <a:ea typeface="+mn-ea"/>
+                <a:cs typeface="+mn-cs"/>
+              </a:rPr>
+              <a:t>                    &lt;/VisualState.StateTriggers&gt;</a:t>
+            </a:r>
+          </a:p>
+          <a:p>
+            <a:r>
+              <a:rPr lang="sv-SE" sz="1200" kern="1200" dirty="0">
+                <a:solidFill>
+                  <a:schemeClr val="tx1"/>
+                </a:solidFill>
+                <a:latin typeface="+mn-lt"/>
+                <a:ea typeface="+mn-ea"/>
+                <a:cs typeface="+mn-cs"/>
+              </a:rPr>
+              <a:t>                    &lt;Storyboard&gt;</a:t>
+            </a:r>
+          </a:p>
+          <a:p>
+            <a:r>
+              <a:rPr lang="en-US" sz="1200" kern="1200" dirty="0">
+                <a:solidFill>
+                  <a:schemeClr val="tx1"/>
+                </a:solidFill>
+                <a:latin typeface="+mn-lt"/>
+                <a:ea typeface="+mn-ea"/>
+                <a:cs typeface="+mn-cs"/>
+              </a:rPr>
+              <a:t>                        &lt;</a:t>
+            </a:r>
+            <a:r>
+              <a:rPr lang="en-US" sz="1200" kern="1200" dirty="0" err="1">
+                <a:solidFill>
+                  <a:schemeClr val="tx1"/>
+                </a:solidFill>
+                <a:latin typeface="+mn-lt"/>
+                <a:ea typeface="+mn-ea"/>
+                <a:cs typeface="+mn-cs"/>
+              </a:rPr>
+              <a:t>DoubleAnimation</a:t>
+            </a:r>
+            <a:r>
+              <a:rPr lang="en-US" sz="1200" kern="1200" dirty="0">
+                <a:solidFill>
+                  <a:schemeClr val="tx1"/>
+                </a:solidFill>
+                <a:latin typeface="+mn-lt"/>
+                <a:ea typeface="+mn-ea"/>
+                <a:cs typeface="+mn-cs"/>
+              </a:rPr>
+              <a:t> </a:t>
+            </a:r>
+            <a:r>
+              <a:rPr lang="en-US" sz="1200" kern="1200" dirty="0" err="1">
+                <a:solidFill>
+                  <a:schemeClr val="tx1"/>
+                </a:solidFill>
+                <a:latin typeface="+mn-lt"/>
+                <a:ea typeface="+mn-ea"/>
+                <a:cs typeface="+mn-cs"/>
+              </a:rPr>
+              <a:t>Storyboard.TargetProperty</a:t>
+            </a:r>
+            <a:r>
+              <a:rPr lang="en-US" sz="1200" kern="1200" dirty="0">
+                <a:solidFill>
+                  <a:schemeClr val="tx1"/>
+                </a:solidFill>
+                <a:latin typeface="+mn-lt"/>
+                <a:ea typeface="+mn-ea"/>
+                <a:cs typeface="+mn-cs"/>
+              </a:rPr>
+              <a:t>="Opacity" </a:t>
+            </a:r>
+            <a:r>
+              <a:rPr lang="en-US" sz="1200" kern="1200" dirty="0" err="1">
+                <a:solidFill>
+                  <a:schemeClr val="tx1"/>
+                </a:solidFill>
+                <a:latin typeface="+mn-lt"/>
+                <a:ea typeface="+mn-ea"/>
+                <a:cs typeface="+mn-cs"/>
+              </a:rPr>
+              <a:t>Storyboard.TargetName</a:t>
+            </a:r>
+            <a:r>
+              <a:rPr lang="en-US" sz="1200" kern="1200" dirty="0">
+                <a:solidFill>
+                  <a:schemeClr val="tx1"/>
+                </a:solidFill>
+                <a:latin typeface="+mn-lt"/>
+                <a:ea typeface="+mn-ea"/>
+                <a:cs typeface="+mn-cs"/>
+              </a:rPr>
+              <a:t>="</a:t>
+            </a:r>
+            <a:r>
+              <a:rPr lang="en-US" sz="1200" kern="1200" dirty="0" err="1">
+                <a:solidFill>
+                  <a:schemeClr val="tx1"/>
+                </a:solidFill>
+                <a:latin typeface="+mn-lt"/>
+                <a:ea typeface="+mn-ea"/>
+                <a:cs typeface="+mn-cs"/>
+              </a:rPr>
+              <a:t>commandBar</a:t>
+            </a:r>
+            <a:r>
+              <a:rPr lang="en-US" sz="1200" kern="1200" dirty="0">
+                <a:solidFill>
+                  <a:schemeClr val="tx1"/>
+                </a:solidFill>
+                <a:latin typeface="+mn-lt"/>
+                <a:ea typeface="+mn-ea"/>
+                <a:cs typeface="+mn-cs"/>
+              </a:rPr>
+              <a:t>" To="0" Duration="0:0:0.2"/&gt;</a:t>
+            </a:r>
+          </a:p>
+          <a:p>
+            <a:r>
+              <a:rPr lang="en-US" sz="1200" kern="1200" dirty="0">
+                <a:solidFill>
+                  <a:schemeClr val="tx1"/>
+                </a:solidFill>
+                <a:latin typeface="+mn-lt"/>
+                <a:ea typeface="+mn-ea"/>
+                <a:cs typeface="+mn-cs"/>
+              </a:rPr>
+              <a:t>                        &lt;</a:t>
+            </a:r>
+            <a:r>
+              <a:rPr lang="en-US" sz="1200" kern="1200" dirty="0" err="1">
+                <a:solidFill>
+                  <a:schemeClr val="tx1"/>
+                </a:solidFill>
+                <a:latin typeface="+mn-lt"/>
+                <a:ea typeface="+mn-ea"/>
+                <a:cs typeface="+mn-cs"/>
+              </a:rPr>
+              <a:t>DoubleAnimation</a:t>
+            </a:r>
+            <a:r>
+              <a:rPr lang="en-US" sz="1200" kern="1200" dirty="0">
+                <a:solidFill>
+                  <a:schemeClr val="tx1"/>
+                </a:solidFill>
+                <a:latin typeface="+mn-lt"/>
+                <a:ea typeface="+mn-ea"/>
+                <a:cs typeface="+mn-cs"/>
+              </a:rPr>
+              <a:t> </a:t>
+            </a:r>
+            <a:r>
+              <a:rPr lang="en-US" sz="1200" kern="1200" dirty="0" err="1">
+                <a:solidFill>
+                  <a:schemeClr val="tx1"/>
+                </a:solidFill>
+                <a:latin typeface="+mn-lt"/>
+                <a:ea typeface="+mn-ea"/>
+                <a:cs typeface="+mn-cs"/>
+              </a:rPr>
+              <a:t>Storyboard.TargetProperty</a:t>
+            </a:r>
+            <a:r>
+              <a:rPr lang="en-US" sz="1200" kern="1200" dirty="0">
+                <a:solidFill>
+                  <a:schemeClr val="tx1"/>
+                </a:solidFill>
+                <a:latin typeface="+mn-lt"/>
+                <a:ea typeface="+mn-ea"/>
+                <a:cs typeface="+mn-cs"/>
+              </a:rPr>
+              <a:t>="Opacity" </a:t>
+            </a:r>
+            <a:r>
+              <a:rPr lang="en-US" sz="1200" kern="1200" dirty="0" err="1">
+                <a:solidFill>
+                  <a:schemeClr val="tx1"/>
+                </a:solidFill>
+                <a:latin typeface="+mn-lt"/>
+                <a:ea typeface="+mn-ea"/>
+                <a:cs typeface="+mn-cs"/>
+              </a:rPr>
+              <a:t>Storyboard.TargetName</a:t>
+            </a:r>
+            <a:r>
+              <a:rPr lang="en-US" sz="1200" kern="1200" dirty="0">
+                <a:solidFill>
+                  <a:schemeClr val="tx1"/>
+                </a:solidFill>
+                <a:latin typeface="+mn-lt"/>
+                <a:ea typeface="+mn-ea"/>
+                <a:cs typeface="+mn-cs"/>
+              </a:rPr>
+              <a:t>="</a:t>
+            </a:r>
+            <a:r>
+              <a:rPr lang="en-US" sz="1200" kern="1200" dirty="0" err="1">
+                <a:solidFill>
+                  <a:schemeClr val="tx1"/>
+                </a:solidFill>
+                <a:latin typeface="+mn-lt"/>
+                <a:ea typeface="+mn-ea"/>
+                <a:cs typeface="+mn-cs"/>
+              </a:rPr>
+              <a:t>listView</a:t>
+            </a:r>
+            <a:r>
+              <a:rPr lang="en-US" sz="1200" kern="1200" dirty="0">
+                <a:solidFill>
+                  <a:schemeClr val="tx1"/>
+                </a:solidFill>
+                <a:latin typeface="+mn-lt"/>
+                <a:ea typeface="+mn-ea"/>
+                <a:cs typeface="+mn-cs"/>
+              </a:rPr>
+              <a:t>" To="0" Duration="0:0:0.2"/&gt;</a:t>
+            </a:r>
+          </a:p>
+          <a:p>
+            <a:endParaRPr lang="sv-SE" sz="1200" kern="1200" dirty="0">
+              <a:solidFill>
+                <a:schemeClr val="tx1"/>
+              </a:solidFill>
+              <a:latin typeface="+mn-lt"/>
+              <a:ea typeface="+mn-ea"/>
+              <a:cs typeface="+mn-cs"/>
+            </a:endParaRPr>
+          </a:p>
+          <a:p>
+            <a:r>
               <a:rPr lang="sv-SE" sz="1200" kern="1200" dirty="0">
                 <a:solidFill>
                   <a:schemeClr val="tx1"/>
@@ -2350,7 +2978,7 @@
           <a:p>
             <a:fld id="{4B9FCB87-32D7-4284-A949-DB9003BC6512}" type="slidenum">
               <a:rPr lang="sv-SE" smtClean="0"/>
-              <a:t>7</a:t>
+              <a:t>8</a:t>
             </a:fld>
             <a:endParaRPr lang="sv-SE"/>
           </a:p>
@@ -2500,7 +3128,7 @@
           <a:p>
             <a:fld id="{5B72BF28-2EDE-4529-AA3E-12498A1885CB}" type="datetimeFigureOut">
               <a:rPr lang="sv-SE" smtClean="0"/>
-              <a:t>2017-04-18</a:t>
+              <a:t>2017-05-11</a:t>
             </a:fld>
             <a:endParaRPr lang="sv-SE"/>
           </a:p>
@@ -2670,7 +3298,7 @@
           <a:p>
             <a:fld id="{5B72BF28-2EDE-4529-AA3E-12498A1885CB}" type="datetimeFigureOut">
               <a:rPr lang="sv-SE" smtClean="0"/>
-              <a:t>2017-04-18</a:t>
+              <a:t>2017-05-11</a:t>
             </a:fld>
             <a:endParaRPr lang="sv-SE"/>
           </a:p>
@@ -2850,7 +3478,7 @@
           <a:p>
             <a:fld id="{5B72BF28-2EDE-4529-AA3E-12498A1885CB}" type="datetimeFigureOut">
               <a:rPr lang="sv-SE" smtClean="0"/>
-              <a:t>2017-04-18</a:t>
+              <a:t>2017-05-11</a:t>
             </a:fld>
             <a:endParaRPr lang="sv-SE"/>
           </a:p>
@@ -3020,7 +3648,7 @@
           <a:p>
             <a:fld id="{5B72BF28-2EDE-4529-AA3E-12498A1885CB}" type="datetimeFigureOut">
               <a:rPr lang="sv-SE" smtClean="0"/>
-              <a:t>2017-04-18</a:t>
+              <a:t>2017-05-11</a:t>
             </a:fld>
             <a:endParaRPr lang="sv-SE"/>
           </a:p>
@@ -3266,7 +3894,7 @@
           <a:p>
             <a:fld id="{5B72BF28-2EDE-4529-AA3E-12498A1885CB}" type="datetimeFigureOut">
               <a:rPr lang="sv-SE" smtClean="0"/>
-              <a:t>2017-04-18</a:t>
+              <a:t>2017-05-11</a:t>
             </a:fld>
             <a:endParaRPr lang="sv-SE"/>
           </a:p>
@@ -3498,7 +4126,7 @@
           <a:p>
             <a:fld id="{5B72BF28-2EDE-4529-AA3E-12498A1885CB}" type="datetimeFigureOut">
               <a:rPr lang="sv-SE" smtClean="0"/>
-              <a:t>2017-04-18</a:t>
+              <a:t>2017-05-11</a:t>
             </a:fld>
             <a:endParaRPr lang="sv-SE"/>
           </a:p>
@@ -3865,7 +4493,7 @@
           <a:p>
             <a:fld id="{5B72BF28-2EDE-4529-AA3E-12498A1885CB}" type="datetimeFigureOut">
               <a:rPr lang="sv-SE" smtClean="0"/>
-              <a:t>2017-04-18</a:t>
+              <a:t>2017-05-11</a:t>
             </a:fld>
             <a:endParaRPr lang="sv-SE"/>
           </a:p>
@@ -3983,7 +4611,7 @@
           <a:p>
             <a:fld id="{5B72BF28-2EDE-4529-AA3E-12498A1885CB}" type="datetimeFigureOut">
               <a:rPr lang="sv-SE" smtClean="0"/>
-              <a:t>2017-04-18</a:t>
+              <a:t>2017-05-11</a:t>
             </a:fld>
             <a:endParaRPr lang="sv-SE"/>
           </a:p>
@@ -4078,7 +4706,7 @@
           <a:p>
             <a:fld id="{5B72BF28-2EDE-4529-AA3E-12498A1885CB}" type="datetimeFigureOut">
               <a:rPr lang="sv-SE" smtClean="0"/>
-              <a:t>2017-04-18</a:t>
+              <a:t>2017-05-11</a:t>
             </a:fld>
             <a:endParaRPr lang="sv-SE"/>
           </a:p>
@@ -4355,7 +4983,7 @@
           <a:p>
             <a:fld id="{5B72BF28-2EDE-4529-AA3E-12498A1885CB}" type="datetimeFigureOut">
               <a:rPr lang="sv-SE" smtClean="0"/>
-              <a:t>2017-04-18</a:t>
+              <a:t>2017-05-11</a:t>
             </a:fld>
             <a:endParaRPr lang="sv-SE"/>
           </a:p>
@@ -4608,7 +5236,7 @@
           <a:p>
             <a:fld id="{5B72BF28-2EDE-4529-AA3E-12498A1885CB}" type="datetimeFigureOut">
               <a:rPr lang="sv-SE" smtClean="0"/>
-              <a:t>2017-04-18</a:t>
+              <a:t>2017-05-11</a:t>
             </a:fld>
             <a:endParaRPr lang="sv-SE"/>
           </a:p>
@@ -4821,7 +5449,7 @@
           <a:p>
             <a:fld id="{5B72BF28-2EDE-4529-AA3E-12498A1885CB}" type="datetimeFigureOut">
               <a:rPr lang="sv-SE" smtClean="0"/>
-              <a:t>2017-04-18</a:t>
+              <a:t>2017-05-11</a:t>
             </a:fld>
             <a:endParaRPr lang="sv-SE"/>
           </a:p>
@@ -5300,92 +5928,34 @@
           <a:chExt cx="0" cy="0"/>
         </a:xfrm>
       </p:grpSpPr>
-      <p:sp>
-        <p:nvSpPr>
-          <p:cNvPr id="2" name="Title 1"/>
-          <p:cNvSpPr>
-            <a:spLocks noGrp="1"/>
-          </p:cNvSpPr>
-          <p:nvPr>
-            <p:ph type="title"/>
-          </p:nvPr>
-        </p:nvSpPr>
-        <p:spPr/>
-        <p:txBody>
-          <a:bodyPr/>
-          <a:lstStyle/>
-          <a:p>
-            <a:r>
-              <a:rPr lang="sv-SE" dirty="0"/>
-              <a:t>Binding and DataTemplate</a:t>
-            </a:r>
-          </a:p>
-        </p:txBody>
-      </p:sp>
-      <p:sp>
-        <p:nvSpPr>
-          <p:cNvPr id="3" name="Content Placeholder 2"/>
-          <p:cNvSpPr>
-            <a:spLocks noGrp="1"/>
-          </p:cNvSpPr>
-          <p:nvPr>
-            <p:ph idx="1"/>
-          </p:nvPr>
-        </p:nvSpPr>
-        <p:spPr/>
-        <p:txBody>
-          <a:bodyPr/>
-          <a:lstStyle/>
-          <a:p>
-            <a:r>
-              <a:rPr lang="sv-SE" dirty="0"/>
-              <a:t>Add a FlipView to MainView</a:t>
-            </a:r>
-          </a:p>
-          <a:p>
-            <a:r>
-              <a:rPr lang="sv-SE" dirty="0"/>
-              <a:t>Add a Thumbnails property in MainViewModel</a:t>
-            </a:r>
-          </a:p>
-          <a:p>
-            <a:r>
-              <a:rPr lang="sv-SE" dirty="0"/>
-              <a:t>Create a binding between FlipView ItemSource and </a:t>
-            </a:r>
-            <a:r>
-              <a:rPr lang="sv-SE" dirty="0"/>
-              <a:t>Thumbnails property</a:t>
-            </a:r>
-            <a:endParaRPr lang="sv-SE" dirty="0"/>
-          </a:p>
-          <a:p>
-            <a:r>
-              <a:rPr lang="sv-SE" dirty="0"/>
-              <a:t>Create a DataTemplate to display an ImageViewerItem</a:t>
-            </a:r>
-          </a:p>
-          <a:p>
-            <a:r>
-              <a:rPr lang="sv-SE" dirty="0"/>
-              <a:t>Add CommandBar and add a TextBlock to commandBar content. </a:t>
-            </a:r>
-          </a:p>
-          <a:p>
-            <a:r>
-              <a:rPr lang="sv-SE" dirty="0"/>
-              <a:t>Add a binding to SelectedItem Title property</a:t>
-            </a:r>
-          </a:p>
-          <a:p>
-            <a:endParaRPr lang="sv-SE" dirty="0"/>
-          </a:p>
-        </p:txBody>
-      </p:sp>
+      <p:pic>
+        <p:nvPicPr>
+          <p:cNvPr id="5" name="Picture 4"/>
+          <p:cNvPicPr>
+            <a:picLocks noChangeAspect="1"/>
+          </p:cNvPicPr>
+          <p:nvPr/>
+        </p:nvPicPr>
+        <p:blipFill>
+          <a:blip r:embed="rId3"/>
+          <a:stretch>
+            <a:fillRect/>
+          </a:stretch>
+        </p:blipFill>
+        <p:spPr>
+          <a:xfrm>
+            <a:off x="1619251" y="439800"/>
+            <a:ext cx="8953498" cy="5978400"/>
+          </a:xfrm>
+          <a:prstGeom prst="rect">
+            <a:avLst/>
+          </a:prstGeom>
+        </p:spPr>
+      </p:pic>
     </p:spTree>
     <p:extLst>
       <p:ext uri="{BB962C8B-B14F-4D97-AF65-F5344CB8AC3E}">
-        <p14:creationId xmlns:p14="http://schemas.microsoft.com/office/powerpoint/2010/main" val="408807533"/>
+        <p14:creationId xmlns:p14="http://schemas.microsoft.com/office/powerpoint/2010/main" val="4118451644"/>
       </p:ext>
     </p:extLst>
   </p:cSld>
@@ -5414,12 +5984,12 @@
       </p:grpSpPr>
       <p:sp>
         <p:nvSpPr>
-          <p:cNvPr id="2" name="Title 1"/>
-          <p:cNvSpPr>
-            <a:spLocks noGrp="1"/>
-          </p:cNvSpPr>
-          <p:nvPr>
-            <p:ph type="title"/>
+          <p:cNvPr id="3" name="Content Placeholder 2"/>
+          <p:cNvSpPr>
+            <a:spLocks noGrp="1"/>
+          </p:cNvSpPr>
+          <p:nvPr>
+            <p:ph idx="1"/>
           </p:nvPr>
         </p:nvSpPr>
         <p:spPr/>
@@ -5427,1690 +5997,29 @@
           <a:bodyPr/>
           <a:lstStyle/>
           <a:p>
+            <a:pPr marL="0" indent="0">
+              <a:buNone/>
+            </a:pPr>
             <a:r>
               <a:rPr lang="sv-SE" dirty="0"/>
-              <a:t>Display video content</a:t>
-            </a:r>
-          </a:p>
-        </p:txBody>
-      </p:sp>
-      <p:sp>
-        <p:nvSpPr>
-          <p:cNvPr id="3" name="Content Placeholder 2"/>
-          <p:cNvSpPr>
-            <a:spLocks noGrp="1"/>
-          </p:cNvSpPr>
-          <p:nvPr>
-            <p:ph idx="1"/>
-          </p:nvPr>
-        </p:nvSpPr>
-        <p:spPr>
-          <a:xfrm>
-            <a:off x="838200" y="1825624"/>
-            <a:ext cx="10515600" cy="25766745"/>
-          </a:xfrm>
-        </p:spPr>
-        <p:txBody>
-          <a:bodyPr/>
-          <a:lstStyle/>
-          <a:p>
+              <a:t>PhotosLight-Labb\PhotosLight-labb.sln	Your starting point</a:t>
+            </a:r>
+          </a:p>
+          <a:p>
+            <a:pPr marL="0" indent="0">
+              <a:buNone/>
+            </a:pPr>
             <a:r>
               <a:rPr lang="sv-SE" dirty="0"/>
-              <a:t>Create a DataTemplate to diplay a video</a:t>
-            </a:r>
-          </a:p>
-          <a:p>
-            <a:r>
-              <a:rPr lang="sv-SE" dirty="0"/>
-              <a:t>Crete a ViewerDataTemplateSelector that inherit from DataTemplateSelector override SelectTemplateCore</a:t>
-            </a:r>
-          </a:p>
-          <a:p>
-            <a:endParaRPr lang="sv-SE" dirty="0"/>
-          </a:p>
-          <a:p>
-            <a:endParaRPr lang="sv-SE" dirty="0"/>
-          </a:p>
-        </p:txBody>
-      </p:sp>
-      <p:sp>
-        <p:nvSpPr>
-          <p:cNvPr id="6" name="Rectangle 3"/>
-          <p:cNvSpPr>
-            <a:spLocks noChangeArrowheads="1"/>
-          </p:cNvSpPr>
-          <p:nvPr/>
-        </p:nvSpPr>
-        <p:spPr bwMode="auto">
-          <a:xfrm>
-            <a:off x="451263" y="3297630"/>
-            <a:ext cx="6230873" cy="2139047"/>
-          </a:xfrm>
-          <a:prstGeom prst="rect">
-            <a:avLst/>
-          </a:prstGeom>
-          <a:noFill/>
-          <a:ln>
-            <a:noFill/>
-          </a:ln>
-          <a:effectLst/>
-          <a:extLst>
-            <a:ext uri="{909E8E84-426E-40DD-AFC4-6F175D3DCCD1}">
-              <a14:hiddenFill xmlns:a14="http://schemas.microsoft.com/office/drawing/2010/main">
-                <a:solidFill>
-                  <a:schemeClr val="accent1"/>
-                </a:solidFill>
-              </a14:hiddenFill>
-            </a:ext>
-            <a:ext uri="{91240B29-F687-4F45-9708-019B960494DF}">
-              <a14:hiddenLine xmlns:a14="http://schemas.microsoft.com/office/drawing/2010/main" w="9525">
-                <a:solidFill>
-                  <a:schemeClr val="tx1"/>
-                </a:solidFill>
-                <a:miter lim="800000"/>
-                <a:headEnd/>
-                <a:tailEnd/>
-              </a14:hiddenLine>
-            </a:ext>
-            <a:ext uri="{AF507438-7753-43E0-B8FC-AC1667EBCBE1}">
-              <a14:hiddenEffects xmlns:a14="http://schemas.microsoft.com/office/drawing/2010/main">
-                <a:effectLst>
-                  <a:outerShdw dist="35921" dir="2700000" algn="ctr" rotWithShape="0">
-                    <a:schemeClr val="bg2"/>
-                  </a:outerShdw>
-                </a:effectLst>
-              </a14:hiddenEffects>
-            </a:ext>
-          </a:extLst>
-        </p:spPr>
-        <p:txBody>
-          <a:bodyPr vert="horz" wrap="none" lIns="0" tIns="0" rIns="0" bIns="0" numCol="1" anchor="ctr" anchorCtr="0" compatLnSpc="1">
-            <a:prstTxWarp prst="textNoShape">
-              <a:avLst/>
-            </a:prstTxWarp>
-            <a:spAutoFit/>
-          </a:bodyPr>
-          <a:lstStyle/>
-          <a:p>
-            <a:pPr marL="0" marR="0" lvl="0" indent="0" algn="l" defTabSz="914400" rtl="0" eaLnBrk="0" fontAlgn="base" latinLnBrk="0" hangingPunct="0">
-              <a:lnSpc>
-                <a:spcPct val="100000"/>
-              </a:lnSpc>
-              <a:spcBef>
-                <a:spcPct val="0"/>
-              </a:spcBef>
-              <a:spcAft>
-                <a:spcPct val="0"/>
-              </a:spcAft>
-              <a:buClrTx/>
-              <a:buSzTx/>
-              <a:buFontTx/>
-              <a:buNone/>
-              <a:tabLst/>
-            </a:pPr>
-            <a:r>
-              <a:rPr kumimoji="0" lang="sv-SE" altLang="sv-SE" sz="1000" b="0" i="0" u="none" strike="noStrike" cap="none" normalizeH="0" baseline="0" dirty="0">
-                <a:ln>
-                  <a:noFill/>
-                </a:ln>
-                <a:solidFill>
-                  <a:srgbClr val="859900"/>
-                </a:solidFill>
-                <a:effectLst/>
-                <a:latin typeface="Monaco"/>
-              </a:rPr>
-              <a:t>public</a:t>
-            </a:r>
-            <a:r>
-              <a:rPr kumimoji="0" lang="sv-SE" altLang="sv-SE" sz="1000" b="0" i="0" u="none" strike="noStrike" cap="none" normalizeH="0" baseline="0" dirty="0">
-                <a:ln>
-                  <a:noFill/>
-                </a:ln>
-                <a:solidFill>
-                  <a:srgbClr val="494E52"/>
-                </a:solidFill>
-                <a:effectLst/>
-                <a:latin typeface="Monaco"/>
-              </a:rPr>
-              <a:t> </a:t>
-            </a:r>
-            <a:r>
-              <a:rPr kumimoji="0" lang="sv-SE" altLang="sv-SE" sz="1000" b="0" i="0" u="none" strike="noStrike" cap="none" normalizeH="0" baseline="0" dirty="0">
-                <a:ln>
-                  <a:noFill/>
-                </a:ln>
-                <a:solidFill>
-                  <a:srgbClr val="859900"/>
-                </a:solidFill>
-                <a:effectLst/>
-                <a:latin typeface="Monaco"/>
-              </a:rPr>
-              <a:t>class</a:t>
-            </a:r>
-            <a:r>
-              <a:rPr kumimoji="0" lang="sv-SE" altLang="sv-SE" sz="1000" b="0" i="0" u="none" strike="noStrike" cap="none" normalizeH="0" baseline="0" dirty="0">
-                <a:ln>
-                  <a:noFill/>
-                </a:ln>
-                <a:solidFill>
-                  <a:srgbClr val="494E52"/>
-                </a:solidFill>
-                <a:effectLst/>
-                <a:latin typeface="Monaco"/>
-              </a:rPr>
-              <a:t> </a:t>
-            </a:r>
-            <a:r>
-              <a:rPr kumimoji="0" lang="sv-SE" altLang="sv-SE" sz="1000" b="0" i="0" u="none" strike="noStrike" cap="none" normalizeH="0" baseline="0" dirty="0">
-                <a:ln>
-                  <a:noFill/>
-                </a:ln>
-                <a:solidFill>
-                  <a:srgbClr val="22B3EB"/>
-                </a:solidFill>
-                <a:effectLst/>
-                <a:latin typeface="Monaco"/>
-              </a:rPr>
-              <a:t>ViewerTemplateSelector</a:t>
-            </a:r>
-            <a:r>
-              <a:rPr kumimoji="0" lang="sv-SE" altLang="sv-SE" sz="1000" b="0" i="0" u="none" strike="noStrike" cap="none" normalizeH="0" baseline="0" dirty="0">
-                <a:ln>
-                  <a:noFill/>
-                </a:ln>
-                <a:solidFill>
-                  <a:srgbClr val="494E52"/>
-                </a:solidFill>
-                <a:effectLst/>
-                <a:latin typeface="Monaco"/>
-              </a:rPr>
-              <a:t> </a:t>
-            </a:r>
-            <a:r>
-              <a:rPr kumimoji="0" lang="sv-SE" altLang="sv-SE" sz="1000" b="0" i="0" u="none" strike="noStrike" cap="none" normalizeH="0" baseline="0" dirty="0">
-                <a:ln>
-                  <a:noFill/>
-                </a:ln>
-                <a:solidFill>
-                  <a:srgbClr val="586E75"/>
-                </a:solidFill>
-                <a:effectLst/>
-                <a:latin typeface="Monaco"/>
-              </a:rPr>
-              <a:t>:</a:t>
-            </a:r>
-            <a:r>
-              <a:rPr kumimoji="0" lang="sv-SE" altLang="sv-SE" sz="1000" b="0" i="0" u="none" strike="noStrike" cap="none" normalizeH="0" baseline="0" dirty="0">
-                <a:ln>
-                  <a:noFill/>
-                </a:ln>
-                <a:solidFill>
-                  <a:srgbClr val="494E52"/>
-                </a:solidFill>
-                <a:effectLst/>
-                <a:latin typeface="Monaco"/>
-              </a:rPr>
-              <a:t> </a:t>
-            </a:r>
-            <a:r>
-              <a:rPr kumimoji="0" lang="sv-SE" altLang="sv-SE" sz="1100" b="0" i="0" u="none" strike="noStrike" cap="none" normalizeH="0" baseline="0" dirty="0">
-                <a:ln>
-                  <a:noFill/>
-                </a:ln>
-                <a:solidFill>
-                  <a:srgbClr val="586E75"/>
-                </a:solidFill>
-                <a:effectLst/>
-                <a:latin typeface="Arial" panose="020B0604020202020204" pitchFamily="34" charset="0"/>
-              </a:rPr>
-              <a:t>DataTemplateSelector</a:t>
-            </a:r>
-            <a:br>
-              <a:rPr kumimoji="0" lang="sv-SE" altLang="sv-SE" sz="1800" b="0" i="0" u="none" strike="noStrike" cap="none" normalizeH="0" baseline="0" dirty="0">
-                <a:ln>
-                  <a:noFill/>
-                </a:ln>
-                <a:solidFill>
-                  <a:srgbClr val="586E75"/>
-                </a:solidFill>
-                <a:effectLst/>
-                <a:latin typeface="Arial" panose="020B0604020202020204" pitchFamily="34" charset="0"/>
-              </a:rPr>
-            </a:br>
-            <a:r>
-              <a:rPr kumimoji="0" lang="sv-SE" altLang="sv-SE" sz="1000" b="0" i="0" u="none" strike="noStrike" cap="none" normalizeH="0" baseline="0" dirty="0">
-                <a:ln>
-                  <a:noFill/>
-                </a:ln>
-                <a:solidFill>
-                  <a:srgbClr val="494E52"/>
-                </a:solidFill>
-                <a:effectLst/>
-                <a:latin typeface="Monaco"/>
-              </a:rPr>
-              <a:t> </a:t>
-            </a:r>
-            <a:r>
-              <a:rPr kumimoji="0" lang="sv-SE" altLang="sv-SE" sz="1000" b="0" i="0" u="none" strike="noStrike" cap="none" normalizeH="0" baseline="0" dirty="0">
-                <a:ln>
-                  <a:noFill/>
-                </a:ln>
-                <a:solidFill>
-                  <a:srgbClr val="586E75"/>
-                </a:solidFill>
-                <a:effectLst/>
-                <a:latin typeface="Monaco"/>
-              </a:rPr>
-              <a:t>{</a:t>
-            </a:r>
-            <a:r>
-              <a:rPr kumimoji="0" lang="sv-SE" altLang="sv-SE" sz="1000" b="0" i="0" u="none" strike="noStrike" cap="none" normalizeH="0" baseline="0" dirty="0">
-                <a:ln>
-                  <a:noFill/>
-                </a:ln>
-                <a:solidFill>
-                  <a:srgbClr val="494E52"/>
-                </a:solidFill>
-                <a:effectLst/>
-                <a:latin typeface="Monaco"/>
-              </a:rPr>
-              <a:t> </a:t>
-            </a:r>
-            <a:br>
-              <a:rPr kumimoji="0" lang="sv-SE" altLang="sv-SE" sz="1000" b="0" i="0" u="none" strike="noStrike" cap="none" normalizeH="0" baseline="0" dirty="0">
-                <a:ln>
-                  <a:noFill/>
-                </a:ln>
-                <a:solidFill>
-                  <a:srgbClr val="494E52"/>
-                </a:solidFill>
-                <a:effectLst/>
-                <a:latin typeface="Monaco"/>
-              </a:rPr>
-            </a:br>
-            <a:r>
-              <a:rPr kumimoji="0" lang="sv-SE" altLang="sv-SE" sz="1000" b="0" i="0" u="none" strike="noStrike" cap="none" normalizeH="0" dirty="0">
-                <a:ln>
-                  <a:noFill/>
-                </a:ln>
-                <a:solidFill>
-                  <a:srgbClr val="494E52"/>
-                </a:solidFill>
-                <a:effectLst/>
-                <a:latin typeface="Monaco"/>
-              </a:rPr>
-              <a:t>            </a:t>
-            </a:r>
-            <a:r>
-              <a:rPr kumimoji="0" lang="sv-SE" altLang="sv-SE" sz="1000" b="0" i="0" u="none" strike="noStrike" cap="none" normalizeH="0" baseline="0" dirty="0">
-                <a:ln>
-                  <a:noFill/>
-                </a:ln>
-                <a:solidFill>
-                  <a:srgbClr val="859900"/>
-                </a:solidFill>
-                <a:effectLst/>
-                <a:latin typeface="Monaco"/>
-              </a:rPr>
-              <a:t>public</a:t>
-            </a:r>
-            <a:r>
-              <a:rPr kumimoji="0" lang="sv-SE" altLang="sv-SE" sz="1000" b="0" i="0" u="none" strike="noStrike" cap="none" normalizeH="0" baseline="0" dirty="0">
-                <a:ln>
-                  <a:noFill/>
-                </a:ln>
-                <a:solidFill>
-                  <a:srgbClr val="494E52"/>
-                </a:solidFill>
-                <a:effectLst/>
-                <a:latin typeface="Monaco"/>
-              </a:rPr>
-              <a:t> </a:t>
-            </a:r>
-            <a:r>
-              <a:rPr kumimoji="0" lang="sv-SE" altLang="sv-SE" sz="1100" b="0" i="0" u="none" strike="noStrike" cap="none" normalizeH="0" baseline="0" dirty="0">
-                <a:ln>
-                  <a:noFill/>
-                </a:ln>
-                <a:solidFill>
-                  <a:srgbClr val="586E75"/>
-                </a:solidFill>
-                <a:effectLst/>
-                <a:latin typeface="Arial" panose="020B0604020202020204" pitchFamily="34" charset="0"/>
-              </a:rPr>
-              <a:t>DataTemplate</a:t>
-            </a:r>
-            <a:r>
-              <a:rPr kumimoji="0" lang="sv-SE" altLang="sv-SE" sz="1100" b="0" i="0" u="none" strike="noStrike" cap="none" normalizeH="0" baseline="0" dirty="0">
-                <a:ln>
-                  <a:noFill/>
-                </a:ln>
-                <a:solidFill>
-                  <a:srgbClr val="494E52"/>
-                </a:solidFill>
-                <a:effectLst/>
-                <a:latin typeface="Monaco"/>
-              </a:rPr>
-              <a:t> </a:t>
-            </a:r>
-            <a:r>
-              <a:rPr kumimoji="0" lang="sv-SE" altLang="sv-SE" sz="1100" b="0" i="0" u="none" strike="noStrike" cap="none" normalizeH="0" baseline="0" dirty="0">
-                <a:ln>
-                  <a:noFill/>
-                </a:ln>
-                <a:solidFill>
-                  <a:srgbClr val="586E75"/>
-                </a:solidFill>
-                <a:effectLst/>
-                <a:latin typeface="Arial" panose="020B0604020202020204" pitchFamily="34" charset="0"/>
-              </a:rPr>
-              <a:t>ImageTemplate</a:t>
-            </a:r>
-            <a:r>
-              <a:rPr kumimoji="0" lang="sv-SE" altLang="sv-SE" sz="1000" b="0" i="0" u="none" strike="noStrike" cap="none" normalizeH="0" baseline="0" dirty="0">
-                <a:ln>
-                  <a:noFill/>
-                </a:ln>
-                <a:solidFill>
-                  <a:srgbClr val="586E75"/>
-                </a:solidFill>
-                <a:effectLst/>
-                <a:latin typeface="Monaco"/>
-              </a:rPr>
-              <a:t>{</a:t>
-            </a:r>
-            <a:r>
-              <a:rPr kumimoji="0" lang="sv-SE" altLang="sv-SE" sz="1000" b="0" i="0" u="none" strike="noStrike" cap="none" normalizeH="0" baseline="0" dirty="0">
-                <a:ln>
-                  <a:noFill/>
-                </a:ln>
-                <a:solidFill>
-                  <a:srgbClr val="494E52"/>
-                </a:solidFill>
-                <a:effectLst/>
-                <a:latin typeface="Monaco"/>
-              </a:rPr>
-              <a:t> </a:t>
-            </a:r>
-            <a:r>
-              <a:rPr kumimoji="0" lang="sv-SE" altLang="sv-SE" sz="1000" b="0" i="0" u="none" strike="noStrike" cap="none" normalizeH="0" baseline="0" dirty="0">
-                <a:ln>
-                  <a:noFill/>
-                </a:ln>
-                <a:solidFill>
-                  <a:srgbClr val="859900"/>
-                </a:solidFill>
-                <a:effectLst/>
-                <a:latin typeface="Monaco"/>
-              </a:rPr>
-              <a:t>get</a:t>
-            </a:r>
-            <a:r>
-              <a:rPr kumimoji="0" lang="sv-SE" altLang="sv-SE" sz="1000" b="0" i="0" u="none" strike="noStrike" cap="none" normalizeH="0" baseline="0" dirty="0">
-                <a:ln>
-                  <a:noFill/>
-                </a:ln>
-                <a:solidFill>
-                  <a:srgbClr val="586E75"/>
-                </a:solidFill>
-                <a:effectLst/>
-                <a:latin typeface="Monaco"/>
-              </a:rPr>
-              <a:t>;</a:t>
-            </a:r>
-            <a:r>
-              <a:rPr kumimoji="0" lang="sv-SE" altLang="sv-SE" sz="1000" b="0" i="0" u="none" strike="noStrike" cap="none" normalizeH="0" baseline="0" dirty="0">
-                <a:ln>
-                  <a:noFill/>
-                </a:ln>
-                <a:solidFill>
-                  <a:srgbClr val="494E52"/>
-                </a:solidFill>
-                <a:effectLst/>
-                <a:latin typeface="Monaco"/>
-              </a:rPr>
-              <a:t> </a:t>
-            </a:r>
-            <a:r>
-              <a:rPr kumimoji="0" lang="sv-SE" altLang="sv-SE" sz="1000" b="0" i="0" u="none" strike="noStrike" cap="none" normalizeH="0" baseline="0" dirty="0">
-                <a:ln>
-                  <a:noFill/>
-                </a:ln>
-                <a:solidFill>
-                  <a:srgbClr val="859900"/>
-                </a:solidFill>
-                <a:effectLst/>
-                <a:latin typeface="Monaco"/>
-              </a:rPr>
-              <a:t>set</a:t>
-            </a:r>
-            <a:r>
-              <a:rPr kumimoji="0" lang="sv-SE" altLang="sv-SE" sz="1000" b="0" i="0" u="none" strike="noStrike" cap="none" normalizeH="0" baseline="0" dirty="0">
-                <a:ln>
-                  <a:noFill/>
-                </a:ln>
-                <a:solidFill>
-                  <a:srgbClr val="586E75"/>
-                </a:solidFill>
-                <a:effectLst/>
-                <a:latin typeface="Monaco"/>
-              </a:rPr>
-              <a:t>;</a:t>
-            </a:r>
-            <a:r>
-              <a:rPr kumimoji="0" lang="sv-SE" altLang="sv-SE" sz="1000" b="0" i="0" u="none" strike="noStrike" cap="none" normalizeH="0" baseline="0" dirty="0">
-                <a:ln>
-                  <a:noFill/>
-                </a:ln>
-                <a:solidFill>
-                  <a:srgbClr val="494E52"/>
-                </a:solidFill>
-                <a:effectLst/>
-                <a:latin typeface="Monaco"/>
-              </a:rPr>
-              <a:t> </a:t>
-            </a:r>
-            <a:r>
-              <a:rPr kumimoji="0" lang="sv-SE" altLang="sv-SE" sz="1000" b="0" i="0" u="none" strike="noStrike" cap="none" normalizeH="0" baseline="0" dirty="0">
-                <a:ln>
-                  <a:noFill/>
-                </a:ln>
-                <a:solidFill>
-                  <a:srgbClr val="586E75"/>
-                </a:solidFill>
-                <a:effectLst/>
-                <a:latin typeface="Monaco"/>
-              </a:rPr>
-              <a:t>}</a:t>
-            </a:r>
-            <a:br>
-              <a:rPr kumimoji="0" lang="sv-SE" altLang="sv-SE" sz="1000" b="0" i="0" u="none" strike="noStrike" cap="none" normalizeH="0" baseline="0" dirty="0">
-                <a:ln>
-                  <a:noFill/>
-                </a:ln>
-                <a:solidFill>
-                  <a:srgbClr val="586E75"/>
-                </a:solidFill>
-                <a:effectLst/>
-                <a:latin typeface="Monaco"/>
-              </a:rPr>
-            </a:br>
-            <a:r>
-              <a:rPr kumimoji="0" lang="sv-SE" altLang="sv-SE" sz="1000" b="0" i="0" u="none" strike="noStrike" cap="none" normalizeH="0" baseline="0" dirty="0">
-                <a:ln>
-                  <a:noFill/>
-                </a:ln>
-                <a:solidFill>
-                  <a:srgbClr val="586E75"/>
-                </a:solidFill>
-                <a:effectLst/>
-                <a:latin typeface="Monaco"/>
-              </a:rPr>
-              <a:t>            </a:t>
-            </a:r>
-            <a:r>
-              <a:rPr kumimoji="0" lang="sv-SE" altLang="sv-SE" sz="1000" b="0" i="0" u="none" strike="noStrike" cap="none" normalizeH="0" baseline="0" dirty="0">
-                <a:ln>
-                  <a:noFill/>
-                </a:ln>
-                <a:solidFill>
-                  <a:srgbClr val="859900"/>
-                </a:solidFill>
-                <a:effectLst/>
-                <a:latin typeface="Monaco"/>
-              </a:rPr>
-              <a:t>public</a:t>
-            </a:r>
-            <a:r>
-              <a:rPr kumimoji="0" lang="sv-SE" altLang="sv-SE" sz="1000" b="0" i="0" u="none" strike="noStrike" cap="none" normalizeH="0" baseline="0" dirty="0">
-                <a:ln>
-                  <a:noFill/>
-                </a:ln>
-                <a:solidFill>
-                  <a:srgbClr val="494E52"/>
-                </a:solidFill>
-                <a:effectLst/>
-                <a:latin typeface="Monaco"/>
-              </a:rPr>
-              <a:t> </a:t>
-            </a:r>
-            <a:r>
-              <a:rPr kumimoji="0" lang="sv-SE" altLang="sv-SE" sz="1100" b="0" i="0" u="none" strike="noStrike" cap="none" normalizeH="0" baseline="0" dirty="0">
-                <a:ln>
-                  <a:noFill/>
-                </a:ln>
-                <a:solidFill>
-                  <a:srgbClr val="586E75"/>
-                </a:solidFill>
-                <a:effectLst/>
-                <a:latin typeface="Arial" panose="020B0604020202020204" pitchFamily="34" charset="0"/>
-              </a:rPr>
-              <a:t>DataTemplate</a:t>
-            </a:r>
-            <a:r>
-              <a:rPr kumimoji="0" lang="sv-SE" altLang="sv-SE" sz="1100" b="0" i="0" u="none" strike="noStrike" cap="none" normalizeH="0" baseline="0" dirty="0">
-                <a:ln>
-                  <a:noFill/>
-                </a:ln>
-                <a:solidFill>
-                  <a:srgbClr val="494E52"/>
-                </a:solidFill>
-                <a:effectLst/>
-                <a:latin typeface="Monaco"/>
-              </a:rPr>
-              <a:t> </a:t>
-            </a:r>
-            <a:r>
-              <a:rPr kumimoji="0" lang="sv-SE" altLang="sv-SE" sz="1100" b="0" i="0" u="none" strike="noStrike" cap="none" normalizeH="0" baseline="0" dirty="0">
-                <a:ln>
-                  <a:noFill/>
-                </a:ln>
-                <a:solidFill>
-                  <a:srgbClr val="586E75"/>
-                </a:solidFill>
-                <a:effectLst/>
-                <a:latin typeface="Arial" panose="020B0604020202020204" pitchFamily="34" charset="0"/>
-              </a:rPr>
-              <a:t>VideoTemplate</a:t>
-            </a:r>
-            <a:r>
-              <a:rPr kumimoji="0" lang="sv-SE" altLang="sv-SE" sz="1100" b="0" i="0" u="none" strike="noStrike" cap="none" normalizeH="0" baseline="0" dirty="0">
-                <a:ln>
-                  <a:noFill/>
-                </a:ln>
-                <a:solidFill>
-                  <a:srgbClr val="494E52"/>
-                </a:solidFill>
-                <a:effectLst/>
-                <a:latin typeface="Monaco"/>
-              </a:rPr>
-              <a:t> </a:t>
-            </a:r>
-            <a:r>
-              <a:rPr kumimoji="0" lang="sv-SE" altLang="sv-SE" sz="1000" b="0" i="0" u="none" strike="noStrike" cap="none" normalizeH="0" baseline="0" dirty="0">
-                <a:ln>
-                  <a:noFill/>
-                </a:ln>
-                <a:solidFill>
-                  <a:srgbClr val="586E75"/>
-                </a:solidFill>
-                <a:effectLst/>
-                <a:latin typeface="Monaco"/>
-              </a:rPr>
-              <a:t>{</a:t>
-            </a:r>
-            <a:r>
-              <a:rPr kumimoji="0" lang="sv-SE" altLang="sv-SE" sz="1000" b="0" i="0" u="none" strike="noStrike" cap="none" normalizeH="0" baseline="0" dirty="0">
-                <a:ln>
-                  <a:noFill/>
-                </a:ln>
-                <a:solidFill>
-                  <a:srgbClr val="494E52"/>
-                </a:solidFill>
-                <a:effectLst/>
-                <a:latin typeface="Monaco"/>
-              </a:rPr>
-              <a:t> </a:t>
-            </a:r>
-            <a:r>
-              <a:rPr kumimoji="0" lang="sv-SE" altLang="sv-SE" sz="1000" b="0" i="0" u="none" strike="noStrike" cap="none" normalizeH="0" baseline="0" dirty="0">
-                <a:ln>
-                  <a:noFill/>
-                </a:ln>
-                <a:solidFill>
-                  <a:srgbClr val="859900"/>
-                </a:solidFill>
-                <a:effectLst/>
-                <a:latin typeface="Monaco"/>
-              </a:rPr>
-              <a:t>get</a:t>
-            </a:r>
-            <a:r>
-              <a:rPr kumimoji="0" lang="sv-SE" altLang="sv-SE" sz="1000" b="0" i="0" u="none" strike="noStrike" cap="none" normalizeH="0" baseline="0" dirty="0">
-                <a:ln>
-                  <a:noFill/>
-                </a:ln>
-                <a:solidFill>
-                  <a:srgbClr val="586E75"/>
-                </a:solidFill>
-                <a:effectLst/>
-                <a:latin typeface="Monaco"/>
-              </a:rPr>
-              <a:t>;</a:t>
-            </a:r>
-            <a:r>
-              <a:rPr kumimoji="0" lang="sv-SE" altLang="sv-SE" sz="1000" b="0" i="0" u="none" strike="noStrike" cap="none" normalizeH="0" baseline="0" dirty="0">
-                <a:ln>
-                  <a:noFill/>
-                </a:ln>
-                <a:solidFill>
-                  <a:srgbClr val="494E52"/>
-                </a:solidFill>
-                <a:effectLst/>
-                <a:latin typeface="Monaco"/>
-              </a:rPr>
-              <a:t> </a:t>
-            </a:r>
-            <a:r>
-              <a:rPr kumimoji="0" lang="sv-SE" altLang="sv-SE" sz="1000" b="0" i="0" u="none" strike="noStrike" cap="none" normalizeH="0" baseline="0" dirty="0">
-                <a:ln>
-                  <a:noFill/>
-                </a:ln>
-                <a:solidFill>
-                  <a:srgbClr val="859900"/>
-                </a:solidFill>
-                <a:effectLst/>
-                <a:latin typeface="Monaco"/>
-              </a:rPr>
-              <a:t>set</a:t>
-            </a:r>
-            <a:r>
-              <a:rPr kumimoji="0" lang="sv-SE" altLang="sv-SE" sz="1000" b="0" i="0" u="none" strike="noStrike" cap="none" normalizeH="0" baseline="0" dirty="0">
-                <a:ln>
-                  <a:noFill/>
-                </a:ln>
-                <a:solidFill>
-                  <a:srgbClr val="586E75"/>
-                </a:solidFill>
-                <a:effectLst/>
-                <a:latin typeface="Monaco"/>
-              </a:rPr>
-              <a:t>;</a:t>
-            </a:r>
-            <a:r>
-              <a:rPr kumimoji="0" lang="sv-SE" altLang="sv-SE" sz="1000" b="0" i="0" u="none" strike="noStrike" cap="none" normalizeH="0" baseline="0" dirty="0">
-                <a:ln>
-                  <a:noFill/>
-                </a:ln>
-                <a:solidFill>
-                  <a:srgbClr val="494E52"/>
-                </a:solidFill>
-                <a:effectLst/>
-                <a:latin typeface="Monaco"/>
-              </a:rPr>
-              <a:t> </a:t>
-            </a:r>
-            <a:r>
-              <a:rPr kumimoji="0" lang="sv-SE" altLang="sv-SE" sz="1000" b="0" i="0" u="none" strike="noStrike" cap="none" normalizeH="0" baseline="0" dirty="0">
-                <a:ln>
-                  <a:noFill/>
-                </a:ln>
-                <a:solidFill>
-                  <a:srgbClr val="586E75"/>
-                </a:solidFill>
-                <a:effectLst/>
-                <a:latin typeface="Monaco"/>
-              </a:rPr>
-              <a:t>}</a:t>
-            </a:r>
-            <a:r>
-              <a:rPr kumimoji="0" lang="sv-SE" altLang="sv-SE" sz="1000" b="0" i="0" u="none" strike="noStrike" cap="none" normalizeH="0" baseline="0" dirty="0">
-                <a:ln>
-                  <a:noFill/>
-                </a:ln>
-                <a:solidFill>
-                  <a:srgbClr val="494E52"/>
-                </a:solidFill>
-                <a:effectLst/>
-                <a:latin typeface="Monaco"/>
-              </a:rPr>
-              <a:t> </a:t>
-            </a:r>
-            <a:br>
-              <a:rPr kumimoji="0" lang="sv-SE" altLang="sv-SE" sz="1000" b="0" i="0" u="none" strike="noStrike" cap="none" normalizeH="0" baseline="0" dirty="0">
-                <a:ln>
-                  <a:noFill/>
-                </a:ln>
-                <a:solidFill>
-                  <a:srgbClr val="494E52"/>
-                </a:solidFill>
-                <a:effectLst/>
-                <a:latin typeface="Monaco"/>
-              </a:rPr>
-            </a:br>
-            <a:r>
-              <a:rPr kumimoji="0" lang="sv-SE" altLang="sv-SE" sz="1000" b="0" i="0" u="none" strike="noStrike" cap="none" normalizeH="0" dirty="0">
-                <a:ln>
-                  <a:noFill/>
-                </a:ln>
-                <a:solidFill>
-                  <a:srgbClr val="494E52"/>
-                </a:solidFill>
-                <a:effectLst/>
-                <a:latin typeface="Monaco"/>
-              </a:rPr>
-              <a:t>            </a:t>
-            </a:r>
-            <a:r>
-              <a:rPr kumimoji="0" lang="sv-SE" altLang="sv-SE" sz="1000" b="0" i="0" u="none" strike="noStrike" cap="none" normalizeH="0" baseline="0" dirty="0">
-                <a:ln>
-                  <a:noFill/>
-                </a:ln>
-                <a:solidFill>
-                  <a:srgbClr val="859900"/>
-                </a:solidFill>
-                <a:effectLst/>
-                <a:latin typeface="Monaco"/>
-              </a:rPr>
-              <a:t>protected</a:t>
-            </a:r>
-            <a:r>
-              <a:rPr kumimoji="0" lang="sv-SE" altLang="sv-SE" sz="1000" b="0" i="0" u="none" strike="noStrike" cap="none" normalizeH="0" baseline="0" dirty="0">
-                <a:ln>
-                  <a:noFill/>
-                </a:ln>
-                <a:solidFill>
-                  <a:srgbClr val="494E52"/>
-                </a:solidFill>
-                <a:effectLst/>
-                <a:latin typeface="Monaco"/>
-              </a:rPr>
-              <a:t> </a:t>
-            </a:r>
-            <a:r>
-              <a:rPr kumimoji="0" lang="sv-SE" altLang="sv-SE" sz="1000" b="0" i="0" u="none" strike="noStrike" cap="none" normalizeH="0" baseline="0" dirty="0">
-                <a:ln>
-                  <a:noFill/>
-                </a:ln>
-                <a:solidFill>
-                  <a:srgbClr val="859900"/>
-                </a:solidFill>
-                <a:effectLst/>
-                <a:latin typeface="Monaco"/>
-              </a:rPr>
-              <a:t>override</a:t>
-            </a:r>
-            <a:r>
-              <a:rPr kumimoji="0" lang="sv-SE" altLang="sv-SE" sz="1000" b="0" i="0" u="none" strike="noStrike" cap="none" normalizeH="0" baseline="0" dirty="0">
-                <a:ln>
-                  <a:noFill/>
-                </a:ln>
-                <a:solidFill>
-                  <a:srgbClr val="494E52"/>
-                </a:solidFill>
-                <a:effectLst/>
-                <a:latin typeface="Monaco"/>
-              </a:rPr>
-              <a:t> </a:t>
-            </a:r>
-            <a:r>
-              <a:rPr kumimoji="0" lang="sv-SE" altLang="sv-SE" sz="1100" b="0" i="0" u="none" strike="noStrike" cap="none" normalizeH="0" baseline="0" dirty="0">
-                <a:ln>
-                  <a:noFill/>
-                </a:ln>
-                <a:solidFill>
-                  <a:srgbClr val="586E75"/>
-                </a:solidFill>
-                <a:effectLst/>
-                <a:latin typeface="Arial" panose="020B0604020202020204" pitchFamily="34" charset="0"/>
-              </a:rPr>
-              <a:t>DataTemplate</a:t>
-            </a:r>
-            <a:r>
-              <a:rPr kumimoji="0" lang="sv-SE" altLang="sv-SE" sz="1000" b="0" i="0" u="none" strike="noStrike" cap="none" normalizeH="0" baseline="0" dirty="0">
-                <a:ln>
-                  <a:noFill/>
-                </a:ln>
-                <a:solidFill>
-                  <a:srgbClr val="494E52"/>
-                </a:solidFill>
-                <a:effectLst/>
-                <a:latin typeface="Monaco"/>
-              </a:rPr>
-              <a:t> </a:t>
-            </a:r>
-            <a:r>
-              <a:rPr kumimoji="0" lang="sv-SE" altLang="sv-SE" sz="1000" b="0" i="0" u="none" strike="noStrike" cap="none" normalizeH="0" baseline="0" dirty="0">
-                <a:ln>
-                  <a:noFill/>
-                </a:ln>
-                <a:solidFill>
-                  <a:srgbClr val="22B3EB"/>
-                </a:solidFill>
-                <a:effectLst/>
-                <a:latin typeface="Monaco"/>
-              </a:rPr>
-              <a:t>SelectTemplateCore</a:t>
-            </a:r>
-            <a:r>
-              <a:rPr kumimoji="0" lang="sv-SE" altLang="sv-SE" sz="1000" b="0" i="0" u="none" strike="noStrike" cap="none" normalizeH="0" baseline="0" dirty="0">
-                <a:ln>
-                  <a:noFill/>
-                </a:ln>
-                <a:solidFill>
-                  <a:srgbClr val="586E75"/>
-                </a:solidFill>
-                <a:effectLst/>
-                <a:latin typeface="Monaco"/>
-              </a:rPr>
-              <a:t>(</a:t>
-            </a:r>
-            <a:r>
-              <a:rPr kumimoji="0" lang="sv-SE" altLang="sv-SE" sz="1000" b="0" i="0" u="none" strike="noStrike" cap="none" normalizeH="0" baseline="0" dirty="0">
-                <a:ln>
-                  <a:noFill/>
-                </a:ln>
-                <a:solidFill>
-                  <a:srgbClr val="DC322F"/>
-                </a:solidFill>
-                <a:effectLst/>
-                <a:latin typeface="Monaco"/>
-              </a:rPr>
-              <a:t>object</a:t>
-            </a:r>
-            <a:r>
-              <a:rPr kumimoji="0" lang="sv-SE" altLang="sv-SE" sz="1000" b="0" i="0" u="none" strike="noStrike" cap="none" normalizeH="0" baseline="0" dirty="0">
-                <a:ln>
-                  <a:noFill/>
-                </a:ln>
-                <a:solidFill>
-                  <a:srgbClr val="494E52"/>
-                </a:solidFill>
-                <a:effectLst/>
-                <a:latin typeface="Monaco"/>
-              </a:rPr>
-              <a:t> </a:t>
-            </a:r>
-            <a:r>
-              <a:rPr kumimoji="0" lang="sv-SE" altLang="sv-SE" sz="1100" b="0" i="0" u="none" strike="noStrike" cap="none" normalizeH="0" baseline="0" dirty="0">
-                <a:ln>
-                  <a:noFill/>
-                </a:ln>
-                <a:solidFill>
-                  <a:srgbClr val="586E75"/>
-                </a:solidFill>
-                <a:effectLst/>
-                <a:latin typeface="Arial" panose="020B0604020202020204" pitchFamily="34" charset="0"/>
-              </a:rPr>
-              <a:t>item</a:t>
-            </a:r>
-            <a:r>
-              <a:rPr kumimoji="0" lang="sv-SE" altLang="sv-SE" sz="1100" b="0" i="0" u="none" strike="noStrike" cap="none" normalizeH="0" baseline="0" dirty="0">
-                <a:ln>
-                  <a:noFill/>
-                </a:ln>
-                <a:solidFill>
-                  <a:srgbClr val="586E75"/>
-                </a:solidFill>
-                <a:effectLst/>
-                <a:latin typeface="Monaco"/>
-              </a:rPr>
-              <a:t>,</a:t>
-            </a:r>
-            <a:r>
-              <a:rPr kumimoji="0" lang="sv-SE" altLang="sv-SE" sz="1100" b="0" i="0" u="none" strike="noStrike" cap="none" normalizeH="0" baseline="0" dirty="0">
-                <a:ln>
-                  <a:noFill/>
-                </a:ln>
-                <a:solidFill>
-                  <a:srgbClr val="494E52"/>
-                </a:solidFill>
-                <a:effectLst/>
-                <a:latin typeface="Monaco"/>
-              </a:rPr>
-              <a:t> </a:t>
-            </a:r>
-            <a:r>
-              <a:rPr kumimoji="0" lang="sv-SE" altLang="sv-SE" sz="1100" b="0" i="0" u="none" strike="noStrike" cap="none" normalizeH="0" baseline="0" dirty="0">
-                <a:ln>
-                  <a:noFill/>
-                </a:ln>
-                <a:solidFill>
-                  <a:srgbClr val="586E75"/>
-                </a:solidFill>
-                <a:effectLst/>
-                <a:latin typeface="Arial" panose="020B0604020202020204" pitchFamily="34" charset="0"/>
-              </a:rPr>
-              <a:t>DependencyObject</a:t>
-            </a:r>
-            <a:r>
-              <a:rPr kumimoji="0" lang="sv-SE" altLang="sv-SE" sz="1100" b="0" i="0" u="none" strike="noStrike" cap="none" normalizeH="0" baseline="0" dirty="0">
-                <a:ln>
-                  <a:noFill/>
-                </a:ln>
-                <a:solidFill>
-                  <a:srgbClr val="494E52"/>
-                </a:solidFill>
-                <a:effectLst/>
-                <a:latin typeface="Monaco"/>
-              </a:rPr>
-              <a:t> </a:t>
-            </a:r>
-            <a:r>
-              <a:rPr kumimoji="0" lang="sv-SE" altLang="sv-SE" sz="1100" b="0" i="0" u="none" strike="noStrike" cap="none" normalizeH="0" baseline="0" dirty="0">
-                <a:ln>
-                  <a:noFill/>
-                </a:ln>
-                <a:solidFill>
-                  <a:srgbClr val="586E75"/>
-                </a:solidFill>
-                <a:effectLst/>
-                <a:latin typeface="Arial" panose="020B0604020202020204" pitchFamily="34" charset="0"/>
-              </a:rPr>
-              <a:t>container</a:t>
-            </a:r>
-            <a:r>
-              <a:rPr kumimoji="0" lang="sv-SE" altLang="sv-SE" sz="1000" b="0" i="0" u="none" strike="noStrike" cap="none" normalizeH="0" baseline="0" dirty="0">
-                <a:ln>
-                  <a:noFill/>
-                </a:ln>
-                <a:solidFill>
-                  <a:srgbClr val="586E75"/>
-                </a:solidFill>
-                <a:effectLst/>
-                <a:latin typeface="Monaco"/>
-              </a:rPr>
-              <a:t>)</a:t>
-            </a:r>
-            <a:r>
-              <a:rPr kumimoji="0" lang="sv-SE" altLang="sv-SE" sz="1000" b="0" i="0" u="none" strike="noStrike" cap="none" normalizeH="0" baseline="0" dirty="0">
-                <a:ln>
-                  <a:noFill/>
-                </a:ln>
-                <a:solidFill>
-                  <a:srgbClr val="494E52"/>
-                </a:solidFill>
-                <a:effectLst/>
-                <a:latin typeface="Monaco"/>
-              </a:rPr>
-              <a:t> </a:t>
-            </a:r>
-            <a:br>
-              <a:rPr kumimoji="0" lang="sv-SE" altLang="sv-SE" sz="1000" b="0" i="0" u="none" strike="noStrike" cap="none" normalizeH="0" baseline="0" dirty="0">
-                <a:ln>
-                  <a:noFill/>
-                </a:ln>
-                <a:solidFill>
-                  <a:srgbClr val="494E52"/>
-                </a:solidFill>
-                <a:effectLst/>
-                <a:latin typeface="Monaco"/>
-              </a:rPr>
-            </a:br>
-            <a:r>
-              <a:rPr kumimoji="0" lang="sv-SE" altLang="sv-SE" sz="1000" b="0" i="0" u="none" strike="noStrike" cap="none" normalizeH="0" dirty="0">
-                <a:ln>
-                  <a:noFill/>
-                </a:ln>
-                <a:solidFill>
-                  <a:srgbClr val="494E52"/>
-                </a:solidFill>
-                <a:effectLst/>
-                <a:latin typeface="Monaco"/>
-              </a:rPr>
-              <a:t>           </a:t>
-            </a:r>
-            <a:r>
-              <a:rPr kumimoji="0" lang="sv-SE" altLang="sv-SE" sz="1000" b="0" i="0" u="none" strike="noStrike" cap="none" normalizeH="0" baseline="0" dirty="0">
-                <a:ln>
-                  <a:noFill/>
-                </a:ln>
-                <a:solidFill>
-                  <a:srgbClr val="586E75"/>
-                </a:solidFill>
-                <a:effectLst/>
-                <a:latin typeface="Monaco"/>
-              </a:rPr>
-              <a:t>{</a:t>
-            </a:r>
-            <a:r>
-              <a:rPr kumimoji="0" lang="sv-SE" altLang="sv-SE" sz="1000" b="0" i="0" u="none" strike="noStrike" cap="none" normalizeH="0" baseline="0" dirty="0">
-                <a:ln>
-                  <a:noFill/>
-                </a:ln>
-                <a:solidFill>
-                  <a:srgbClr val="494E52"/>
-                </a:solidFill>
-                <a:effectLst/>
-                <a:latin typeface="Monaco"/>
-              </a:rPr>
-              <a:t> </a:t>
-            </a:r>
-            <a:br>
-              <a:rPr kumimoji="0" lang="sv-SE" altLang="sv-SE" sz="1000" b="0" i="0" u="none" strike="noStrike" cap="none" normalizeH="0" baseline="0" dirty="0">
-                <a:ln>
-                  <a:noFill/>
-                </a:ln>
-                <a:solidFill>
-                  <a:srgbClr val="494E52"/>
-                </a:solidFill>
-                <a:effectLst/>
-                <a:latin typeface="Monaco"/>
-              </a:rPr>
-            </a:br>
-            <a:r>
-              <a:rPr kumimoji="0" lang="sv-SE" altLang="sv-SE" sz="1000" b="0" i="0" u="none" strike="noStrike" cap="none" normalizeH="0" baseline="0" dirty="0">
-                <a:ln>
-                  <a:noFill/>
-                </a:ln>
-                <a:solidFill>
-                  <a:srgbClr val="494E52"/>
-                </a:solidFill>
-                <a:effectLst/>
-                <a:latin typeface="Monaco"/>
-              </a:rPr>
-              <a:t>                </a:t>
-            </a:r>
-            <a:r>
-              <a:rPr kumimoji="0" lang="sv-SE" altLang="sv-SE" sz="1000" b="0" i="0" u="none" strike="noStrike" cap="none" normalizeH="0" baseline="0" dirty="0">
-                <a:ln>
-                  <a:noFill/>
-                </a:ln>
-                <a:solidFill>
-                  <a:srgbClr val="DC322F"/>
-                </a:solidFill>
-                <a:effectLst/>
-                <a:latin typeface="Monaco"/>
-              </a:rPr>
-              <a:t>var</a:t>
-            </a:r>
-            <a:r>
-              <a:rPr kumimoji="0" lang="sv-SE" altLang="sv-SE" sz="1000" b="0" i="0" u="none" strike="noStrike" cap="none" normalizeH="0" baseline="0" dirty="0">
-                <a:ln>
-                  <a:noFill/>
-                </a:ln>
-                <a:solidFill>
-                  <a:srgbClr val="494E52"/>
-                </a:solidFill>
-                <a:effectLst/>
-                <a:latin typeface="Monaco"/>
-              </a:rPr>
-              <a:t> </a:t>
-            </a:r>
-            <a:r>
-              <a:rPr kumimoji="0" lang="sv-SE" altLang="sv-SE" sz="1100" b="0" i="0" u="none" strike="noStrike" cap="none" normalizeH="0" baseline="0" dirty="0">
-                <a:ln>
-                  <a:noFill/>
-                </a:ln>
-                <a:solidFill>
-                  <a:srgbClr val="586E75"/>
-                </a:solidFill>
-                <a:effectLst/>
-                <a:latin typeface="Arial" panose="020B0604020202020204" pitchFamily="34" charset="0"/>
-              </a:rPr>
-              <a:t>image</a:t>
-            </a:r>
-            <a:r>
-              <a:rPr kumimoji="0" lang="sv-SE" altLang="sv-SE" sz="1100" b="0" i="0" u="none" strike="noStrike" cap="none" normalizeH="0" baseline="0" dirty="0">
-                <a:ln>
-                  <a:noFill/>
-                </a:ln>
-                <a:solidFill>
-                  <a:srgbClr val="494E52"/>
-                </a:solidFill>
-                <a:effectLst/>
-                <a:latin typeface="Monaco"/>
-              </a:rPr>
-              <a:t> </a:t>
-            </a:r>
-            <a:r>
-              <a:rPr kumimoji="0" lang="sv-SE" altLang="sv-SE" sz="1100" b="0" i="0" u="none" strike="noStrike" cap="none" normalizeH="0" baseline="0" dirty="0">
-                <a:ln>
-                  <a:noFill/>
-                </a:ln>
-                <a:solidFill>
-                  <a:srgbClr val="586E75"/>
-                </a:solidFill>
-                <a:effectLst/>
-                <a:latin typeface="Monaco"/>
-              </a:rPr>
-              <a:t>=</a:t>
-            </a:r>
-            <a:r>
-              <a:rPr kumimoji="0" lang="sv-SE" altLang="sv-SE" sz="1100" b="0" i="0" u="none" strike="noStrike" cap="none" normalizeH="0" baseline="0" dirty="0">
-                <a:ln>
-                  <a:noFill/>
-                </a:ln>
-                <a:solidFill>
-                  <a:srgbClr val="494E52"/>
-                </a:solidFill>
-                <a:effectLst/>
-                <a:latin typeface="Monaco"/>
-              </a:rPr>
-              <a:t> </a:t>
-            </a:r>
-            <a:r>
-              <a:rPr kumimoji="0" lang="sv-SE" altLang="sv-SE" sz="1100" b="0" i="0" u="none" strike="noStrike" cap="none" normalizeH="0" baseline="0" dirty="0">
-                <a:ln>
-                  <a:noFill/>
-                </a:ln>
-                <a:solidFill>
-                  <a:srgbClr val="586E75"/>
-                </a:solidFill>
-                <a:effectLst/>
-                <a:latin typeface="Arial" panose="020B0604020202020204" pitchFamily="34" charset="0"/>
-              </a:rPr>
-              <a:t>item</a:t>
-            </a:r>
-            <a:r>
-              <a:rPr kumimoji="0" lang="sv-SE" altLang="sv-SE" sz="1100" b="0" i="0" u="none" strike="noStrike" cap="none" normalizeH="0" baseline="0" dirty="0">
-                <a:ln>
-                  <a:noFill/>
-                </a:ln>
-                <a:solidFill>
-                  <a:srgbClr val="494E52"/>
-                </a:solidFill>
-                <a:effectLst/>
-                <a:latin typeface="Monaco"/>
-              </a:rPr>
-              <a:t> </a:t>
-            </a:r>
-            <a:r>
-              <a:rPr kumimoji="0" lang="sv-SE" altLang="sv-SE" sz="1000" b="0" i="0" u="none" strike="noStrike" cap="none" normalizeH="0" baseline="0" dirty="0">
-                <a:ln>
-                  <a:noFill/>
-                </a:ln>
-                <a:solidFill>
-                  <a:srgbClr val="859900"/>
-                </a:solidFill>
-                <a:effectLst/>
-                <a:latin typeface="Monaco"/>
-              </a:rPr>
-              <a:t>as</a:t>
-            </a:r>
-            <a:r>
-              <a:rPr kumimoji="0" lang="sv-SE" altLang="sv-SE" sz="1000" b="0" i="0" u="none" strike="noStrike" cap="none" normalizeH="0" baseline="0" dirty="0">
-                <a:ln>
-                  <a:noFill/>
-                </a:ln>
-                <a:solidFill>
-                  <a:srgbClr val="494E52"/>
-                </a:solidFill>
-                <a:effectLst/>
-                <a:latin typeface="Monaco"/>
-              </a:rPr>
-              <a:t> </a:t>
-            </a:r>
-            <a:r>
-              <a:rPr kumimoji="0" lang="sv-SE" altLang="sv-SE" sz="1100" b="0" i="0" u="none" strike="noStrike" cap="none" normalizeH="0" baseline="0" dirty="0">
-                <a:ln>
-                  <a:noFill/>
-                </a:ln>
-                <a:solidFill>
-                  <a:srgbClr val="586E75"/>
-                </a:solidFill>
-                <a:effectLst/>
-                <a:latin typeface="Arial" panose="020B0604020202020204" pitchFamily="34" charset="0"/>
-              </a:rPr>
-              <a:t>ImageViewerItem</a:t>
-            </a:r>
-            <a:r>
-              <a:rPr kumimoji="0" lang="sv-SE" altLang="sv-SE" sz="1000" b="0" i="0" u="none" strike="noStrike" cap="none" normalizeH="0" baseline="0" dirty="0">
-                <a:ln>
-                  <a:noFill/>
-                </a:ln>
-                <a:solidFill>
-                  <a:srgbClr val="586E75"/>
-                </a:solidFill>
-                <a:effectLst/>
-                <a:latin typeface="Monaco"/>
-              </a:rPr>
-              <a:t>;</a:t>
-            </a:r>
-            <a:r>
-              <a:rPr kumimoji="0" lang="sv-SE" altLang="sv-SE" sz="1000" b="0" i="0" u="none" strike="noStrike" cap="none" normalizeH="0" baseline="0" dirty="0">
-                <a:ln>
-                  <a:noFill/>
-                </a:ln>
-                <a:solidFill>
-                  <a:srgbClr val="494E52"/>
-                </a:solidFill>
-                <a:effectLst/>
-                <a:latin typeface="Monaco"/>
-              </a:rPr>
-              <a:t> </a:t>
-            </a:r>
-          </a:p>
-          <a:p>
-            <a:pPr marL="0" marR="0" lvl="0" indent="0" algn="l" defTabSz="914400" rtl="0" eaLnBrk="0" fontAlgn="base" latinLnBrk="0" hangingPunct="0">
-              <a:lnSpc>
-                <a:spcPct val="100000"/>
-              </a:lnSpc>
-              <a:spcBef>
-                <a:spcPct val="0"/>
-              </a:spcBef>
-              <a:spcAft>
-                <a:spcPct val="0"/>
-              </a:spcAft>
-              <a:buClrTx/>
-              <a:buSzTx/>
-              <a:buFontTx/>
-              <a:buNone/>
-              <a:tabLst/>
-            </a:pPr>
-            <a:r>
-              <a:rPr lang="sv-SE" altLang="sv-SE" sz="1000" dirty="0">
-                <a:solidFill>
-                  <a:srgbClr val="494E52"/>
-                </a:solidFill>
-                <a:latin typeface="Monaco"/>
-              </a:rPr>
-              <a:t>                </a:t>
-            </a:r>
-            <a:r>
-              <a:rPr kumimoji="0" lang="sv-SE" altLang="sv-SE" sz="1000" b="0" i="0" u="none" strike="noStrike" cap="none" normalizeH="0" baseline="0" dirty="0">
-                <a:ln>
-                  <a:noFill/>
-                </a:ln>
-                <a:solidFill>
-                  <a:srgbClr val="859900"/>
-                </a:solidFill>
-                <a:effectLst/>
-                <a:latin typeface="Monaco"/>
-              </a:rPr>
-              <a:t>if</a:t>
-            </a:r>
-            <a:r>
-              <a:rPr kumimoji="0" lang="sv-SE" altLang="sv-SE" sz="1000" b="0" i="0" u="none" strike="noStrike" cap="none" normalizeH="0" baseline="0" dirty="0">
-                <a:ln>
-                  <a:noFill/>
-                </a:ln>
-                <a:solidFill>
-                  <a:srgbClr val="494E52"/>
-                </a:solidFill>
-                <a:effectLst/>
-                <a:latin typeface="Monaco"/>
-              </a:rPr>
-              <a:t> </a:t>
-            </a:r>
-            <a:r>
-              <a:rPr kumimoji="0" lang="sv-SE" altLang="sv-SE" sz="1000" b="0" i="0" u="none" strike="noStrike" cap="none" normalizeH="0" baseline="0" dirty="0">
-                <a:ln>
-                  <a:noFill/>
-                </a:ln>
-                <a:solidFill>
-                  <a:srgbClr val="586E75"/>
-                </a:solidFill>
-                <a:effectLst/>
-                <a:latin typeface="Monaco"/>
-              </a:rPr>
-              <a:t>(</a:t>
-            </a:r>
-            <a:r>
-              <a:rPr kumimoji="0" lang="sv-SE" altLang="sv-SE" sz="1100" b="0" i="0" u="none" strike="noStrike" cap="none" normalizeH="0" baseline="0" dirty="0">
-                <a:ln>
-                  <a:noFill/>
-                </a:ln>
-                <a:solidFill>
-                  <a:srgbClr val="586E75"/>
-                </a:solidFill>
-                <a:effectLst/>
-                <a:latin typeface="Arial" panose="020B0604020202020204" pitchFamily="34" charset="0"/>
-              </a:rPr>
-              <a:t>image</a:t>
-            </a:r>
-            <a:r>
-              <a:rPr kumimoji="0" lang="sv-SE" altLang="sv-SE" sz="1100" b="0" i="0" u="none" strike="noStrike" cap="none" normalizeH="0" baseline="0" dirty="0">
-                <a:ln>
-                  <a:noFill/>
-                </a:ln>
-                <a:solidFill>
-                  <a:srgbClr val="494E52"/>
-                </a:solidFill>
-                <a:effectLst/>
-                <a:latin typeface="Monaco"/>
-              </a:rPr>
-              <a:t> </a:t>
-            </a:r>
-            <a:r>
-              <a:rPr kumimoji="0" lang="sv-SE" altLang="sv-SE" sz="1100" b="0" i="0" u="none" strike="noStrike" cap="none" normalizeH="0" baseline="0" dirty="0">
-                <a:ln>
-                  <a:noFill/>
-                </a:ln>
-                <a:solidFill>
-                  <a:srgbClr val="586E75"/>
-                </a:solidFill>
-                <a:effectLst/>
-                <a:latin typeface="Monaco"/>
-              </a:rPr>
-              <a:t>!=</a:t>
-            </a:r>
-            <a:r>
-              <a:rPr kumimoji="0" lang="sv-SE" altLang="sv-SE" sz="1100" b="0" i="0" u="none" strike="noStrike" cap="none" normalizeH="0" baseline="0" dirty="0">
-                <a:ln>
-                  <a:noFill/>
-                </a:ln>
-                <a:solidFill>
-                  <a:srgbClr val="494E52"/>
-                </a:solidFill>
-                <a:effectLst/>
-                <a:latin typeface="Monaco"/>
-              </a:rPr>
-              <a:t> </a:t>
-            </a:r>
-            <a:r>
-              <a:rPr kumimoji="0" lang="sv-SE" altLang="sv-SE" sz="1100" b="0" i="0" u="none" strike="noStrike" cap="none" normalizeH="0" baseline="0" dirty="0">
-                <a:ln>
-                  <a:noFill/>
-                </a:ln>
-                <a:solidFill>
-                  <a:srgbClr val="859900"/>
-                </a:solidFill>
-                <a:effectLst/>
-                <a:latin typeface="Monaco"/>
-              </a:rPr>
-              <a:t>null</a:t>
-            </a:r>
-            <a:r>
-              <a:rPr kumimoji="0" lang="sv-SE" altLang="sv-SE" sz="1000" b="0" i="0" u="none" strike="noStrike" cap="none" normalizeH="0" baseline="0" dirty="0">
-                <a:ln>
-                  <a:noFill/>
-                </a:ln>
-                <a:solidFill>
-                  <a:srgbClr val="586E75"/>
-                </a:solidFill>
-                <a:effectLst/>
-                <a:latin typeface="Monaco"/>
-              </a:rPr>
-              <a:t>)</a:t>
-            </a:r>
-            <a:r>
-              <a:rPr kumimoji="0" lang="sv-SE" altLang="sv-SE" sz="1000" b="0" i="0" u="none" strike="noStrike" cap="none" normalizeH="0" baseline="0" dirty="0">
-                <a:ln>
-                  <a:noFill/>
-                </a:ln>
-                <a:solidFill>
-                  <a:srgbClr val="494E52"/>
-                </a:solidFill>
-                <a:effectLst/>
-                <a:latin typeface="Monaco"/>
-              </a:rPr>
-              <a:t> </a:t>
-            </a:r>
-          </a:p>
-          <a:p>
-            <a:pPr lvl="0" eaLnBrk="0" fontAlgn="base" hangingPunct="0">
-              <a:spcBef>
-                <a:spcPct val="0"/>
-              </a:spcBef>
-              <a:spcAft>
-                <a:spcPct val="0"/>
-              </a:spcAft>
-            </a:pPr>
-            <a:r>
-              <a:rPr lang="sv-SE" altLang="sv-SE" sz="1000" dirty="0">
-                <a:solidFill>
-                  <a:srgbClr val="494E52"/>
-                </a:solidFill>
-                <a:latin typeface="Monaco"/>
-              </a:rPr>
-              <a:t>                    </a:t>
-            </a:r>
-            <a:r>
-              <a:rPr kumimoji="0" lang="sv-SE" altLang="sv-SE" sz="1000" b="0" i="0" u="none" strike="noStrike" cap="none" normalizeH="0" baseline="0" dirty="0">
-                <a:ln>
-                  <a:noFill/>
-                </a:ln>
-                <a:solidFill>
-                  <a:srgbClr val="859900"/>
-                </a:solidFill>
-                <a:effectLst/>
-                <a:latin typeface="Monaco"/>
-              </a:rPr>
-              <a:t>return</a:t>
-            </a:r>
-            <a:r>
-              <a:rPr kumimoji="0" lang="sv-SE" altLang="sv-SE" sz="1000" b="0" i="0" u="none" strike="noStrike" cap="none" normalizeH="0" baseline="0" dirty="0">
-                <a:ln>
-                  <a:noFill/>
-                </a:ln>
-                <a:solidFill>
-                  <a:srgbClr val="494E52"/>
-                </a:solidFill>
-                <a:effectLst/>
-                <a:latin typeface="Monaco"/>
-              </a:rPr>
-              <a:t> </a:t>
-            </a:r>
-            <a:r>
-              <a:rPr kumimoji="0" lang="sv-SE" altLang="sv-SE" sz="1100" b="0" i="0" u="none" strike="noStrike" cap="none" normalizeH="0" baseline="0" dirty="0">
-                <a:ln>
-                  <a:noFill/>
-                </a:ln>
-                <a:solidFill>
-                  <a:srgbClr val="586E75"/>
-                </a:solidFill>
-                <a:effectLst/>
-                <a:latin typeface="Arial" panose="020B0604020202020204" pitchFamily="34" charset="0"/>
-              </a:rPr>
-              <a:t>ImageTemplate</a:t>
-            </a:r>
-            <a:r>
-              <a:rPr kumimoji="0" lang="sv-SE" altLang="sv-SE" sz="1100" b="0" i="0" u="none" strike="noStrike" cap="none" normalizeH="0" baseline="0" dirty="0">
-                <a:ln>
-                  <a:noFill/>
-                </a:ln>
-                <a:solidFill>
-                  <a:srgbClr val="586E75"/>
-                </a:solidFill>
-                <a:effectLst/>
-                <a:latin typeface="Monaco"/>
-              </a:rPr>
-              <a:t>;</a:t>
-            </a:r>
-          </a:p>
-          <a:p>
-            <a:pPr lvl="0" eaLnBrk="0" fontAlgn="base" hangingPunct="0">
-              <a:spcBef>
-                <a:spcPct val="0"/>
-              </a:spcBef>
-              <a:spcAft>
-                <a:spcPct val="0"/>
-              </a:spcAft>
-            </a:pPr>
-            <a:r>
-              <a:rPr lang="sv-SE" altLang="sv-SE" sz="1100" dirty="0">
-                <a:solidFill>
-                  <a:srgbClr val="586E75"/>
-                </a:solidFill>
-                <a:latin typeface="Monaco"/>
-              </a:rPr>
-              <a:t>               </a:t>
-            </a:r>
-            <a:r>
-              <a:rPr lang="sv-SE" altLang="sv-SE" sz="1100" dirty="0">
-                <a:solidFill>
-                  <a:srgbClr val="494E52"/>
-                </a:solidFill>
-                <a:latin typeface="Monaco"/>
-              </a:rPr>
-              <a:t> </a:t>
-            </a:r>
-            <a:r>
-              <a:rPr kumimoji="0" lang="sv-SE" altLang="sv-SE" sz="1100" b="0" i="0" u="none" strike="noStrike" cap="none" normalizeH="0" baseline="0" dirty="0">
-                <a:ln>
-                  <a:noFill/>
-                </a:ln>
-                <a:solidFill>
-                  <a:srgbClr val="859900"/>
-                </a:solidFill>
-                <a:effectLst/>
-                <a:latin typeface="Monaco"/>
-              </a:rPr>
-              <a:t>else</a:t>
-            </a:r>
-            <a:endParaRPr kumimoji="0" lang="sv-SE" altLang="sv-SE" sz="1100" b="0" i="0" u="none" strike="noStrike" cap="none" normalizeH="0" baseline="0" dirty="0">
-              <a:ln>
-                <a:noFill/>
-              </a:ln>
-              <a:solidFill>
-                <a:srgbClr val="586E75"/>
-              </a:solidFill>
-              <a:effectLst/>
-              <a:latin typeface="Monaco"/>
-            </a:endParaRPr>
-          </a:p>
-          <a:p>
-            <a:pPr lvl="0" eaLnBrk="0" fontAlgn="base" hangingPunct="0">
-              <a:spcBef>
-                <a:spcPct val="0"/>
-              </a:spcBef>
-              <a:spcAft>
-                <a:spcPct val="0"/>
-              </a:spcAft>
-            </a:pPr>
-            <a:r>
-              <a:rPr kumimoji="0" lang="sv-SE" altLang="sv-SE" sz="1100" b="0" i="0" u="none" strike="noStrike" cap="none" normalizeH="0" dirty="0">
-                <a:ln>
-                  <a:noFill/>
-                </a:ln>
-                <a:solidFill>
-                  <a:srgbClr val="494E52"/>
-                </a:solidFill>
-                <a:effectLst/>
-                <a:latin typeface="Monaco"/>
-              </a:rPr>
-              <a:t>                   </a:t>
-            </a:r>
-            <a:r>
-              <a:rPr kumimoji="0" lang="sv-SE" altLang="sv-SE" sz="1100" b="0" i="0" u="none" strike="noStrike" cap="none" normalizeH="0" baseline="0" dirty="0">
-                <a:ln>
-                  <a:noFill/>
-                </a:ln>
-                <a:solidFill>
-                  <a:srgbClr val="859900"/>
-                </a:solidFill>
-                <a:effectLst/>
-                <a:latin typeface="Monaco"/>
-              </a:rPr>
-              <a:t>return</a:t>
-            </a:r>
-            <a:r>
-              <a:rPr kumimoji="0" lang="sv-SE" altLang="sv-SE" sz="1100" b="0" i="0" u="none" strike="noStrike" cap="none" normalizeH="0" baseline="0" dirty="0">
-                <a:ln>
-                  <a:noFill/>
-                </a:ln>
-                <a:solidFill>
-                  <a:srgbClr val="586E75"/>
-                </a:solidFill>
-                <a:effectLst/>
-                <a:latin typeface="Arial" panose="020B0604020202020204" pitchFamily="34" charset="0"/>
-              </a:rPr>
-              <a:t> VideoTemplate</a:t>
-            </a:r>
-            <a:r>
-              <a:rPr kumimoji="0" lang="sv-SE" altLang="sv-SE" sz="1000" b="0" i="0" u="none" strike="noStrike" cap="none" normalizeH="0" baseline="0" dirty="0">
-                <a:ln>
-                  <a:noFill/>
-                </a:ln>
-                <a:solidFill>
-                  <a:srgbClr val="586E75"/>
-                </a:solidFill>
-                <a:effectLst/>
-                <a:latin typeface="Monaco"/>
-              </a:rPr>
-              <a:t>;</a:t>
-            </a:r>
-            <a:r>
-              <a:rPr kumimoji="0" lang="sv-SE" altLang="sv-SE" sz="1000" b="0" i="0" u="none" strike="noStrike" cap="none" normalizeH="0" baseline="0" dirty="0">
-                <a:ln>
-                  <a:noFill/>
-                </a:ln>
-                <a:solidFill>
-                  <a:srgbClr val="494E52"/>
-                </a:solidFill>
-                <a:effectLst/>
-                <a:latin typeface="Monaco"/>
-              </a:rPr>
-              <a:t> </a:t>
-            </a:r>
-          </a:p>
-          <a:p>
-            <a:pPr lvl="0" eaLnBrk="0" fontAlgn="base" hangingPunct="0">
-              <a:spcBef>
-                <a:spcPct val="0"/>
-              </a:spcBef>
-              <a:spcAft>
-                <a:spcPct val="0"/>
-              </a:spcAft>
-            </a:pPr>
-            <a:r>
-              <a:rPr lang="sv-SE" altLang="sv-SE" sz="1000" dirty="0">
-                <a:solidFill>
-                  <a:srgbClr val="586E75"/>
-                </a:solidFill>
-                <a:latin typeface="Monaco"/>
-              </a:rPr>
-              <a:t>            </a:t>
-            </a:r>
-            <a:r>
-              <a:rPr kumimoji="0" lang="sv-SE" altLang="sv-SE" sz="1000" b="0" i="0" u="none" strike="noStrike" cap="none" normalizeH="0" baseline="0" dirty="0">
-                <a:ln>
-                  <a:noFill/>
-                </a:ln>
-                <a:solidFill>
-                  <a:srgbClr val="586E75"/>
-                </a:solidFill>
-                <a:effectLst/>
-                <a:latin typeface="Monaco"/>
-              </a:rPr>
-              <a:t>}</a:t>
-            </a:r>
-          </a:p>
-          <a:p>
-            <a:pPr lvl="0" eaLnBrk="0" fontAlgn="base" hangingPunct="0">
-              <a:spcBef>
-                <a:spcPct val="0"/>
-              </a:spcBef>
-              <a:spcAft>
-                <a:spcPct val="0"/>
-              </a:spcAft>
-            </a:pPr>
-            <a:r>
-              <a:rPr kumimoji="0" lang="sv-SE" altLang="sv-SE" sz="1000" b="0" i="0" u="none" strike="noStrike" cap="none" normalizeH="0" baseline="0" dirty="0">
-                <a:ln>
-                  <a:noFill/>
-                </a:ln>
-                <a:solidFill>
-                  <a:srgbClr val="494E52"/>
-                </a:solidFill>
-                <a:effectLst/>
-                <a:latin typeface="Monaco"/>
-              </a:rPr>
-              <a:t> </a:t>
-            </a:r>
-            <a:r>
-              <a:rPr kumimoji="0" lang="sv-SE" altLang="sv-SE" sz="1000" b="0" i="0" u="none" strike="noStrike" cap="none" normalizeH="0" baseline="0" dirty="0">
-                <a:ln>
-                  <a:noFill/>
-                </a:ln>
-                <a:solidFill>
-                  <a:srgbClr val="586E75"/>
-                </a:solidFill>
-                <a:effectLst/>
-                <a:latin typeface="Monaco"/>
-              </a:rPr>
-              <a:t>}</a:t>
-            </a:r>
-            <a:r>
-              <a:rPr kumimoji="0" lang="sv-SE" altLang="sv-SE" sz="600" b="0" i="0" u="none" strike="noStrike" cap="none" normalizeH="0" baseline="0" dirty="0">
-                <a:ln>
-                  <a:noFill/>
-                </a:ln>
-                <a:solidFill>
-                  <a:schemeClr val="tx1"/>
-                </a:solidFill>
-                <a:effectLst/>
-              </a:rPr>
-              <a:t> </a:t>
-            </a:r>
-            <a:endParaRPr kumimoji="0" lang="sv-SE" altLang="sv-SE" sz="1800" b="0" i="0" u="none" strike="noStrike" cap="none" normalizeH="0" baseline="0" dirty="0">
-              <a:ln>
-                <a:noFill/>
-              </a:ln>
-              <a:solidFill>
-                <a:schemeClr val="tx1"/>
-              </a:solidFill>
-              <a:effectLst/>
-              <a:latin typeface="Arial" panose="020B0604020202020204" pitchFamily="34" charset="0"/>
-            </a:endParaRPr>
+              <a:t>PhotosLight.sln					The goal</a:t>
+            </a:r>
           </a:p>
         </p:txBody>
       </p:sp>
     </p:spTree>
     <p:extLst>
       <p:ext uri="{BB962C8B-B14F-4D97-AF65-F5344CB8AC3E}">
-        <p14:creationId xmlns:p14="http://schemas.microsoft.com/office/powerpoint/2010/main" val="1599372542"/>
+        <p14:creationId xmlns:p14="http://schemas.microsoft.com/office/powerpoint/2010/main" val="1420462328"/>
       </p:ext>
     </p:extLst>
   </p:cSld>
@@ -7154,677 +6063,83 @@
           <a:p>
             <a:r>
               <a:rPr lang="sv-SE" dirty="0"/>
-              <a:t>Declare template selector in xaml</a:t>
-            </a:r>
-          </a:p>
-        </p:txBody>
-      </p:sp>
-      <p:sp>
-        <p:nvSpPr>
-          <p:cNvPr id="4" name="Rectangle 1"/>
-          <p:cNvSpPr>
-            <a:spLocks noGrp="1" noChangeArrowheads="1"/>
+              <a:t>Display images and title</a:t>
+            </a:r>
+            <a:br>
+              <a:rPr lang="sv-SE" dirty="0"/>
+            </a:br>
+            <a:r>
+              <a:rPr lang="sv-SE" sz="3200" dirty="0">
+                <a:solidFill>
+                  <a:schemeClr val="bg1">
+                    <a:lumMod val="50000"/>
+                  </a:schemeClr>
+                </a:solidFill>
+              </a:rPr>
+              <a:t>Binding and DataTemplate</a:t>
+            </a:r>
+          </a:p>
+        </p:txBody>
+      </p:sp>
+      <p:sp>
+        <p:nvSpPr>
+          <p:cNvPr id="3" name="Content Placeholder 2"/>
+          <p:cNvSpPr>
+            <a:spLocks noGrp="1"/>
           </p:cNvSpPr>
           <p:nvPr>
             <p:ph idx="1"/>
           </p:nvPr>
         </p:nvSpPr>
-        <p:spPr bwMode="auto">
-          <a:xfrm>
-            <a:off x="838200" y="1888714"/>
-            <a:ext cx="3797514" cy="769441"/>
-          </a:xfrm>
-          <a:prstGeom prst="rect">
-            <a:avLst/>
-          </a:prstGeom>
-          <a:noFill/>
-          <a:ln>
-            <a:noFill/>
-          </a:ln>
-          <a:effectLst/>
-          <a:extLst>
-            <a:ext uri="{909E8E84-426E-40DD-AFC4-6F175D3DCCD1}">
-              <a14:hiddenFill xmlns:a14="http://schemas.microsoft.com/office/drawing/2010/main">
-                <a:solidFill>
-                  <a:schemeClr val="accent1"/>
-                </a:solidFill>
-              </a14:hiddenFill>
-            </a:ext>
-            <a:ext uri="{91240B29-F687-4F45-9708-019B960494DF}">
-              <a14:hiddenLine xmlns:a14="http://schemas.microsoft.com/office/drawing/2010/main" w="9525">
-                <a:solidFill>
-                  <a:schemeClr val="tx1"/>
-                </a:solidFill>
-                <a:miter lim="800000"/>
-                <a:headEnd/>
-                <a:tailEnd/>
-              </a14:hiddenLine>
-            </a:ext>
-            <a:ext uri="{AF507438-7753-43E0-B8FC-AC1667EBCBE1}">
-              <a14:hiddenEffects xmlns:a14="http://schemas.microsoft.com/office/drawing/2010/main">
-                <a:effectLst>
-                  <a:outerShdw dist="35921" dir="2700000" algn="ctr" rotWithShape="0">
-                    <a:schemeClr val="bg2"/>
-                  </a:outerShdw>
-                </a:effectLst>
-              </a14:hiddenEffects>
-            </a:ext>
-          </a:extLst>
-        </p:spPr>
-        <p:txBody>
-          <a:bodyPr vert="horz" wrap="none" lIns="0" tIns="0" rIns="0" bIns="0" numCol="1" anchor="ctr" anchorCtr="0" compatLnSpc="1">
-            <a:prstTxWarp prst="textNoShape">
-              <a:avLst/>
-            </a:prstTxWarp>
-            <a:spAutoFit/>
-          </a:bodyPr>
+        <p:spPr/>
+        <p:txBody>
+          <a:bodyPr/>
           <a:lstStyle/>
           <a:p>
-            <a:pPr marL="0" marR="0" lvl="0" indent="0" algn="l" defTabSz="914400" rtl="0" eaLnBrk="0" fontAlgn="base" latinLnBrk="0" hangingPunct="0">
-              <a:lnSpc>
-                <a:spcPct val="100000"/>
-              </a:lnSpc>
-              <a:spcBef>
-                <a:spcPct val="0"/>
-              </a:spcBef>
-              <a:spcAft>
-                <a:spcPct val="0"/>
-              </a:spcAft>
-              <a:buClrTx/>
-              <a:buSzTx/>
-              <a:buFontTx/>
-              <a:buNone/>
-              <a:tabLst/>
-            </a:pPr>
-            <a:r>
-              <a:rPr kumimoji="0" lang="sv-SE" altLang="sv-SE" sz="1000" b="0" i="0" u="none" strike="noStrike" cap="none" normalizeH="0" baseline="0" dirty="0">
-                <a:ln>
-                  <a:noFill/>
-                </a:ln>
-                <a:solidFill>
-                  <a:srgbClr val="22B3EB"/>
-                </a:solidFill>
-                <a:effectLst/>
-                <a:latin typeface="Monaco"/>
-              </a:rPr>
-              <a:t>&lt;Page.Resources&gt;</a:t>
-            </a:r>
-          </a:p>
-          <a:p>
-            <a:pPr marL="0" lvl="0" indent="0" eaLnBrk="0" fontAlgn="base" hangingPunct="0">
-              <a:lnSpc>
-                <a:spcPct val="100000"/>
-              </a:lnSpc>
-              <a:spcBef>
-                <a:spcPct val="0"/>
-              </a:spcBef>
-              <a:spcAft>
-                <a:spcPct val="0"/>
-              </a:spcAft>
-              <a:buNone/>
-            </a:pPr>
-            <a:r>
-              <a:rPr lang="sv-SE" altLang="sv-SE" sz="1000" dirty="0">
-                <a:solidFill>
-                  <a:srgbClr val="22B3EB"/>
-                </a:solidFill>
-                <a:latin typeface="Monaco"/>
-              </a:rPr>
-              <a:t>    </a:t>
-            </a:r>
-            <a:r>
-              <a:rPr kumimoji="0" lang="sv-SE" altLang="sv-SE" sz="1000" b="0" i="0" u="none" strike="noStrike" cap="none" normalizeH="0" baseline="0" dirty="0">
-                <a:ln>
-                  <a:noFill/>
-                </a:ln>
-                <a:solidFill>
-                  <a:srgbClr val="494E52"/>
-                </a:solidFill>
-                <a:effectLst/>
-                <a:latin typeface="Monaco"/>
-              </a:rPr>
-              <a:t> </a:t>
-            </a:r>
-            <a:r>
-              <a:rPr kumimoji="0" lang="sv-SE" altLang="sv-SE" sz="1000" b="0" i="0" u="none" strike="noStrike" cap="none" normalizeH="0" baseline="0" dirty="0">
-                <a:ln>
-                  <a:noFill/>
-                </a:ln>
-                <a:solidFill>
-                  <a:srgbClr val="22B3EB"/>
-                </a:solidFill>
-                <a:effectLst/>
-                <a:latin typeface="Monaco"/>
-              </a:rPr>
-              <a:t>&lt;</a:t>
-            </a:r>
-            <a:r>
-              <a:rPr kumimoji="0" lang="sv-SE" altLang="sv-SE" sz="1000" b="0" i="0" u="none" strike="noStrike" cap="none" normalizeH="0" baseline="0" dirty="0">
-                <a:ln>
-                  <a:noFill/>
-                </a:ln>
-                <a:solidFill>
-                  <a:srgbClr val="22B3EB"/>
-                </a:solidFill>
-                <a:effectLst/>
-                <a:latin typeface="Monaco"/>
-              </a:rPr>
-              <a:t> ViewerTemplateSelector</a:t>
-            </a:r>
-            <a:r>
-              <a:rPr kumimoji="0" lang="sv-SE" altLang="sv-SE" sz="1000" b="0" i="0" u="none" strike="noStrike" cap="none" normalizeH="0" baseline="0" dirty="0">
-                <a:ln>
-                  <a:noFill/>
-                </a:ln>
-                <a:solidFill>
-                  <a:srgbClr val="494E52"/>
-                </a:solidFill>
-                <a:effectLst/>
-                <a:latin typeface="Monaco"/>
-              </a:rPr>
-              <a:t> </a:t>
-            </a:r>
-            <a:r>
-              <a:rPr kumimoji="0" lang="sv-SE" altLang="sv-SE" sz="1000" b="0" i="0" u="none" strike="noStrike" cap="none" normalizeH="0" baseline="0" dirty="0">
-                <a:ln>
-                  <a:noFill/>
-                </a:ln>
-                <a:solidFill>
-                  <a:srgbClr val="586E75"/>
-                </a:solidFill>
-                <a:effectLst/>
-                <a:latin typeface="Monaco"/>
-              </a:rPr>
-              <a:t>x:Name=</a:t>
-            </a:r>
-            <a:r>
-              <a:rPr kumimoji="0" lang="sv-SE" altLang="sv-SE" sz="1000" b="0" i="0" u="none" strike="noStrike" cap="none" normalizeH="0" baseline="0" dirty="0">
-                <a:ln>
-                  <a:noFill/>
-                </a:ln>
-                <a:solidFill>
-                  <a:srgbClr val="2AA198"/>
-                </a:solidFill>
-                <a:effectLst/>
-                <a:latin typeface="Monaco"/>
-              </a:rPr>
-              <a:t>”ViewerTemplateSelector"</a:t>
-            </a:r>
-            <a:r>
-              <a:rPr kumimoji="0" lang="sv-SE" altLang="sv-SE" sz="1000" b="0" i="0" u="none" strike="noStrike" cap="none" normalizeH="0" baseline="0" dirty="0">
-                <a:ln>
-                  <a:noFill/>
-                </a:ln>
-                <a:solidFill>
-                  <a:srgbClr val="494E52"/>
-                </a:solidFill>
-                <a:effectLst/>
-                <a:latin typeface="Monaco"/>
-              </a:rPr>
-              <a:t> </a:t>
-            </a:r>
-          </a:p>
-          <a:p>
-            <a:pPr marL="0" marR="0" lvl="0" indent="0" algn="l" defTabSz="914400" rtl="0" eaLnBrk="0" fontAlgn="base" latinLnBrk="0" hangingPunct="0">
-              <a:lnSpc>
-                <a:spcPct val="100000"/>
-              </a:lnSpc>
-              <a:spcBef>
-                <a:spcPct val="0"/>
-              </a:spcBef>
-              <a:spcAft>
-                <a:spcPct val="0"/>
-              </a:spcAft>
-              <a:buClrTx/>
-              <a:buSzTx/>
-              <a:buFontTx/>
-              <a:buNone/>
-              <a:tabLst/>
-            </a:pPr>
-            <a:r>
-              <a:rPr lang="sv-SE" altLang="sv-SE" sz="1000" dirty="0">
-                <a:solidFill>
-                  <a:srgbClr val="494E52"/>
-                </a:solidFill>
-                <a:latin typeface="Monaco"/>
-              </a:rPr>
-              <a:t>     </a:t>
-            </a:r>
-            <a:r>
-              <a:rPr kumimoji="0" lang="sv-SE" altLang="sv-SE" sz="1000" b="0" i="0" u="none" strike="noStrike" cap="none" normalizeH="0" baseline="0" dirty="0">
-                <a:ln>
-                  <a:noFill/>
-                </a:ln>
-                <a:solidFill>
-                  <a:srgbClr val="586E75"/>
-                </a:solidFill>
-                <a:effectLst/>
-                <a:latin typeface="Monaco"/>
-              </a:rPr>
-              <a:t>ImageTemplate=</a:t>
-            </a:r>
-            <a:r>
-              <a:rPr kumimoji="0" lang="sv-SE" altLang="sv-SE" sz="1000" b="0" i="0" u="none" strike="noStrike" cap="none" normalizeH="0" baseline="0" dirty="0">
-                <a:ln>
-                  <a:noFill/>
-                </a:ln>
-                <a:solidFill>
-                  <a:srgbClr val="2AA198"/>
-                </a:solidFill>
-                <a:effectLst/>
-                <a:latin typeface="Monaco"/>
-              </a:rPr>
-              <a:t>"{StaticResource ImageViewerDataTemplate}"</a:t>
-            </a:r>
-            <a:r>
-              <a:rPr kumimoji="0" lang="sv-SE" altLang="sv-SE" sz="1000" b="0" i="0" u="none" strike="noStrike" cap="none" normalizeH="0" baseline="0" dirty="0">
-                <a:ln>
-                  <a:noFill/>
-                </a:ln>
-                <a:solidFill>
-                  <a:srgbClr val="494E52"/>
-                </a:solidFill>
-                <a:effectLst/>
-                <a:latin typeface="Monaco"/>
-              </a:rPr>
-              <a:t> </a:t>
-            </a:r>
-          </a:p>
-          <a:p>
-            <a:pPr marL="0" marR="0" lvl="0" indent="0" algn="l" defTabSz="914400" rtl="0" eaLnBrk="0" fontAlgn="base" latinLnBrk="0" hangingPunct="0">
-              <a:lnSpc>
-                <a:spcPct val="100000"/>
-              </a:lnSpc>
-              <a:spcBef>
-                <a:spcPct val="0"/>
-              </a:spcBef>
-              <a:spcAft>
-                <a:spcPct val="0"/>
-              </a:spcAft>
-              <a:buClrTx/>
-              <a:buSzTx/>
-              <a:buFontTx/>
-              <a:buNone/>
-              <a:tabLst/>
-            </a:pPr>
-            <a:r>
-              <a:rPr lang="sv-SE" altLang="sv-SE" sz="1000" dirty="0">
-                <a:solidFill>
-                  <a:srgbClr val="494E52"/>
-                </a:solidFill>
-                <a:latin typeface="Monaco"/>
-              </a:rPr>
-              <a:t>     </a:t>
-            </a:r>
-            <a:r>
-              <a:rPr kumimoji="0" lang="sv-SE" altLang="sv-SE" sz="1000" b="0" i="0" u="none" strike="noStrike" cap="none" normalizeH="0" baseline="0" dirty="0">
-                <a:ln>
-                  <a:noFill/>
-                </a:ln>
-                <a:solidFill>
-                  <a:srgbClr val="586E75"/>
-                </a:solidFill>
-                <a:effectLst/>
-                <a:latin typeface="Monaco"/>
-              </a:rPr>
-              <a:t>VideoTemplate=</a:t>
-            </a:r>
-            <a:r>
-              <a:rPr kumimoji="0" lang="sv-SE" altLang="sv-SE" sz="1000" b="0" i="0" u="none" strike="noStrike" cap="none" normalizeH="0" baseline="0" dirty="0">
-                <a:ln>
-                  <a:noFill/>
-                </a:ln>
-                <a:solidFill>
-                  <a:srgbClr val="2AA198"/>
-                </a:solidFill>
-                <a:effectLst/>
-                <a:latin typeface="Monaco"/>
-              </a:rPr>
-              <a:t>"{StaticResource VideoDataTemplate}"</a:t>
-            </a:r>
-            <a:r>
-              <a:rPr kumimoji="0" lang="sv-SE" altLang="sv-SE" sz="1000" b="0" i="0" u="none" strike="noStrike" cap="none" normalizeH="0" baseline="0" dirty="0">
-                <a:ln>
-                  <a:noFill/>
-                </a:ln>
-                <a:solidFill>
-                  <a:srgbClr val="494E52"/>
-                </a:solidFill>
-                <a:effectLst/>
-                <a:latin typeface="Monaco"/>
-              </a:rPr>
-              <a:t> </a:t>
-            </a:r>
-            <a:r>
-              <a:rPr kumimoji="0" lang="sv-SE" altLang="sv-SE" sz="1000" b="0" i="0" u="none" strike="noStrike" cap="none" normalizeH="0" baseline="0" dirty="0">
-                <a:ln>
-                  <a:noFill/>
-                </a:ln>
-                <a:solidFill>
-                  <a:srgbClr val="22B3EB"/>
-                </a:solidFill>
-                <a:effectLst/>
-                <a:latin typeface="Monaco"/>
-              </a:rPr>
-              <a:t>/&gt;</a:t>
-            </a:r>
-            <a:r>
-              <a:rPr kumimoji="0" lang="sv-SE" altLang="sv-SE" sz="1000" b="0" i="0" u="none" strike="noStrike" cap="none" normalizeH="0" baseline="0" dirty="0">
-                <a:ln>
-                  <a:noFill/>
-                </a:ln>
-                <a:solidFill>
-                  <a:srgbClr val="494E52"/>
-                </a:solidFill>
-                <a:effectLst/>
-                <a:latin typeface="Monaco"/>
-              </a:rPr>
-              <a:t> </a:t>
-            </a:r>
-          </a:p>
-          <a:p>
-            <a:pPr marL="0" marR="0" lvl="0" indent="0" algn="l" defTabSz="914400" rtl="0" eaLnBrk="0" fontAlgn="base" latinLnBrk="0" hangingPunct="0">
-              <a:lnSpc>
-                <a:spcPct val="100000"/>
-              </a:lnSpc>
-              <a:spcBef>
-                <a:spcPct val="0"/>
-              </a:spcBef>
-              <a:spcAft>
-                <a:spcPct val="0"/>
-              </a:spcAft>
-              <a:buClrTx/>
-              <a:buSzTx/>
-              <a:buFontTx/>
-              <a:buNone/>
-              <a:tabLst/>
-            </a:pPr>
-            <a:r>
-              <a:rPr lang="sv-SE" altLang="sv-SE" sz="1000" dirty="0">
-                <a:solidFill>
-                  <a:srgbClr val="494E52"/>
-                </a:solidFill>
-                <a:latin typeface="Monaco"/>
-              </a:rPr>
-              <a:t>  </a:t>
-            </a:r>
-            <a:r>
-              <a:rPr kumimoji="0" lang="sv-SE" altLang="sv-SE" sz="1000" b="0" i="0" u="none" strike="noStrike" cap="none" normalizeH="0" baseline="0" dirty="0">
-                <a:ln>
-                  <a:noFill/>
-                </a:ln>
-                <a:solidFill>
-                  <a:srgbClr val="22B3EB"/>
-                </a:solidFill>
-                <a:effectLst/>
-                <a:latin typeface="Monaco"/>
-              </a:rPr>
-              <a:t>&lt;/Page.Resources&gt;</a:t>
-            </a:r>
-            <a:r>
-              <a:rPr kumimoji="0" lang="sv-SE" altLang="sv-SE" sz="600" b="0" i="0" u="none" strike="noStrike" cap="none" normalizeH="0" baseline="0" dirty="0">
-                <a:ln>
-                  <a:noFill/>
-                </a:ln>
-                <a:solidFill>
-                  <a:schemeClr val="tx1"/>
-                </a:solidFill>
-                <a:effectLst/>
-              </a:rPr>
-              <a:t> </a:t>
-            </a:r>
-            <a:endParaRPr kumimoji="0" lang="sv-SE" altLang="sv-SE" sz="1800" b="0" i="0" u="none" strike="noStrike" cap="none" normalizeH="0" baseline="0" dirty="0">
-              <a:ln>
-                <a:noFill/>
-              </a:ln>
-              <a:solidFill>
-                <a:schemeClr val="tx1"/>
-              </a:solidFill>
-              <a:effectLst/>
-              <a:latin typeface="Arial" panose="020B0604020202020204" pitchFamily="34" charset="0"/>
-            </a:endParaRPr>
-          </a:p>
-        </p:txBody>
-      </p:sp>
-      <p:sp>
-        <p:nvSpPr>
-          <p:cNvPr id="5" name="Rectangle 2"/>
-          <p:cNvSpPr>
-            <a:spLocks noChangeArrowheads="1"/>
-          </p:cNvSpPr>
-          <p:nvPr/>
-        </p:nvSpPr>
-        <p:spPr bwMode="auto">
-          <a:xfrm>
-            <a:off x="838200" y="3142898"/>
-            <a:ext cx="7264809" cy="153888"/>
-          </a:xfrm>
-          <a:prstGeom prst="rect">
-            <a:avLst/>
-          </a:prstGeom>
-          <a:noFill/>
-          <a:ln>
-            <a:noFill/>
-          </a:ln>
-          <a:effectLst/>
-          <a:extLst>
-            <a:ext uri="{909E8E84-426E-40DD-AFC4-6F175D3DCCD1}">
-              <a14:hiddenFill xmlns:a14="http://schemas.microsoft.com/office/drawing/2010/main">
-                <a:solidFill>
-                  <a:schemeClr val="accent1"/>
-                </a:solidFill>
-              </a14:hiddenFill>
-            </a:ext>
-            <a:ext uri="{91240B29-F687-4F45-9708-019B960494DF}">
-              <a14:hiddenLine xmlns:a14="http://schemas.microsoft.com/office/drawing/2010/main" w="9525">
-                <a:solidFill>
-                  <a:schemeClr val="tx1"/>
-                </a:solidFill>
-                <a:miter lim="800000"/>
-                <a:headEnd/>
-                <a:tailEnd/>
-              </a14:hiddenLine>
-            </a:ext>
-            <a:ext uri="{AF507438-7753-43E0-B8FC-AC1667EBCBE1}">
-              <a14:hiddenEffects xmlns:a14="http://schemas.microsoft.com/office/drawing/2010/main">
-                <a:effectLst>
-                  <a:outerShdw dist="35921" dir="2700000" algn="ctr" rotWithShape="0">
-                    <a:schemeClr val="bg2"/>
-                  </a:outerShdw>
-                </a:effectLst>
-              </a14:hiddenEffects>
-            </a:ext>
-          </a:extLst>
-        </p:spPr>
-        <p:txBody>
-          <a:bodyPr vert="horz" wrap="none" lIns="0" tIns="0" rIns="0" bIns="0" numCol="1" anchor="ctr" anchorCtr="0" compatLnSpc="1">
-            <a:prstTxWarp prst="textNoShape">
-              <a:avLst/>
-            </a:prstTxWarp>
-            <a:spAutoFit/>
-          </a:bodyPr>
-          <a:lstStyle/>
-          <a:p>
-            <a:pPr lvl="0" eaLnBrk="0" fontAlgn="base" hangingPunct="0">
-              <a:spcBef>
-                <a:spcPct val="0"/>
-              </a:spcBef>
-              <a:spcAft>
-                <a:spcPct val="0"/>
-              </a:spcAft>
-            </a:pPr>
-            <a:r>
-              <a:rPr kumimoji="0" lang="sv-SE" altLang="sv-SE" sz="1000" b="0" i="0" u="none" strike="noStrike" cap="none" normalizeH="0" baseline="0" dirty="0">
-                <a:ln>
-                  <a:noFill/>
-                </a:ln>
-                <a:solidFill>
-                  <a:srgbClr val="22B3EB"/>
-                </a:solidFill>
-                <a:effectLst/>
-                <a:latin typeface="Monaco"/>
-              </a:rPr>
-              <a:t>&lt;FlipView</a:t>
-            </a:r>
-            <a:r>
-              <a:rPr kumimoji="0" lang="sv-SE" altLang="sv-SE" sz="1000" b="0" i="0" u="none" strike="noStrike" cap="none" normalizeH="0" baseline="0" dirty="0">
-                <a:ln>
-                  <a:noFill/>
-                </a:ln>
-                <a:solidFill>
-                  <a:srgbClr val="494E52"/>
-                </a:solidFill>
-                <a:effectLst/>
-                <a:latin typeface="Monaco"/>
-              </a:rPr>
-              <a:t> </a:t>
-            </a:r>
-            <a:r>
-              <a:rPr kumimoji="0" lang="sv-SE" altLang="sv-SE" sz="1000" b="0" i="0" u="none" strike="noStrike" cap="none" normalizeH="0" baseline="0" dirty="0">
-                <a:ln>
-                  <a:noFill/>
-                </a:ln>
-                <a:solidFill>
-                  <a:srgbClr val="586E75"/>
-                </a:solidFill>
-                <a:effectLst/>
-                <a:latin typeface="Monaco"/>
-              </a:rPr>
-              <a:t>ItemsSource=</a:t>
-            </a:r>
-            <a:r>
-              <a:rPr kumimoji="0" lang="sv-SE" altLang="sv-SE" sz="1000" b="0" i="0" u="none" strike="noStrike" cap="none" normalizeH="0" baseline="0" dirty="0">
-                <a:ln>
-                  <a:noFill/>
-                </a:ln>
-                <a:solidFill>
-                  <a:srgbClr val="2AA198"/>
-                </a:solidFill>
-                <a:effectLst/>
-                <a:latin typeface="Monaco"/>
-              </a:rPr>
-              <a:t>"{x:Bind ViewModel.Thumbnails}"</a:t>
-            </a:r>
-            <a:r>
-              <a:rPr kumimoji="0" lang="sv-SE" altLang="sv-SE" sz="1000" b="0" i="0" u="none" strike="noStrike" cap="none" normalizeH="0" baseline="0" dirty="0">
-                <a:ln>
-                  <a:noFill/>
-                </a:ln>
-                <a:solidFill>
-                  <a:srgbClr val="494E52"/>
-                </a:solidFill>
-                <a:effectLst/>
-                <a:latin typeface="Monaco"/>
-              </a:rPr>
-              <a:t> </a:t>
-            </a:r>
-            <a:r>
-              <a:rPr kumimoji="0" lang="sv-SE" altLang="sv-SE" sz="1000" b="0" i="0" u="none" strike="noStrike" cap="none" normalizeH="0" baseline="0" dirty="0">
-                <a:ln>
-                  <a:noFill/>
-                </a:ln>
-                <a:solidFill>
-                  <a:srgbClr val="586E75"/>
-                </a:solidFill>
-                <a:effectLst/>
-                <a:latin typeface="Monaco"/>
-              </a:rPr>
-              <a:t>ItemTemplateSelector=</a:t>
-            </a:r>
-            <a:r>
-              <a:rPr kumimoji="0" lang="sv-SE" altLang="sv-SE" sz="1000" b="0" i="0" u="none" strike="noStrike" cap="none" normalizeH="0" baseline="0" dirty="0">
-                <a:ln>
-                  <a:noFill/>
-                </a:ln>
-                <a:solidFill>
-                  <a:srgbClr val="2AA198"/>
-                </a:solidFill>
-                <a:effectLst/>
-                <a:latin typeface="Monaco"/>
-              </a:rPr>
-              <a:t>"{StaticResource </a:t>
-            </a:r>
-            <a:r>
-              <a:rPr kumimoji="0" lang="sv-SE" altLang="sv-SE" sz="1000" b="0" i="0" u="none" strike="noStrike" cap="none" normalizeH="0" baseline="0" dirty="0">
-                <a:ln>
-                  <a:noFill/>
-                </a:ln>
-                <a:solidFill>
-                  <a:srgbClr val="2AA198"/>
-                </a:solidFill>
-                <a:effectLst/>
-                <a:latin typeface="Monaco"/>
-              </a:rPr>
-              <a:t>ViewerTemplateSelector</a:t>
-            </a:r>
-            <a:r>
-              <a:rPr kumimoji="0" lang="sv-SE" altLang="sv-SE" sz="1000" b="0" i="0" u="none" strike="noStrike" cap="none" normalizeH="0" baseline="0" dirty="0">
-                <a:ln>
-                  <a:noFill/>
-                </a:ln>
-                <a:solidFill>
-                  <a:srgbClr val="2AA198"/>
-                </a:solidFill>
-                <a:effectLst/>
-                <a:latin typeface="Monaco"/>
-              </a:rPr>
-              <a:t>}"</a:t>
-            </a:r>
-            <a:r>
-              <a:rPr kumimoji="0" lang="sv-SE" altLang="sv-SE" sz="1000" b="0" i="0" u="none" strike="noStrike" cap="none" normalizeH="0" baseline="0" dirty="0">
-                <a:ln>
-                  <a:noFill/>
-                </a:ln>
-                <a:solidFill>
-                  <a:srgbClr val="494E52"/>
-                </a:solidFill>
-                <a:effectLst/>
-                <a:latin typeface="Monaco"/>
-              </a:rPr>
-              <a:t> </a:t>
-            </a:r>
-            <a:r>
-              <a:rPr kumimoji="0" lang="sv-SE" altLang="sv-SE" sz="1000" b="0" i="0" u="none" strike="noStrike" cap="none" normalizeH="0" baseline="0" dirty="0">
-                <a:ln>
-                  <a:noFill/>
-                </a:ln>
-                <a:solidFill>
-                  <a:srgbClr val="22B3EB"/>
-                </a:solidFill>
-                <a:effectLst/>
-                <a:latin typeface="Monaco"/>
-              </a:rPr>
-              <a:t>/&gt;</a:t>
-            </a:r>
-            <a:r>
-              <a:rPr kumimoji="0" lang="sv-SE" altLang="sv-SE" sz="600" b="0" i="0" u="none" strike="noStrike" cap="none" normalizeH="0" baseline="0" dirty="0">
-                <a:ln>
-                  <a:noFill/>
-                </a:ln>
-                <a:solidFill>
-                  <a:schemeClr val="tx1"/>
-                </a:solidFill>
-                <a:effectLst/>
-              </a:rPr>
-              <a:t> </a:t>
-            </a:r>
-            <a:endParaRPr kumimoji="0" lang="sv-SE" altLang="sv-SE" sz="1800" b="0" i="0" u="none" strike="noStrike" cap="none" normalizeH="0" baseline="0" dirty="0">
-              <a:ln>
-                <a:noFill/>
-              </a:ln>
-              <a:solidFill>
-                <a:schemeClr val="tx1"/>
-              </a:solidFill>
-              <a:effectLst/>
-              <a:latin typeface="Arial" panose="020B0604020202020204" pitchFamily="34" charset="0"/>
-            </a:endParaRPr>
+            <a:r>
+              <a:rPr lang="sv-SE" dirty="0"/>
+              <a:t>Add a FlipView to MainView</a:t>
+            </a:r>
+          </a:p>
+          <a:p>
+            <a:r>
+              <a:rPr lang="sv-SE" dirty="0"/>
+              <a:t>Create a binding between FlipView ItemSource and Thumbnails property</a:t>
+            </a:r>
+          </a:p>
+          <a:p>
+            <a:r>
+              <a:rPr lang="sv-SE" dirty="0"/>
+              <a:t>Create a DataTemplate to display an ImageViewerItem</a:t>
+            </a:r>
+          </a:p>
+          <a:p>
+            <a:r>
+              <a:rPr lang="sv-SE" dirty="0"/>
+              <a:t>Create a viewmodel property SelectedItem and bind it to the FlipView</a:t>
+            </a:r>
+          </a:p>
+          <a:p>
+            <a:r>
+              <a:rPr lang="sv-SE" dirty="0"/>
+              <a:t>Add CommandBar and add a TextBlock to commandBar content. </a:t>
+            </a:r>
+          </a:p>
+          <a:p>
+            <a:r>
+              <a:rPr lang="sv-SE" dirty="0"/>
+              <a:t>Add a binding to SelectedItem Title property</a:t>
+            </a:r>
+          </a:p>
+          <a:p>
+            <a:endParaRPr lang="sv-SE" dirty="0"/>
           </a:p>
         </p:txBody>
       </p:sp>
     </p:spTree>
     <p:extLst>
       <p:ext uri="{BB962C8B-B14F-4D97-AF65-F5344CB8AC3E}">
-        <p14:creationId xmlns:p14="http://schemas.microsoft.com/office/powerpoint/2010/main" val="2413411929"/>
+        <p14:creationId xmlns:p14="http://schemas.microsoft.com/office/powerpoint/2010/main" val="408807533"/>
       </p:ext>
     </p:extLst>
   </p:cSld>
@@ -7868,8 +6183,22 @@
           <a:p>
             <a:r>
               <a:rPr lang="sv-SE" dirty="0"/>
-              <a:t>Add a Filmstrip to bottom of page</a:t>
-            </a:r>
+              <a:t>Display video content</a:t>
+            </a:r>
+            <a:br>
+              <a:rPr lang="sv-SE" dirty="0"/>
+            </a:br>
+            <a:r>
+              <a:rPr lang="sv-SE" sz="3200" dirty="0">
+                <a:solidFill>
+                  <a:schemeClr val="bg1">
+                    <a:lumMod val="50000"/>
+                  </a:schemeClr>
+                </a:solidFill>
+              </a:rPr>
+              <a:t>DataTemplateSelector</a:t>
+            </a:r>
+            <a:endParaRPr lang="sv-SE" sz="3200" dirty="0"/>
           </a:p>
         </p:txBody>
       </p:sp>
@@ -7883,40 +6212,1688 @@
             <p:ph idx="1"/>
           </p:nvPr>
         </p:nvSpPr>
-        <p:spPr/>
+        <p:spPr>
+          <a:xfrm>
+            <a:off x="838200" y="1825624"/>
+            <a:ext cx="10515600" cy="25766745"/>
+          </a:xfrm>
+        </p:spPr>
         <p:txBody>
           <a:bodyPr/>
           <a:lstStyle/>
           <a:p>
             <a:r>
               <a:rPr lang="sv-SE" dirty="0"/>
-              <a:t>Add a ListView to bottom of page</a:t>
+              <a:t>Create a DataTemplate to display a video</a:t>
             </a:r>
           </a:p>
           <a:p>
             <a:r>
               <a:rPr lang="sv-SE" dirty="0"/>
-              <a:t>Bind ItemSource to Thumbnail and bind SelectedItem</a:t>
+              <a:t>Create a ViewerDataTemplateSelector that inherit from DataTemplateSelector override SelectTemplateCore</a:t>
             </a:r>
           </a:p>
           <a:p>
             <a:r>
               <a:rPr lang="sv-SE" dirty="0"/>
-              <a:t>Create a dataTemplate to display a image</a:t>
+              <a:t>Add the ViewerDataTemplateSelector to the page</a:t>
             </a:r>
           </a:p>
           <a:p>
             <a:r>
               <a:rPr lang="sv-SE" dirty="0"/>
-              <a:t>Change ItemTemplate on ListView so content is displayed horizontal.</a:t>
-            </a:r>
+              <a:t>Set the ItemTemplateSelector of the FlipView </a:t>
+            </a:r>
+          </a:p>
+          <a:p>
+            <a:endParaRPr lang="sv-SE" dirty="0"/>
+          </a:p>
+          <a:p>
+            <a:endParaRPr lang="sv-SE" dirty="0"/>
+          </a:p>
+          <a:p>
+            <a:endParaRPr lang="sv-SE" dirty="0"/>
+          </a:p>
+        </p:txBody>
+      </p:sp>
+      <p:sp>
+        <p:nvSpPr>
+          <p:cNvPr id="6" name="Rectangle 3"/>
+          <p:cNvSpPr>
+            <a:spLocks noChangeArrowheads="1"/>
+          </p:cNvSpPr>
+          <p:nvPr/>
+        </p:nvSpPr>
+        <p:spPr bwMode="auto">
+          <a:xfrm>
+            <a:off x="838200" y="4240605"/>
+            <a:ext cx="6230873" cy="2139047"/>
+          </a:xfrm>
+          <a:prstGeom prst="rect">
+            <a:avLst/>
+          </a:prstGeom>
+          <a:noFill/>
+          <a:ln>
+            <a:noFill/>
+          </a:ln>
+          <a:effectLst/>
+          <a:extLst>
+            <a:ext uri="{909E8E84-426E-40DD-AFC4-6F175D3DCCD1}">
+              <a14:hiddenFill xmlns:a14="http://schemas.microsoft.com/office/drawing/2010/main">
+                <a:solidFill>
+                  <a:schemeClr val="accent1"/>
+                </a:solidFill>
+              </a14:hiddenFill>
+            </a:ext>
+            <a:ext uri="{91240B29-F687-4F45-9708-019B960494DF}">
+              <a14:hiddenLine xmlns:a14="http://schemas.microsoft.com/office/drawing/2010/main" w="9525">
+                <a:solidFill>
+                  <a:schemeClr val="tx1"/>
+                </a:solidFill>
+                <a:miter lim="800000"/>
+                <a:headEnd/>
+                <a:tailEnd/>
+              </a14:hiddenLine>
+            </a:ext>
+            <a:ext uri="{AF507438-7753-43E0-B8FC-AC1667EBCBE1}">
+              <a14:hiddenEffects xmlns:a14="http://schemas.microsoft.com/office/drawing/2010/main">
+                <a:effectLst>
+                  <a:outerShdw dist="35921" dir="2700000" algn="ctr" rotWithShape="0">
+                    <a:schemeClr val="bg2"/>
+                  </a:outerShdw>
+                </a:effectLst>
+              </a14:hiddenEffects>
+            </a:ext>
+          </a:extLst>
+        </p:spPr>
+        <p:txBody>
+          <a:bodyPr vert="horz" wrap="none" lIns="0" tIns="0" rIns="0" bIns="0" numCol="1" anchor="ctr" anchorCtr="0" compatLnSpc="1">
+            <a:prstTxWarp prst="textNoShape">
+              <a:avLst/>
+            </a:prstTxWarp>
+            <a:spAutoFit/>
+          </a:bodyPr>
+          <a:lstStyle/>
+          <a:p>
+            <a:pPr marL="0" marR="0" lvl="0" indent="0" algn="l" defTabSz="914400" rtl="0" eaLnBrk="0" fontAlgn="base" latinLnBrk="0" hangingPunct="0">
+              <a:lnSpc>
+                <a:spcPct val="100000"/>
+              </a:lnSpc>
+              <a:spcBef>
+                <a:spcPct val="0"/>
+              </a:spcBef>
+              <a:spcAft>
+                <a:spcPct val="0"/>
+              </a:spcAft>
+              <a:buClrTx/>
+              <a:buSzTx/>
+              <a:buFontTx/>
+              <a:buNone/>
+              <a:tabLst/>
+            </a:pPr>
+            <a:r>
+              <a:rPr kumimoji="0" lang="sv-SE" altLang="sv-SE" sz="1000" b="0" i="0" u="none" strike="noStrike" cap="none" normalizeH="0" baseline="0" dirty="0">
+                <a:ln>
+                  <a:noFill/>
+                </a:ln>
+                <a:solidFill>
+                  <a:srgbClr val="859900"/>
+                </a:solidFill>
+                <a:effectLst/>
+                <a:latin typeface="Monaco"/>
+              </a:rPr>
+              <a:t>public</a:t>
+            </a:r>
+            <a:r>
+              <a:rPr kumimoji="0" lang="sv-SE" altLang="sv-SE" sz="1000" b="0" i="0" u="none" strike="noStrike" cap="none" normalizeH="0" baseline="0" dirty="0">
+                <a:ln>
+                  <a:noFill/>
+                </a:ln>
+                <a:solidFill>
+                  <a:srgbClr val="494E52"/>
+                </a:solidFill>
+                <a:effectLst/>
+                <a:latin typeface="Monaco"/>
+              </a:rPr>
+              <a:t> </a:t>
+            </a:r>
+            <a:r>
+              <a:rPr kumimoji="0" lang="sv-SE" altLang="sv-SE" sz="1000" b="0" i="0" u="none" strike="noStrike" cap="none" normalizeH="0" baseline="0" dirty="0">
+                <a:ln>
+                  <a:noFill/>
+                </a:ln>
+                <a:solidFill>
+                  <a:srgbClr val="859900"/>
+                </a:solidFill>
+                <a:effectLst/>
+                <a:latin typeface="Monaco"/>
+              </a:rPr>
+              <a:t>class</a:t>
+            </a:r>
+            <a:r>
+              <a:rPr kumimoji="0" lang="sv-SE" altLang="sv-SE" sz="1000" b="0" i="0" u="none" strike="noStrike" cap="none" normalizeH="0" baseline="0" dirty="0">
+                <a:ln>
+                  <a:noFill/>
+                </a:ln>
+                <a:solidFill>
+                  <a:srgbClr val="494E52"/>
+                </a:solidFill>
+                <a:effectLst/>
+                <a:latin typeface="Monaco"/>
+              </a:rPr>
+              <a:t> </a:t>
+            </a:r>
+            <a:r>
+              <a:rPr kumimoji="0" lang="sv-SE" altLang="sv-SE" sz="1000" b="0" i="0" u="none" strike="noStrike" cap="none" normalizeH="0" baseline="0" dirty="0">
+                <a:ln>
+                  <a:noFill/>
+                </a:ln>
+                <a:solidFill>
+                  <a:srgbClr val="22B3EB"/>
+                </a:solidFill>
+                <a:effectLst/>
+                <a:latin typeface="Monaco"/>
+              </a:rPr>
+              <a:t>ViewerDataTemplateSelector</a:t>
+            </a:r>
+            <a:r>
+              <a:rPr kumimoji="0" lang="sv-SE" altLang="sv-SE" sz="1000" b="0" i="0" u="none" strike="noStrike" cap="none" normalizeH="0" baseline="0" dirty="0">
+                <a:ln>
+                  <a:noFill/>
+                </a:ln>
+                <a:solidFill>
+                  <a:srgbClr val="494E52"/>
+                </a:solidFill>
+                <a:effectLst/>
+                <a:latin typeface="Monaco"/>
+              </a:rPr>
+              <a:t> </a:t>
+            </a:r>
+            <a:r>
+              <a:rPr kumimoji="0" lang="sv-SE" altLang="sv-SE" sz="1000" b="0" i="0" u="none" strike="noStrike" cap="none" normalizeH="0" baseline="0" dirty="0">
+                <a:ln>
+                  <a:noFill/>
+                </a:ln>
+                <a:solidFill>
+                  <a:srgbClr val="586E75"/>
+                </a:solidFill>
+                <a:effectLst/>
+                <a:latin typeface="Monaco"/>
+              </a:rPr>
+              <a:t>:</a:t>
+            </a:r>
+            <a:r>
+              <a:rPr kumimoji="0" lang="sv-SE" altLang="sv-SE" sz="1000" b="0" i="0" u="none" strike="noStrike" cap="none" normalizeH="0" baseline="0" dirty="0">
+                <a:ln>
+                  <a:noFill/>
+                </a:ln>
+                <a:solidFill>
+                  <a:srgbClr val="494E52"/>
+                </a:solidFill>
+                <a:effectLst/>
+                <a:latin typeface="Monaco"/>
+              </a:rPr>
+              <a:t> </a:t>
+            </a:r>
+            <a:r>
+              <a:rPr kumimoji="0" lang="sv-SE" altLang="sv-SE" sz="1100" b="0" i="0" u="none" strike="noStrike" cap="none" normalizeH="0" baseline="0" dirty="0">
+                <a:ln>
+                  <a:noFill/>
+                </a:ln>
+                <a:solidFill>
+                  <a:srgbClr val="586E75"/>
+                </a:solidFill>
+                <a:effectLst/>
+                <a:latin typeface="Arial" panose="020B0604020202020204" pitchFamily="34" charset="0"/>
+              </a:rPr>
+              <a:t>DataTemplateSelector</a:t>
+            </a:r>
+            <a:br>
+              <a:rPr kumimoji="0" lang="sv-SE" altLang="sv-SE" sz="1800" b="0" i="0" u="none" strike="noStrike" cap="none" normalizeH="0" baseline="0" dirty="0">
+                <a:ln>
+                  <a:noFill/>
+                </a:ln>
+                <a:solidFill>
+                  <a:srgbClr val="586E75"/>
+                </a:solidFill>
+                <a:effectLst/>
+                <a:latin typeface="Arial" panose="020B0604020202020204" pitchFamily="34" charset="0"/>
+              </a:rPr>
+            </a:br>
+            <a:r>
+              <a:rPr kumimoji="0" lang="sv-SE" altLang="sv-SE" sz="1000" b="0" i="0" u="none" strike="noStrike" cap="none" normalizeH="0" baseline="0" dirty="0">
+                <a:ln>
+                  <a:noFill/>
+                </a:ln>
+                <a:solidFill>
+                  <a:srgbClr val="494E52"/>
+                </a:solidFill>
+                <a:effectLst/>
+                <a:latin typeface="Monaco"/>
+              </a:rPr>
+              <a:t> </a:t>
+            </a:r>
+            <a:r>
+              <a:rPr kumimoji="0" lang="sv-SE" altLang="sv-SE" sz="1000" b="0" i="0" u="none" strike="noStrike" cap="none" normalizeH="0" baseline="0" dirty="0">
+                <a:ln>
+                  <a:noFill/>
+                </a:ln>
+                <a:solidFill>
+                  <a:srgbClr val="586E75"/>
+                </a:solidFill>
+                <a:effectLst/>
+                <a:latin typeface="Monaco"/>
+              </a:rPr>
+              <a:t>{</a:t>
+            </a:r>
+            <a:r>
+              <a:rPr kumimoji="0" lang="sv-SE" altLang="sv-SE" sz="1000" b="0" i="0" u="none" strike="noStrike" cap="none" normalizeH="0" baseline="0" dirty="0">
+                <a:ln>
+                  <a:noFill/>
+                </a:ln>
+                <a:solidFill>
+                  <a:srgbClr val="494E52"/>
+                </a:solidFill>
+                <a:effectLst/>
+                <a:latin typeface="Monaco"/>
+              </a:rPr>
+              <a:t> </a:t>
+            </a:r>
+            <a:br>
+              <a:rPr kumimoji="0" lang="sv-SE" altLang="sv-SE" sz="1000" b="0" i="0" u="none" strike="noStrike" cap="none" normalizeH="0" baseline="0" dirty="0">
+                <a:ln>
+                  <a:noFill/>
+                </a:ln>
+                <a:solidFill>
+                  <a:srgbClr val="494E52"/>
+                </a:solidFill>
+                <a:effectLst/>
+                <a:latin typeface="Monaco"/>
+              </a:rPr>
+            </a:br>
+            <a:r>
+              <a:rPr kumimoji="0" lang="sv-SE" altLang="sv-SE" sz="1000" b="0" i="0" u="none" strike="noStrike" cap="none" normalizeH="0" dirty="0">
+                <a:ln>
+                  <a:noFill/>
+                </a:ln>
+                <a:solidFill>
+                  <a:srgbClr val="494E52"/>
+                </a:solidFill>
+                <a:effectLst/>
+                <a:latin typeface="Monaco"/>
+              </a:rPr>
+              <a:t>            </a:t>
+            </a:r>
+            <a:r>
+              <a:rPr kumimoji="0" lang="sv-SE" altLang="sv-SE" sz="1000" b="0" i="0" u="none" strike="noStrike" cap="none" normalizeH="0" baseline="0" dirty="0">
+                <a:ln>
+                  <a:noFill/>
+                </a:ln>
+                <a:solidFill>
+                  <a:srgbClr val="859900"/>
+                </a:solidFill>
+                <a:effectLst/>
+                <a:latin typeface="Monaco"/>
+              </a:rPr>
+              <a:t>public</a:t>
+            </a:r>
+            <a:r>
+              <a:rPr kumimoji="0" lang="sv-SE" altLang="sv-SE" sz="1000" b="0" i="0" u="none" strike="noStrike" cap="none" normalizeH="0" baseline="0" dirty="0">
+                <a:ln>
+                  <a:noFill/>
+                </a:ln>
+                <a:solidFill>
+                  <a:srgbClr val="494E52"/>
+                </a:solidFill>
+                <a:effectLst/>
+                <a:latin typeface="Monaco"/>
+              </a:rPr>
+              <a:t> </a:t>
+            </a:r>
+            <a:r>
+              <a:rPr kumimoji="0" lang="sv-SE" altLang="sv-SE" sz="1100" b="0" i="0" u="none" strike="noStrike" cap="none" normalizeH="0" baseline="0" dirty="0">
+                <a:ln>
+                  <a:noFill/>
+                </a:ln>
+                <a:solidFill>
+                  <a:srgbClr val="586E75"/>
+                </a:solidFill>
+                <a:effectLst/>
+                <a:latin typeface="Arial" panose="020B0604020202020204" pitchFamily="34" charset="0"/>
+              </a:rPr>
+              <a:t>DataTemplate</a:t>
+            </a:r>
+            <a:r>
+              <a:rPr kumimoji="0" lang="sv-SE" altLang="sv-SE" sz="1100" b="0" i="0" u="none" strike="noStrike" cap="none" normalizeH="0" baseline="0" dirty="0">
+                <a:ln>
+                  <a:noFill/>
+                </a:ln>
+                <a:solidFill>
+                  <a:srgbClr val="494E52"/>
+                </a:solidFill>
+                <a:effectLst/>
+                <a:latin typeface="Monaco"/>
+              </a:rPr>
+              <a:t> </a:t>
+            </a:r>
+            <a:r>
+              <a:rPr kumimoji="0" lang="sv-SE" altLang="sv-SE" sz="1100" b="0" i="0" u="none" strike="noStrike" cap="none" normalizeH="0" baseline="0" dirty="0">
+                <a:ln>
+                  <a:noFill/>
+                </a:ln>
+                <a:solidFill>
+                  <a:srgbClr val="586E75"/>
+                </a:solidFill>
+                <a:effectLst/>
+                <a:latin typeface="Arial" panose="020B0604020202020204" pitchFamily="34" charset="0"/>
+              </a:rPr>
+              <a:t>ImageTemplate</a:t>
+            </a:r>
+            <a:r>
+              <a:rPr kumimoji="0" lang="sv-SE" altLang="sv-SE" sz="1000" b="0" i="0" u="none" strike="noStrike" cap="none" normalizeH="0" baseline="0" dirty="0">
+                <a:ln>
+                  <a:noFill/>
+                </a:ln>
+                <a:solidFill>
+                  <a:srgbClr val="586E75"/>
+                </a:solidFill>
+                <a:effectLst/>
+                <a:latin typeface="Monaco"/>
+              </a:rPr>
+              <a:t>{</a:t>
+            </a:r>
+            <a:r>
+              <a:rPr kumimoji="0" lang="sv-SE" altLang="sv-SE" sz="1000" b="0" i="0" u="none" strike="noStrike" cap="none" normalizeH="0" baseline="0" dirty="0">
+                <a:ln>
+                  <a:noFill/>
+                </a:ln>
+                <a:solidFill>
+                  <a:srgbClr val="494E52"/>
+                </a:solidFill>
+                <a:effectLst/>
+                <a:latin typeface="Monaco"/>
+              </a:rPr>
+              <a:t> </a:t>
+            </a:r>
+            <a:r>
+              <a:rPr kumimoji="0" lang="sv-SE" altLang="sv-SE" sz="1000" b="0" i="0" u="none" strike="noStrike" cap="none" normalizeH="0" baseline="0" dirty="0">
+                <a:ln>
+                  <a:noFill/>
+                </a:ln>
+                <a:solidFill>
+                  <a:srgbClr val="859900"/>
+                </a:solidFill>
+                <a:effectLst/>
+                <a:latin typeface="Monaco"/>
+              </a:rPr>
+              <a:t>get</a:t>
+            </a:r>
+            <a:r>
+              <a:rPr kumimoji="0" lang="sv-SE" altLang="sv-SE" sz="1000" b="0" i="0" u="none" strike="noStrike" cap="none" normalizeH="0" baseline="0" dirty="0">
+                <a:ln>
+                  <a:noFill/>
+                </a:ln>
+                <a:solidFill>
+                  <a:srgbClr val="586E75"/>
+                </a:solidFill>
+                <a:effectLst/>
+                <a:latin typeface="Monaco"/>
+              </a:rPr>
+              <a:t>;</a:t>
+            </a:r>
+            <a:r>
+              <a:rPr kumimoji="0" lang="sv-SE" altLang="sv-SE" sz="1000" b="0" i="0" u="none" strike="noStrike" cap="none" normalizeH="0" baseline="0" dirty="0">
+                <a:ln>
+                  <a:noFill/>
+                </a:ln>
+                <a:solidFill>
+                  <a:srgbClr val="494E52"/>
+                </a:solidFill>
+                <a:effectLst/>
+                <a:latin typeface="Monaco"/>
+              </a:rPr>
+              <a:t> </a:t>
+            </a:r>
+            <a:r>
+              <a:rPr kumimoji="0" lang="sv-SE" altLang="sv-SE" sz="1000" b="0" i="0" u="none" strike="noStrike" cap="none" normalizeH="0" baseline="0" dirty="0">
+                <a:ln>
+                  <a:noFill/>
+                </a:ln>
+                <a:solidFill>
+                  <a:srgbClr val="859900"/>
+                </a:solidFill>
+                <a:effectLst/>
+                <a:latin typeface="Monaco"/>
+              </a:rPr>
+              <a:t>set</a:t>
+            </a:r>
+            <a:r>
+              <a:rPr kumimoji="0" lang="sv-SE" altLang="sv-SE" sz="1000" b="0" i="0" u="none" strike="noStrike" cap="none" normalizeH="0" baseline="0" dirty="0">
+                <a:ln>
+                  <a:noFill/>
+                </a:ln>
+                <a:solidFill>
+                  <a:srgbClr val="586E75"/>
+                </a:solidFill>
+                <a:effectLst/>
+                <a:latin typeface="Monaco"/>
+              </a:rPr>
+              <a:t>;</a:t>
+            </a:r>
+            <a:r>
+              <a:rPr kumimoji="0" lang="sv-SE" altLang="sv-SE" sz="1000" b="0" i="0" u="none" strike="noStrike" cap="none" normalizeH="0" baseline="0" dirty="0">
+                <a:ln>
+                  <a:noFill/>
+                </a:ln>
+                <a:solidFill>
+                  <a:srgbClr val="494E52"/>
+                </a:solidFill>
+                <a:effectLst/>
+                <a:latin typeface="Monaco"/>
+              </a:rPr>
+              <a:t> </a:t>
+            </a:r>
+            <a:r>
+              <a:rPr kumimoji="0" lang="sv-SE" altLang="sv-SE" sz="1000" b="0" i="0" u="none" strike="noStrike" cap="none" normalizeH="0" baseline="0" dirty="0">
+                <a:ln>
+                  <a:noFill/>
+                </a:ln>
+                <a:solidFill>
+                  <a:srgbClr val="586E75"/>
+                </a:solidFill>
+                <a:effectLst/>
+                <a:latin typeface="Monaco"/>
+              </a:rPr>
+              <a:t>}</a:t>
+            </a:r>
+            <a:br>
+              <a:rPr kumimoji="0" lang="sv-SE" altLang="sv-SE" sz="1000" b="0" i="0" u="none" strike="noStrike" cap="none" normalizeH="0" baseline="0" dirty="0">
+                <a:ln>
+                  <a:noFill/>
+                </a:ln>
+                <a:solidFill>
+                  <a:srgbClr val="586E75"/>
+                </a:solidFill>
+                <a:effectLst/>
+                <a:latin typeface="Monaco"/>
+              </a:rPr>
+            </a:br>
+            <a:r>
+              <a:rPr kumimoji="0" lang="sv-SE" altLang="sv-SE" sz="1000" b="0" i="0" u="none" strike="noStrike" cap="none" normalizeH="0" baseline="0" dirty="0">
+                <a:ln>
+                  <a:noFill/>
+                </a:ln>
+                <a:solidFill>
+                  <a:srgbClr val="586E75"/>
+                </a:solidFill>
+                <a:effectLst/>
+                <a:latin typeface="Monaco"/>
+              </a:rPr>
+              <a:t>            </a:t>
+            </a:r>
+            <a:r>
+              <a:rPr kumimoji="0" lang="sv-SE" altLang="sv-SE" sz="1000" b="0" i="0" u="none" strike="noStrike" cap="none" normalizeH="0" baseline="0" dirty="0">
+                <a:ln>
+                  <a:noFill/>
+                </a:ln>
+                <a:solidFill>
+                  <a:srgbClr val="859900"/>
+                </a:solidFill>
+                <a:effectLst/>
+                <a:latin typeface="Monaco"/>
+              </a:rPr>
+              <a:t>public</a:t>
+            </a:r>
+            <a:r>
+              <a:rPr kumimoji="0" lang="sv-SE" altLang="sv-SE" sz="1000" b="0" i="0" u="none" strike="noStrike" cap="none" normalizeH="0" baseline="0" dirty="0">
+                <a:ln>
+                  <a:noFill/>
+                </a:ln>
+                <a:solidFill>
+                  <a:srgbClr val="494E52"/>
+                </a:solidFill>
+                <a:effectLst/>
+                <a:latin typeface="Monaco"/>
+              </a:rPr>
+              <a:t> </a:t>
+            </a:r>
+            <a:r>
+              <a:rPr kumimoji="0" lang="sv-SE" altLang="sv-SE" sz="1100" b="0" i="0" u="none" strike="noStrike" cap="none" normalizeH="0" baseline="0" dirty="0">
+                <a:ln>
+                  <a:noFill/>
+                </a:ln>
+                <a:solidFill>
+                  <a:srgbClr val="586E75"/>
+                </a:solidFill>
+                <a:effectLst/>
+                <a:latin typeface="Arial" panose="020B0604020202020204" pitchFamily="34" charset="0"/>
+              </a:rPr>
+              <a:t>DataTemplate</a:t>
+            </a:r>
+            <a:r>
+              <a:rPr kumimoji="0" lang="sv-SE" altLang="sv-SE" sz="1100" b="0" i="0" u="none" strike="noStrike" cap="none" normalizeH="0" baseline="0" dirty="0">
+                <a:ln>
+                  <a:noFill/>
+                </a:ln>
+                <a:solidFill>
+                  <a:srgbClr val="494E52"/>
+                </a:solidFill>
+                <a:effectLst/>
+                <a:latin typeface="Monaco"/>
+              </a:rPr>
+              <a:t> </a:t>
+            </a:r>
+            <a:r>
+              <a:rPr kumimoji="0" lang="sv-SE" altLang="sv-SE" sz="1100" b="0" i="0" u="none" strike="noStrike" cap="none" normalizeH="0" baseline="0" dirty="0">
+                <a:ln>
+                  <a:noFill/>
+                </a:ln>
+                <a:solidFill>
+                  <a:srgbClr val="586E75"/>
+                </a:solidFill>
+                <a:effectLst/>
+                <a:latin typeface="Arial" panose="020B0604020202020204" pitchFamily="34" charset="0"/>
+              </a:rPr>
+              <a:t>VideoTemplate</a:t>
+            </a:r>
+            <a:r>
+              <a:rPr kumimoji="0" lang="sv-SE" altLang="sv-SE" sz="1100" b="0" i="0" u="none" strike="noStrike" cap="none" normalizeH="0" baseline="0" dirty="0">
+                <a:ln>
+                  <a:noFill/>
+                </a:ln>
+                <a:solidFill>
+                  <a:srgbClr val="494E52"/>
+                </a:solidFill>
+                <a:effectLst/>
+                <a:latin typeface="Monaco"/>
+              </a:rPr>
+              <a:t> </a:t>
+            </a:r>
+            <a:r>
+              <a:rPr kumimoji="0" lang="sv-SE" altLang="sv-SE" sz="1000" b="0" i="0" u="none" strike="noStrike" cap="none" normalizeH="0" baseline="0" dirty="0">
+                <a:ln>
+                  <a:noFill/>
+                </a:ln>
+                <a:solidFill>
+                  <a:srgbClr val="586E75"/>
+                </a:solidFill>
+                <a:effectLst/>
+                <a:latin typeface="Monaco"/>
+              </a:rPr>
+              <a:t>{</a:t>
+            </a:r>
+            <a:r>
+              <a:rPr kumimoji="0" lang="sv-SE" altLang="sv-SE" sz="1000" b="0" i="0" u="none" strike="noStrike" cap="none" normalizeH="0" baseline="0" dirty="0">
+                <a:ln>
+                  <a:noFill/>
+                </a:ln>
+                <a:solidFill>
+                  <a:srgbClr val="494E52"/>
+                </a:solidFill>
+                <a:effectLst/>
+                <a:latin typeface="Monaco"/>
+              </a:rPr>
+              <a:t> </a:t>
+            </a:r>
+            <a:r>
+              <a:rPr kumimoji="0" lang="sv-SE" altLang="sv-SE" sz="1000" b="0" i="0" u="none" strike="noStrike" cap="none" normalizeH="0" baseline="0" dirty="0">
+                <a:ln>
+                  <a:noFill/>
+                </a:ln>
+                <a:solidFill>
+                  <a:srgbClr val="859900"/>
+                </a:solidFill>
+                <a:effectLst/>
+                <a:latin typeface="Monaco"/>
+              </a:rPr>
+              <a:t>get</a:t>
+            </a:r>
+            <a:r>
+              <a:rPr kumimoji="0" lang="sv-SE" altLang="sv-SE" sz="1000" b="0" i="0" u="none" strike="noStrike" cap="none" normalizeH="0" baseline="0" dirty="0">
+                <a:ln>
+                  <a:noFill/>
+                </a:ln>
+                <a:solidFill>
+                  <a:srgbClr val="586E75"/>
+                </a:solidFill>
+                <a:effectLst/>
+                <a:latin typeface="Monaco"/>
+              </a:rPr>
+              <a:t>;</a:t>
+            </a:r>
+            <a:r>
+              <a:rPr kumimoji="0" lang="sv-SE" altLang="sv-SE" sz="1000" b="0" i="0" u="none" strike="noStrike" cap="none" normalizeH="0" baseline="0" dirty="0">
+                <a:ln>
+                  <a:noFill/>
+                </a:ln>
+                <a:solidFill>
+                  <a:srgbClr val="494E52"/>
+                </a:solidFill>
+                <a:effectLst/>
+                <a:latin typeface="Monaco"/>
+              </a:rPr>
+              <a:t> </a:t>
+            </a:r>
+            <a:r>
+              <a:rPr kumimoji="0" lang="sv-SE" altLang="sv-SE" sz="1000" b="0" i="0" u="none" strike="noStrike" cap="none" normalizeH="0" baseline="0" dirty="0">
+                <a:ln>
+                  <a:noFill/>
+                </a:ln>
+                <a:solidFill>
+                  <a:srgbClr val="859900"/>
+                </a:solidFill>
+                <a:effectLst/>
+                <a:latin typeface="Monaco"/>
+              </a:rPr>
+              <a:t>set</a:t>
+            </a:r>
+            <a:r>
+              <a:rPr kumimoji="0" lang="sv-SE" altLang="sv-SE" sz="1000" b="0" i="0" u="none" strike="noStrike" cap="none" normalizeH="0" baseline="0" dirty="0">
+                <a:ln>
+                  <a:noFill/>
+                </a:ln>
+                <a:solidFill>
+                  <a:srgbClr val="586E75"/>
+                </a:solidFill>
+                <a:effectLst/>
+                <a:latin typeface="Monaco"/>
+              </a:rPr>
+              <a:t>;</a:t>
+            </a:r>
+            <a:r>
+              <a:rPr kumimoji="0" lang="sv-SE" altLang="sv-SE" sz="1000" b="0" i="0" u="none" strike="noStrike" cap="none" normalizeH="0" baseline="0" dirty="0">
+                <a:ln>
+                  <a:noFill/>
+                </a:ln>
+                <a:solidFill>
+                  <a:srgbClr val="494E52"/>
+                </a:solidFill>
+                <a:effectLst/>
+                <a:latin typeface="Monaco"/>
+              </a:rPr>
+              <a:t> </a:t>
+            </a:r>
+            <a:r>
+              <a:rPr kumimoji="0" lang="sv-SE" altLang="sv-SE" sz="1000" b="0" i="0" u="none" strike="noStrike" cap="none" normalizeH="0" baseline="0" dirty="0">
+                <a:ln>
+                  <a:noFill/>
+                </a:ln>
+                <a:solidFill>
+                  <a:srgbClr val="586E75"/>
+                </a:solidFill>
+                <a:effectLst/>
+                <a:latin typeface="Monaco"/>
+              </a:rPr>
+              <a:t>}</a:t>
+            </a:r>
+            <a:r>
+              <a:rPr kumimoji="0" lang="sv-SE" altLang="sv-SE" sz="1000" b="0" i="0" u="none" strike="noStrike" cap="none" normalizeH="0" baseline="0" dirty="0">
+                <a:ln>
+                  <a:noFill/>
+                </a:ln>
+                <a:solidFill>
+                  <a:srgbClr val="494E52"/>
+                </a:solidFill>
+                <a:effectLst/>
+                <a:latin typeface="Monaco"/>
+              </a:rPr>
+              <a:t> </a:t>
+            </a:r>
+            <a:br>
+              <a:rPr kumimoji="0" lang="sv-SE" altLang="sv-SE" sz="1000" b="0" i="0" u="none" strike="noStrike" cap="none" normalizeH="0" baseline="0" dirty="0">
+                <a:ln>
+                  <a:noFill/>
+                </a:ln>
+                <a:solidFill>
+                  <a:srgbClr val="494E52"/>
+                </a:solidFill>
+                <a:effectLst/>
+                <a:latin typeface="Monaco"/>
+              </a:rPr>
+            </a:br>
+            <a:r>
+              <a:rPr kumimoji="0" lang="sv-SE" altLang="sv-SE" sz="1000" b="0" i="0" u="none" strike="noStrike" cap="none" normalizeH="0" dirty="0">
+                <a:ln>
+                  <a:noFill/>
+                </a:ln>
+                <a:solidFill>
+                  <a:srgbClr val="494E52"/>
+                </a:solidFill>
+                <a:effectLst/>
+                <a:latin typeface="Monaco"/>
+              </a:rPr>
+              <a:t>            </a:t>
+            </a:r>
+            <a:r>
+              <a:rPr kumimoji="0" lang="sv-SE" altLang="sv-SE" sz="1000" b="0" i="0" u="none" strike="noStrike" cap="none" normalizeH="0" baseline="0" dirty="0">
+                <a:ln>
+                  <a:noFill/>
+                </a:ln>
+                <a:solidFill>
+                  <a:srgbClr val="859900"/>
+                </a:solidFill>
+                <a:effectLst/>
+                <a:latin typeface="Monaco"/>
+              </a:rPr>
+              <a:t>protected</a:t>
+            </a:r>
+            <a:r>
+              <a:rPr kumimoji="0" lang="sv-SE" altLang="sv-SE" sz="1000" b="0" i="0" u="none" strike="noStrike" cap="none" normalizeH="0" baseline="0" dirty="0">
+                <a:ln>
+                  <a:noFill/>
+                </a:ln>
+                <a:solidFill>
+                  <a:srgbClr val="494E52"/>
+                </a:solidFill>
+                <a:effectLst/>
+                <a:latin typeface="Monaco"/>
+              </a:rPr>
+              <a:t> </a:t>
+            </a:r>
+            <a:r>
+              <a:rPr kumimoji="0" lang="sv-SE" altLang="sv-SE" sz="1000" b="0" i="0" u="none" strike="noStrike" cap="none" normalizeH="0" baseline="0" dirty="0">
+                <a:ln>
+                  <a:noFill/>
+                </a:ln>
+                <a:solidFill>
+                  <a:srgbClr val="859900"/>
+                </a:solidFill>
+                <a:effectLst/>
+                <a:latin typeface="Monaco"/>
+              </a:rPr>
+              <a:t>override</a:t>
+            </a:r>
+            <a:r>
+              <a:rPr kumimoji="0" lang="sv-SE" altLang="sv-SE" sz="1000" b="0" i="0" u="none" strike="noStrike" cap="none" normalizeH="0" baseline="0" dirty="0">
+                <a:ln>
+                  <a:noFill/>
+                </a:ln>
+                <a:solidFill>
+                  <a:srgbClr val="494E52"/>
+                </a:solidFill>
+                <a:effectLst/>
+                <a:latin typeface="Monaco"/>
+              </a:rPr>
+              <a:t> </a:t>
+            </a:r>
+            <a:r>
+              <a:rPr kumimoji="0" lang="sv-SE" altLang="sv-SE" sz="1100" b="0" i="0" u="none" strike="noStrike" cap="none" normalizeH="0" baseline="0" dirty="0">
+                <a:ln>
+                  <a:noFill/>
+                </a:ln>
+                <a:solidFill>
+                  <a:srgbClr val="586E75"/>
+                </a:solidFill>
+                <a:effectLst/>
+                <a:latin typeface="Arial" panose="020B0604020202020204" pitchFamily="34" charset="0"/>
+              </a:rPr>
+              <a:t>DataTemplate</a:t>
+            </a:r>
+            <a:r>
+              <a:rPr kumimoji="0" lang="sv-SE" altLang="sv-SE" sz="1000" b="0" i="0" u="none" strike="noStrike" cap="none" normalizeH="0" baseline="0" dirty="0">
+                <a:ln>
+                  <a:noFill/>
+                </a:ln>
+                <a:solidFill>
+                  <a:srgbClr val="494E52"/>
+                </a:solidFill>
+                <a:effectLst/>
+                <a:latin typeface="Monaco"/>
+              </a:rPr>
+              <a:t> </a:t>
+            </a:r>
+            <a:r>
+              <a:rPr kumimoji="0" lang="sv-SE" altLang="sv-SE" sz="1000" b="0" i="0" u="none" strike="noStrike" cap="none" normalizeH="0" baseline="0" dirty="0">
+                <a:ln>
+                  <a:noFill/>
+                </a:ln>
+                <a:solidFill>
+                  <a:srgbClr val="22B3EB"/>
+                </a:solidFill>
+                <a:effectLst/>
+                <a:latin typeface="Monaco"/>
+              </a:rPr>
+              <a:t>SelectTemplateCore</a:t>
+            </a:r>
+            <a:r>
+              <a:rPr kumimoji="0" lang="sv-SE" altLang="sv-SE" sz="1000" b="0" i="0" u="none" strike="noStrike" cap="none" normalizeH="0" baseline="0" dirty="0">
+                <a:ln>
+                  <a:noFill/>
+                </a:ln>
+                <a:solidFill>
+                  <a:srgbClr val="586E75"/>
+                </a:solidFill>
+                <a:effectLst/>
+                <a:latin typeface="Monaco"/>
+              </a:rPr>
+              <a:t>(</a:t>
+            </a:r>
+            <a:r>
+              <a:rPr kumimoji="0" lang="sv-SE" altLang="sv-SE" sz="1000" b="0" i="0" u="none" strike="noStrike" cap="none" normalizeH="0" baseline="0" dirty="0">
+                <a:ln>
+                  <a:noFill/>
+                </a:ln>
+                <a:solidFill>
+                  <a:srgbClr val="DC322F"/>
+                </a:solidFill>
+                <a:effectLst/>
+                <a:latin typeface="Monaco"/>
+              </a:rPr>
+              <a:t>object</a:t>
+            </a:r>
+            <a:r>
+              <a:rPr kumimoji="0" lang="sv-SE" altLang="sv-SE" sz="1000" b="0" i="0" u="none" strike="noStrike" cap="none" normalizeH="0" baseline="0" dirty="0">
+                <a:ln>
+                  <a:noFill/>
+                </a:ln>
+                <a:solidFill>
+                  <a:srgbClr val="494E52"/>
+                </a:solidFill>
+                <a:effectLst/>
+                <a:latin typeface="Monaco"/>
+              </a:rPr>
+              <a:t> </a:t>
+            </a:r>
+            <a:r>
+              <a:rPr kumimoji="0" lang="sv-SE" altLang="sv-SE" sz="1100" b="0" i="0" u="none" strike="noStrike" cap="none" normalizeH="0" baseline="0" dirty="0">
+                <a:ln>
+                  <a:noFill/>
+                </a:ln>
+                <a:solidFill>
+                  <a:srgbClr val="586E75"/>
+                </a:solidFill>
+                <a:effectLst/>
+                <a:latin typeface="Arial" panose="020B0604020202020204" pitchFamily="34" charset="0"/>
+              </a:rPr>
+              <a:t>item</a:t>
+            </a:r>
+            <a:r>
+              <a:rPr kumimoji="0" lang="sv-SE" altLang="sv-SE" sz="1100" b="0" i="0" u="none" strike="noStrike" cap="none" normalizeH="0" baseline="0" dirty="0">
+                <a:ln>
+                  <a:noFill/>
+                </a:ln>
+                <a:solidFill>
+                  <a:srgbClr val="586E75"/>
+                </a:solidFill>
+                <a:effectLst/>
+                <a:latin typeface="Monaco"/>
+              </a:rPr>
+              <a:t>,</a:t>
+            </a:r>
+            <a:r>
+              <a:rPr kumimoji="0" lang="sv-SE" altLang="sv-SE" sz="1100" b="0" i="0" u="none" strike="noStrike" cap="none" normalizeH="0" baseline="0" dirty="0">
+                <a:ln>
+                  <a:noFill/>
+                </a:ln>
+                <a:solidFill>
+                  <a:srgbClr val="494E52"/>
+                </a:solidFill>
+                <a:effectLst/>
+                <a:latin typeface="Monaco"/>
+              </a:rPr>
+              <a:t> </a:t>
+            </a:r>
+            <a:r>
+              <a:rPr kumimoji="0" lang="sv-SE" altLang="sv-SE" sz="1100" b="0" i="0" u="none" strike="noStrike" cap="none" normalizeH="0" baseline="0" dirty="0">
+                <a:ln>
+                  <a:noFill/>
+                </a:ln>
+                <a:solidFill>
+                  <a:srgbClr val="586E75"/>
+                </a:solidFill>
+                <a:effectLst/>
+                <a:latin typeface="Arial" panose="020B0604020202020204" pitchFamily="34" charset="0"/>
+              </a:rPr>
+              <a:t>DependencyObject</a:t>
+            </a:r>
+            <a:r>
+              <a:rPr kumimoji="0" lang="sv-SE" altLang="sv-SE" sz="1100" b="0" i="0" u="none" strike="noStrike" cap="none" normalizeH="0" baseline="0" dirty="0">
+                <a:ln>
+                  <a:noFill/>
+                </a:ln>
+                <a:solidFill>
+                  <a:srgbClr val="494E52"/>
+                </a:solidFill>
+                <a:effectLst/>
+                <a:latin typeface="Monaco"/>
+              </a:rPr>
+              <a:t> </a:t>
+            </a:r>
+            <a:r>
+              <a:rPr kumimoji="0" lang="sv-SE" altLang="sv-SE" sz="1100" b="0" i="0" u="none" strike="noStrike" cap="none" normalizeH="0" baseline="0" dirty="0">
+                <a:ln>
+                  <a:noFill/>
+                </a:ln>
+                <a:solidFill>
+                  <a:srgbClr val="586E75"/>
+                </a:solidFill>
+                <a:effectLst/>
+                <a:latin typeface="Arial" panose="020B0604020202020204" pitchFamily="34" charset="0"/>
+              </a:rPr>
+              <a:t>container</a:t>
+            </a:r>
+            <a:r>
+              <a:rPr kumimoji="0" lang="sv-SE" altLang="sv-SE" sz="1000" b="0" i="0" u="none" strike="noStrike" cap="none" normalizeH="0" baseline="0" dirty="0">
+                <a:ln>
+                  <a:noFill/>
+                </a:ln>
+                <a:solidFill>
+                  <a:srgbClr val="586E75"/>
+                </a:solidFill>
+                <a:effectLst/>
+                <a:latin typeface="Monaco"/>
+              </a:rPr>
+              <a:t>)</a:t>
+            </a:r>
+            <a:r>
+              <a:rPr kumimoji="0" lang="sv-SE" altLang="sv-SE" sz="1000" b="0" i="0" u="none" strike="noStrike" cap="none" normalizeH="0" baseline="0" dirty="0">
+                <a:ln>
+                  <a:noFill/>
+                </a:ln>
+                <a:solidFill>
+                  <a:srgbClr val="494E52"/>
+                </a:solidFill>
+                <a:effectLst/>
+                <a:latin typeface="Monaco"/>
+              </a:rPr>
+              <a:t> </a:t>
+            </a:r>
+            <a:br>
+              <a:rPr kumimoji="0" lang="sv-SE" altLang="sv-SE" sz="1000" b="0" i="0" u="none" strike="noStrike" cap="none" normalizeH="0" baseline="0" dirty="0">
+                <a:ln>
+                  <a:noFill/>
+                </a:ln>
+                <a:solidFill>
+                  <a:srgbClr val="494E52"/>
+                </a:solidFill>
+                <a:effectLst/>
+                <a:latin typeface="Monaco"/>
+              </a:rPr>
+            </a:br>
+            <a:r>
+              <a:rPr kumimoji="0" lang="sv-SE" altLang="sv-SE" sz="1000" b="0" i="0" u="none" strike="noStrike" cap="none" normalizeH="0" dirty="0">
+                <a:ln>
+                  <a:noFill/>
+                </a:ln>
+                <a:solidFill>
+                  <a:srgbClr val="494E52"/>
+                </a:solidFill>
+                <a:effectLst/>
+                <a:latin typeface="Monaco"/>
+              </a:rPr>
+              <a:t>           </a:t>
+            </a:r>
+            <a:r>
+              <a:rPr kumimoji="0" lang="sv-SE" altLang="sv-SE" sz="1000" b="0" i="0" u="none" strike="noStrike" cap="none" normalizeH="0" baseline="0" dirty="0">
+                <a:ln>
+                  <a:noFill/>
+                </a:ln>
+                <a:solidFill>
+                  <a:srgbClr val="586E75"/>
+                </a:solidFill>
+                <a:effectLst/>
+                <a:latin typeface="Monaco"/>
+              </a:rPr>
+              <a:t>{</a:t>
+            </a:r>
+            <a:r>
+              <a:rPr kumimoji="0" lang="sv-SE" altLang="sv-SE" sz="1000" b="0" i="0" u="none" strike="noStrike" cap="none" normalizeH="0" baseline="0" dirty="0">
+                <a:ln>
+                  <a:noFill/>
+                </a:ln>
+                <a:solidFill>
+                  <a:srgbClr val="494E52"/>
+                </a:solidFill>
+                <a:effectLst/>
+                <a:latin typeface="Monaco"/>
+              </a:rPr>
+              <a:t> </a:t>
+            </a:r>
+            <a:br>
+              <a:rPr kumimoji="0" lang="sv-SE" altLang="sv-SE" sz="1000" b="0" i="0" u="none" strike="noStrike" cap="none" normalizeH="0" baseline="0" dirty="0">
+                <a:ln>
+                  <a:noFill/>
+                </a:ln>
+                <a:solidFill>
+                  <a:srgbClr val="494E52"/>
+                </a:solidFill>
+                <a:effectLst/>
+                <a:latin typeface="Monaco"/>
+              </a:rPr>
+            </a:br>
+            <a:r>
+              <a:rPr kumimoji="0" lang="sv-SE" altLang="sv-SE" sz="1000" b="0" i="0" u="none" strike="noStrike" cap="none" normalizeH="0" baseline="0" dirty="0">
+                <a:ln>
+                  <a:noFill/>
+                </a:ln>
+                <a:solidFill>
+                  <a:srgbClr val="494E52"/>
+                </a:solidFill>
+                <a:effectLst/>
+                <a:latin typeface="Monaco"/>
+              </a:rPr>
+              <a:t>                </a:t>
+            </a:r>
+            <a:r>
+              <a:rPr kumimoji="0" lang="sv-SE" altLang="sv-SE" sz="1000" b="0" i="0" u="none" strike="noStrike" cap="none" normalizeH="0" baseline="0" dirty="0">
+                <a:ln>
+                  <a:noFill/>
+                </a:ln>
+                <a:solidFill>
+                  <a:srgbClr val="DC322F"/>
+                </a:solidFill>
+                <a:effectLst/>
+                <a:latin typeface="Monaco"/>
+              </a:rPr>
+              <a:t>var</a:t>
+            </a:r>
+            <a:r>
+              <a:rPr kumimoji="0" lang="sv-SE" altLang="sv-SE" sz="1000" b="0" i="0" u="none" strike="noStrike" cap="none" normalizeH="0" baseline="0" dirty="0">
+                <a:ln>
+                  <a:noFill/>
+                </a:ln>
+                <a:solidFill>
+                  <a:srgbClr val="494E52"/>
+                </a:solidFill>
+                <a:effectLst/>
+                <a:latin typeface="Monaco"/>
+              </a:rPr>
+              <a:t> </a:t>
+            </a:r>
+            <a:r>
+              <a:rPr kumimoji="0" lang="sv-SE" altLang="sv-SE" sz="1100" b="0" i="0" u="none" strike="noStrike" cap="none" normalizeH="0" baseline="0" dirty="0">
+                <a:ln>
+                  <a:noFill/>
+                </a:ln>
+                <a:solidFill>
+                  <a:srgbClr val="586E75"/>
+                </a:solidFill>
+                <a:effectLst/>
+                <a:latin typeface="Arial" panose="020B0604020202020204" pitchFamily="34" charset="0"/>
+              </a:rPr>
+              <a:t>image</a:t>
+            </a:r>
+            <a:r>
+              <a:rPr kumimoji="0" lang="sv-SE" altLang="sv-SE" sz="1100" b="0" i="0" u="none" strike="noStrike" cap="none" normalizeH="0" baseline="0" dirty="0">
+                <a:ln>
+                  <a:noFill/>
+                </a:ln>
+                <a:solidFill>
+                  <a:srgbClr val="494E52"/>
+                </a:solidFill>
+                <a:effectLst/>
+                <a:latin typeface="Monaco"/>
+              </a:rPr>
+              <a:t> </a:t>
+            </a:r>
+            <a:r>
+              <a:rPr kumimoji="0" lang="sv-SE" altLang="sv-SE" sz="1100" b="0" i="0" u="none" strike="noStrike" cap="none" normalizeH="0" baseline="0" dirty="0">
+                <a:ln>
+                  <a:noFill/>
+                </a:ln>
+                <a:solidFill>
+                  <a:srgbClr val="586E75"/>
+                </a:solidFill>
+                <a:effectLst/>
+                <a:latin typeface="Monaco"/>
+              </a:rPr>
+              <a:t>=</a:t>
+            </a:r>
+            <a:r>
+              <a:rPr kumimoji="0" lang="sv-SE" altLang="sv-SE" sz="1100" b="0" i="0" u="none" strike="noStrike" cap="none" normalizeH="0" baseline="0" dirty="0">
+                <a:ln>
+                  <a:noFill/>
+                </a:ln>
+                <a:solidFill>
+                  <a:srgbClr val="494E52"/>
+                </a:solidFill>
+                <a:effectLst/>
+                <a:latin typeface="Monaco"/>
+              </a:rPr>
+              <a:t> </a:t>
+            </a:r>
+            <a:r>
+              <a:rPr kumimoji="0" lang="sv-SE" altLang="sv-SE" sz="1100" b="0" i="0" u="none" strike="noStrike" cap="none" normalizeH="0" baseline="0" dirty="0">
+                <a:ln>
+                  <a:noFill/>
+                </a:ln>
+                <a:solidFill>
+                  <a:srgbClr val="586E75"/>
+                </a:solidFill>
+                <a:effectLst/>
+                <a:latin typeface="Arial" panose="020B0604020202020204" pitchFamily="34" charset="0"/>
+              </a:rPr>
+              <a:t>item</a:t>
+            </a:r>
+            <a:r>
+              <a:rPr kumimoji="0" lang="sv-SE" altLang="sv-SE" sz="1100" b="0" i="0" u="none" strike="noStrike" cap="none" normalizeH="0" baseline="0" dirty="0">
+                <a:ln>
+                  <a:noFill/>
+                </a:ln>
+                <a:solidFill>
+                  <a:srgbClr val="494E52"/>
+                </a:solidFill>
+                <a:effectLst/>
+                <a:latin typeface="Monaco"/>
+              </a:rPr>
+              <a:t> </a:t>
+            </a:r>
+            <a:r>
+              <a:rPr kumimoji="0" lang="sv-SE" altLang="sv-SE" sz="1000" b="0" i="0" u="none" strike="noStrike" cap="none" normalizeH="0" baseline="0" dirty="0">
+                <a:ln>
+                  <a:noFill/>
+                </a:ln>
+                <a:solidFill>
+                  <a:srgbClr val="859900"/>
+                </a:solidFill>
+                <a:effectLst/>
+                <a:latin typeface="Monaco"/>
+              </a:rPr>
+              <a:t>as</a:t>
+            </a:r>
+            <a:r>
+              <a:rPr kumimoji="0" lang="sv-SE" altLang="sv-SE" sz="1000" b="0" i="0" u="none" strike="noStrike" cap="none" normalizeH="0" baseline="0" dirty="0">
+                <a:ln>
+                  <a:noFill/>
+                </a:ln>
+                <a:solidFill>
+                  <a:srgbClr val="494E52"/>
+                </a:solidFill>
+                <a:effectLst/>
+                <a:latin typeface="Monaco"/>
+              </a:rPr>
+              <a:t> </a:t>
+            </a:r>
+            <a:r>
+              <a:rPr kumimoji="0" lang="sv-SE" altLang="sv-SE" sz="1100" b="0" i="0" u="none" strike="noStrike" cap="none" normalizeH="0" baseline="0" dirty="0">
+                <a:ln>
+                  <a:noFill/>
+                </a:ln>
+                <a:solidFill>
+                  <a:srgbClr val="586E75"/>
+                </a:solidFill>
+                <a:effectLst/>
+                <a:latin typeface="Arial" panose="020B0604020202020204" pitchFamily="34" charset="0"/>
+              </a:rPr>
+              <a:t>ImageViewerItem</a:t>
+            </a:r>
+            <a:r>
+              <a:rPr kumimoji="0" lang="sv-SE" altLang="sv-SE" sz="1000" b="0" i="0" u="none" strike="noStrike" cap="none" normalizeH="0" baseline="0" dirty="0">
+                <a:ln>
+                  <a:noFill/>
+                </a:ln>
+                <a:solidFill>
+                  <a:srgbClr val="586E75"/>
+                </a:solidFill>
+                <a:effectLst/>
+                <a:latin typeface="Monaco"/>
+              </a:rPr>
+              <a:t>;</a:t>
+            </a:r>
+            <a:r>
+              <a:rPr kumimoji="0" lang="sv-SE" altLang="sv-SE" sz="1000" b="0" i="0" u="none" strike="noStrike" cap="none" normalizeH="0" baseline="0" dirty="0">
+                <a:ln>
+                  <a:noFill/>
+                </a:ln>
+                <a:solidFill>
+                  <a:srgbClr val="494E52"/>
+                </a:solidFill>
+                <a:effectLst/>
+                <a:latin typeface="Monaco"/>
+              </a:rPr>
+              <a:t> </a:t>
+            </a:r>
+          </a:p>
+          <a:p>
+            <a:pPr marL="0" marR="0" lvl="0" indent="0" algn="l" defTabSz="914400" rtl="0" eaLnBrk="0" fontAlgn="base" latinLnBrk="0" hangingPunct="0">
+              <a:lnSpc>
+                <a:spcPct val="100000"/>
+              </a:lnSpc>
+              <a:spcBef>
+                <a:spcPct val="0"/>
+              </a:spcBef>
+              <a:spcAft>
+                <a:spcPct val="0"/>
+              </a:spcAft>
+              <a:buClrTx/>
+              <a:buSzTx/>
+              <a:buFontTx/>
+              <a:buNone/>
+              <a:tabLst/>
+            </a:pPr>
+            <a:r>
+              <a:rPr lang="sv-SE" altLang="sv-SE" sz="1000" dirty="0">
+                <a:solidFill>
+                  <a:srgbClr val="494E52"/>
+                </a:solidFill>
+                <a:latin typeface="Monaco"/>
+              </a:rPr>
+              <a:t>                </a:t>
+            </a:r>
+            <a:r>
+              <a:rPr kumimoji="0" lang="sv-SE" altLang="sv-SE" sz="1000" b="0" i="0" u="none" strike="noStrike" cap="none" normalizeH="0" baseline="0" dirty="0">
+                <a:ln>
+                  <a:noFill/>
+                </a:ln>
+                <a:solidFill>
+                  <a:srgbClr val="859900"/>
+                </a:solidFill>
+                <a:effectLst/>
+                <a:latin typeface="Monaco"/>
+              </a:rPr>
+              <a:t>if</a:t>
+            </a:r>
+            <a:r>
+              <a:rPr kumimoji="0" lang="sv-SE" altLang="sv-SE" sz="1000" b="0" i="0" u="none" strike="noStrike" cap="none" normalizeH="0" baseline="0" dirty="0">
+                <a:ln>
+                  <a:noFill/>
+                </a:ln>
+                <a:solidFill>
+                  <a:srgbClr val="494E52"/>
+                </a:solidFill>
+                <a:effectLst/>
+                <a:latin typeface="Monaco"/>
+              </a:rPr>
+              <a:t> </a:t>
+            </a:r>
+            <a:r>
+              <a:rPr kumimoji="0" lang="sv-SE" altLang="sv-SE" sz="1000" b="0" i="0" u="none" strike="noStrike" cap="none" normalizeH="0" baseline="0" dirty="0">
+                <a:ln>
+                  <a:noFill/>
+                </a:ln>
+                <a:solidFill>
+                  <a:srgbClr val="586E75"/>
+                </a:solidFill>
+                <a:effectLst/>
+                <a:latin typeface="Monaco"/>
+              </a:rPr>
+              <a:t>(</a:t>
+            </a:r>
+            <a:r>
+              <a:rPr kumimoji="0" lang="sv-SE" altLang="sv-SE" sz="1100" b="0" i="0" u="none" strike="noStrike" cap="none" normalizeH="0" baseline="0" dirty="0">
+                <a:ln>
+                  <a:noFill/>
+                </a:ln>
+                <a:solidFill>
+                  <a:srgbClr val="586E75"/>
+                </a:solidFill>
+                <a:effectLst/>
+                <a:latin typeface="Arial" panose="020B0604020202020204" pitchFamily="34" charset="0"/>
+              </a:rPr>
+              <a:t>image</a:t>
+            </a:r>
+            <a:r>
+              <a:rPr kumimoji="0" lang="sv-SE" altLang="sv-SE" sz="1100" b="0" i="0" u="none" strike="noStrike" cap="none" normalizeH="0" baseline="0" dirty="0">
+                <a:ln>
+                  <a:noFill/>
+                </a:ln>
+                <a:solidFill>
+                  <a:srgbClr val="494E52"/>
+                </a:solidFill>
+                <a:effectLst/>
+                <a:latin typeface="Monaco"/>
+              </a:rPr>
+              <a:t> </a:t>
+            </a:r>
+            <a:r>
+              <a:rPr kumimoji="0" lang="sv-SE" altLang="sv-SE" sz="1100" b="0" i="0" u="none" strike="noStrike" cap="none" normalizeH="0" baseline="0" dirty="0">
+                <a:ln>
+                  <a:noFill/>
+                </a:ln>
+                <a:solidFill>
+                  <a:srgbClr val="586E75"/>
+                </a:solidFill>
+                <a:effectLst/>
+                <a:latin typeface="Monaco"/>
+              </a:rPr>
+              <a:t>!=</a:t>
+            </a:r>
+            <a:r>
+              <a:rPr kumimoji="0" lang="sv-SE" altLang="sv-SE" sz="1100" b="0" i="0" u="none" strike="noStrike" cap="none" normalizeH="0" baseline="0" dirty="0">
+                <a:ln>
+                  <a:noFill/>
+                </a:ln>
+                <a:solidFill>
+                  <a:srgbClr val="494E52"/>
+                </a:solidFill>
+                <a:effectLst/>
+                <a:latin typeface="Monaco"/>
+              </a:rPr>
+              <a:t> </a:t>
+            </a:r>
+            <a:r>
+              <a:rPr kumimoji="0" lang="sv-SE" altLang="sv-SE" sz="1100" b="0" i="0" u="none" strike="noStrike" cap="none" normalizeH="0" baseline="0" dirty="0">
+                <a:ln>
+                  <a:noFill/>
+                </a:ln>
+                <a:solidFill>
+                  <a:srgbClr val="859900"/>
+                </a:solidFill>
+                <a:effectLst/>
+                <a:latin typeface="Monaco"/>
+              </a:rPr>
+              <a:t>null</a:t>
+            </a:r>
+            <a:r>
+              <a:rPr kumimoji="0" lang="sv-SE" altLang="sv-SE" sz="1000" b="0" i="0" u="none" strike="noStrike" cap="none" normalizeH="0" baseline="0" dirty="0">
+                <a:ln>
+                  <a:noFill/>
+                </a:ln>
+                <a:solidFill>
+                  <a:srgbClr val="586E75"/>
+                </a:solidFill>
+                <a:effectLst/>
+                <a:latin typeface="Monaco"/>
+              </a:rPr>
+              <a:t>)</a:t>
+            </a:r>
+            <a:r>
+              <a:rPr kumimoji="0" lang="sv-SE" altLang="sv-SE" sz="1000" b="0" i="0" u="none" strike="noStrike" cap="none" normalizeH="0" baseline="0" dirty="0">
+                <a:ln>
+                  <a:noFill/>
+                </a:ln>
+                <a:solidFill>
+                  <a:srgbClr val="494E52"/>
+                </a:solidFill>
+                <a:effectLst/>
+                <a:latin typeface="Monaco"/>
+              </a:rPr>
+              <a:t> </a:t>
+            </a:r>
+          </a:p>
+          <a:p>
+            <a:pPr lvl="0" eaLnBrk="0" fontAlgn="base" hangingPunct="0">
+              <a:spcBef>
+                <a:spcPct val="0"/>
+              </a:spcBef>
+              <a:spcAft>
+                <a:spcPct val="0"/>
+              </a:spcAft>
+            </a:pPr>
+            <a:r>
+              <a:rPr lang="sv-SE" altLang="sv-SE" sz="1000" dirty="0">
+                <a:solidFill>
+                  <a:srgbClr val="494E52"/>
+                </a:solidFill>
+                <a:latin typeface="Monaco"/>
+              </a:rPr>
+              <a:t>                    </a:t>
+            </a:r>
+            <a:r>
+              <a:rPr kumimoji="0" lang="sv-SE" altLang="sv-SE" sz="1000" b="0" i="0" u="none" strike="noStrike" cap="none" normalizeH="0" baseline="0" dirty="0">
+                <a:ln>
+                  <a:noFill/>
+                </a:ln>
+                <a:solidFill>
+                  <a:srgbClr val="859900"/>
+                </a:solidFill>
+                <a:effectLst/>
+                <a:latin typeface="Monaco"/>
+              </a:rPr>
+              <a:t>return</a:t>
+            </a:r>
+            <a:r>
+              <a:rPr kumimoji="0" lang="sv-SE" altLang="sv-SE" sz="1000" b="0" i="0" u="none" strike="noStrike" cap="none" normalizeH="0" baseline="0" dirty="0">
+                <a:ln>
+                  <a:noFill/>
+                </a:ln>
+                <a:solidFill>
+                  <a:srgbClr val="494E52"/>
+                </a:solidFill>
+                <a:effectLst/>
+                <a:latin typeface="Monaco"/>
+              </a:rPr>
+              <a:t> </a:t>
+            </a:r>
+            <a:r>
+              <a:rPr kumimoji="0" lang="sv-SE" altLang="sv-SE" sz="1100" b="0" i="0" u="none" strike="noStrike" cap="none" normalizeH="0" baseline="0" dirty="0">
+                <a:ln>
+                  <a:noFill/>
+                </a:ln>
+                <a:solidFill>
+                  <a:srgbClr val="586E75"/>
+                </a:solidFill>
+                <a:effectLst/>
+                <a:latin typeface="Arial" panose="020B0604020202020204" pitchFamily="34" charset="0"/>
+              </a:rPr>
+              <a:t>ImageTemplate</a:t>
+            </a:r>
+            <a:r>
+              <a:rPr kumimoji="0" lang="sv-SE" altLang="sv-SE" sz="1100" b="0" i="0" u="none" strike="noStrike" cap="none" normalizeH="0" baseline="0" dirty="0">
+                <a:ln>
+                  <a:noFill/>
+                </a:ln>
+                <a:solidFill>
+                  <a:srgbClr val="586E75"/>
+                </a:solidFill>
+                <a:effectLst/>
+                <a:latin typeface="Monaco"/>
+              </a:rPr>
+              <a:t>;</a:t>
+            </a:r>
+          </a:p>
+          <a:p>
+            <a:pPr lvl="0" eaLnBrk="0" fontAlgn="base" hangingPunct="0">
+              <a:spcBef>
+                <a:spcPct val="0"/>
+              </a:spcBef>
+              <a:spcAft>
+                <a:spcPct val="0"/>
+              </a:spcAft>
+            </a:pPr>
+            <a:r>
+              <a:rPr lang="sv-SE" altLang="sv-SE" sz="1100" dirty="0">
+                <a:solidFill>
+                  <a:srgbClr val="586E75"/>
+                </a:solidFill>
+                <a:latin typeface="Monaco"/>
+              </a:rPr>
+              <a:t>               </a:t>
+            </a:r>
+            <a:r>
+              <a:rPr lang="sv-SE" altLang="sv-SE" sz="1100" dirty="0">
+                <a:solidFill>
+                  <a:srgbClr val="494E52"/>
+                </a:solidFill>
+                <a:latin typeface="Monaco"/>
+              </a:rPr>
+              <a:t> </a:t>
+            </a:r>
+            <a:r>
+              <a:rPr kumimoji="0" lang="sv-SE" altLang="sv-SE" sz="1100" b="0" i="0" u="none" strike="noStrike" cap="none" normalizeH="0" baseline="0" dirty="0">
+                <a:ln>
+                  <a:noFill/>
+                </a:ln>
+                <a:solidFill>
+                  <a:srgbClr val="859900"/>
+                </a:solidFill>
+                <a:effectLst/>
+                <a:latin typeface="Monaco"/>
+              </a:rPr>
+              <a:t>else</a:t>
+            </a:r>
+            <a:endParaRPr kumimoji="0" lang="sv-SE" altLang="sv-SE" sz="1100" b="0" i="0" u="none" strike="noStrike" cap="none" normalizeH="0" baseline="0" dirty="0">
+              <a:ln>
+                <a:noFill/>
+              </a:ln>
+              <a:solidFill>
+                <a:srgbClr val="586E75"/>
+              </a:solidFill>
+              <a:effectLst/>
+              <a:latin typeface="Monaco"/>
+            </a:endParaRPr>
+          </a:p>
+          <a:p>
+            <a:pPr lvl="0" eaLnBrk="0" fontAlgn="base" hangingPunct="0">
+              <a:spcBef>
+                <a:spcPct val="0"/>
+              </a:spcBef>
+              <a:spcAft>
+                <a:spcPct val="0"/>
+              </a:spcAft>
+            </a:pPr>
+            <a:r>
+              <a:rPr kumimoji="0" lang="sv-SE" altLang="sv-SE" sz="1100" b="0" i="0" u="none" strike="noStrike" cap="none" normalizeH="0" dirty="0">
+                <a:ln>
+                  <a:noFill/>
+                </a:ln>
+                <a:solidFill>
+                  <a:srgbClr val="494E52"/>
+                </a:solidFill>
+                <a:effectLst/>
+                <a:latin typeface="Monaco"/>
+              </a:rPr>
+              <a:t>                   </a:t>
+            </a:r>
+            <a:r>
+              <a:rPr kumimoji="0" lang="sv-SE" altLang="sv-SE" sz="1100" b="0" i="0" u="none" strike="noStrike" cap="none" normalizeH="0" baseline="0" dirty="0">
+                <a:ln>
+                  <a:noFill/>
+                </a:ln>
+                <a:solidFill>
+                  <a:srgbClr val="859900"/>
+                </a:solidFill>
+                <a:effectLst/>
+                <a:latin typeface="Monaco"/>
+              </a:rPr>
+              <a:t>return</a:t>
+            </a:r>
+            <a:r>
+              <a:rPr kumimoji="0" lang="sv-SE" altLang="sv-SE" sz="1100" b="0" i="0" u="none" strike="noStrike" cap="none" normalizeH="0" baseline="0" dirty="0">
+                <a:ln>
+                  <a:noFill/>
+                </a:ln>
+                <a:solidFill>
+                  <a:srgbClr val="586E75"/>
+                </a:solidFill>
+                <a:effectLst/>
+                <a:latin typeface="Arial" panose="020B0604020202020204" pitchFamily="34" charset="0"/>
+              </a:rPr>
+              <a:t> VideoTemplate</a:t>
+            </a:r>
+            <a:r>
+              <a:rPr kumimoji="0" lang="sv-SE" altLang="sv-SE" sz="1000" b="0" i="0" u="none" strike="noStrike" cap="none" normalizeH="0" baseline="0" dirty="0">
+                <a:ln>
+                  <a:noFill/>
+                </a:ln>
+                <a:solidFill>
+                  <a:srgbClr val="586E75"/>
+                </a:solidFill>
+                <a:effectLst/>
+                <a:latin typeface="Monaco"/>
+              </a:rPr>
+              <a:t>;</a:t>
+            </a:r>
+            <a:r>
+              <a:rPr kumimoji="0" lang="sv-SE" altLang="sv-SE" sz="1000" b="0" i="0" u="none" strike="noStrike" cap="none" normalizeH="0" baseline="0" dirty="0">
+                <a:ln>
+                  <a:noFill/>
+                </a:ln>
+                <a:solidFill>
+                  <a:srgbClr val="494E52"/>
+                </a:solidFill>
+                <a:effectLst/>
+                <a:latin typeface="Monaco"/>
+              </a:rPr>
+              <a:t> </a:t>
+            </a:r>
+          </a:p>
+          <a:p>
+            <a:pPr lvl="0" eaLnBrk="0" fontAlgn="base" hangingPunct="0">
+              <a:spcBef>
+                <a:spcPct val="0"/>
+              </a:spcBef>
+              <a:spcAft>
+                <a:spcPct val="0"/>
+              </a:spcAft>
+            </a:pPr>
+            <a:r>
+              <a:rPr lang="sv-SE" altLang="sv-SE" sz="1000" dirty="0">
+                <a:solidFill>
+                  <a:srgbClr val="586E75"/>
+                </a:solidFill>
+                <a:latin typeface="Monaco"/>
+              </a:rPr>
+              <a:t>            </a:t>
+            </a:r>
+            <a:r>
+              <a:rPr kumimoji="0" lang="sv-SE" altLang="sv-SE" sz="1000" b="0" i="0" u="none" strike="noStrike" cap="none" normalizeH="0" baseline="0" dirty="0">
+                <a:ln>
+                  <a:noFill/>
+                </a:ln>
+                <a:solidFill>
+                  <a:srgbClr val="586E75"/>
+                </a:solidFill>
+                <a:effectLst/>
+                <a:latin typeface="Monaco"/>
+              </a:rPr>
+              <a:t>}</a:t>
+            </a:r>
+          </a:p>
+          <a:p>
+            <a:pPr lvl="0" eaLnBrk="0" fontAlgn="base" hangingPunct="0">
+              <a:spcBef>
+                <a:spcPct val="0"/>
+              </a:spcBef>
+              <a:spcAft>
+                <a:spcPct val="0"/>
+              </a:spcAft>
+            </a:pPr>
+            <a:r>
+              <a:rPr kumimoji="0" lang="sv-SE" altLang="sv-SE" sz="1000" b="0" i="0" u="none" strike="noStrike" cap="none" normalizeH="0" baseline="0" dirty="0">
+                <a:ln>
+                  <a:noFill/>
+                </a:ln>
+                <a:solidFill>
+                  <a:srgbClr val="494E52"/>
+                </a:solidFill>
+                <a:effectLst/>
+                <a:latin typeface="Monaco"/>
+              </a:rPr>
+              <a:t> </a:t>
+            </a:r>
+            <a:r>
+              <a:rPr kumimoji="0" lang="sv-SE" altLang="sv-SE" sz="1000" b="0" i="0" u="none" strike="noStrike" cap="none" normalizeH="0" baseline="0" dirty="0">
+                <a:ln>
+                  <a:noFill/>
+                </a:ln>
+                <a:solidFill>
+                  <a:srgbClr val="586E75"/>
+                </a:solidFill>
+                <a:effectLst/>
+                <a:latin typeface="Monaco"/>
+              </a:rPr>
+              <a:t>}</a:t>
+            </a:r>
+            <a:r>
+              <a:rPr kumimoji="0" lang="sv-SE" altLang="sv-SE" sz="600" b="0" i="0" u="none" strike="noStrike" cap="none" normalizeH="0" baseline="0" dirty="0">
+                <a:ln>
+                  <a:noFill/>
+                </a:ln>
+                <a:solidFill>
+                  <a:schemeClr val="tx1"/>
+                </a:solidFill>
+                <a:effectLst/>
+              </a:rPr>
+              <a:t> </a:t>
+            </a:r>
+            <a:endParaRPr kumimoji="0" lang="sv-SE" altLang="sv-SE" sz="1800" b="0" i="0" u="none" strike="noStrike" cap="none" normalizeH="0" baseline="0" dirty="0">
+              <a:ln>
+                <a:noFill/>
+              </a:ln>
+              <a:solidFill>
+                <a:schemeClr val="tx1"/>
+              </a:solidFill>
+              <a:effectLst/>
+              <a:latin typeface="Arial" panose="020B0604020202020204" pitchFamily="34" charset="0"/>
+            </a:endParaRPr>
           </a:p>
         </p:txBody>
       </p:sp>
     </p:spTree>
     <p:extLst>
       <p:ext uri="{BB962C8B-B14F-4D97-AF65-F5344CB8AC3E}">
-        <p14:creationId xmlns:p14="http://schemas.microsoft.com/office/powerpoint/2010/main" val="2645460235"/>
+        <p14:creationId xmlns:p14="http://schemas.microsoft.com/office/powerpoint/2010/main" val="1599372542"/>
       </p:ext>
     </p:extLst>
   </p:cSld>
@@ -7960,6 +7937,98 @@
           <a:p>
             <a:r>
               <a:rPr lang="sv-SE" dirty="0"/>
+              <a:t>Add a Filmstrip to bottom of the page</a:t>
+            </a:r>
+          </a:p>
+        </p:txBody>
+      </p:sp>
+      <p:sp>
+        <p:nvSpPr>
+          <p:cNvPr id="3" name="Content Placeholder 2"/>
+          <p:cNvSpPr>
+            <a:spLocks noGrp="1"/>
+          </p:cNvSpPr>
+          <p:nvPr>
+            <p:ph idx="1"/>
+          </p:nvPr>
+        </p:nvSpPr>
+        <p:spPr/>
+        <p:txBody>
+          <a:bodyPr/>
+          <a:lstStyle/>
+          <a:p>
+            <a:r>
+              <a:rPr lang="sv-SE" dirty="0"/>
+              <a:t>Add a ListView to bottom of the page</a:t>
+            </a:r>
+          </a:p>
+          <a:p>
+            <a:r>
+              <a:rPr lang="sv-SE" dirty="0"/>
+              <a:t>Bind ItemSource to Thumbnail and bind SelectedItem</a:t>
+            </a:r>
+          </a:p>
+          <a:p>
+            <a:r>
+              <a:rPr lang="sv-SE" dirty="0"/>
+              <a:t>Create a dataTemplate to display a image</a:t>
+            </a:r>
+          </a:p>
+          <a:p>
+            <a:r>
+              <a:rPr lang="sv-SE" dirty="0"/>
+              <a:t>Change ItemTemplate on ListView so content is displayed horizontally.</a:t>
+            </a:r>
+          </a:p>
+        </p:txBody>
+      </p:sp>
+    </p:spTree>
+    <p:extLst>
+      <p:ext uri="{BB962C8B-B14F-4D97-AF65-F5344CB8AC3E}">
+        <p14:creationId xmlns:p14="http://schemas.microsoft.com/office/powerpoint/2010/main" val="2645460235"/>
+      </p:ext>
+    </p:extLst>
+  </p:cSld>
+  <p:clrMapOvr>
+    <a:masterClrMapping/>
+  </p:clrMapOvr>
+</p:sld>
+</file>
+
+<file path=ppt/slides/slide7.xml><?xml version="1.0" encoding="utf-8"?>
+<p:sld xmlns:a="http://schemas.openxmlformats.org/drawingml/2006/main" xmlns:r="http://schemas.openxmlformats.org/officeDocument/2006/relationships" xmlns:p="http://schemas.openxmlformats.org/presentationml/2006/main">
+  <p:cSld>
+    <p:spTree>
+      <p:nvGrpSpPr>
+        <p:cNvPr id="1" name=""/>
+        <p:cNvGrpSpPr/>
+        <p:nvPr/>
+      </p:nvGrpSpPr>
+      <p:grpSpPr>
+        <a:xfrm>
+          <a:off x="0" y="0"/>
+          <a:ext cx="0" cy="0"/>
+          <a:chOff x="0" y="0"/>
+          <a:chExt cx="0" cy="0"/>
+        </a:xfrm>
+      </p:grpSpPr>
+      <p:sp>
+        <p:nvSpPr>
+          <p:cNvPr id="2" name="Title 1"/>
+          <p:cNvSpPr>
+            <a:spLocks noGrp="1"/>
+          </p:cNvSpPr>
+          <p:nvPr>
+            <p:ph type="title"/>
+          </p:nvPr>
+        </p:nvSpPr>
+        <p:spPr/>
+        <p:txBody>
+          <a:bodyPr/>
+          <a:lstStyle/>
+          <a:p>
+            <a:r>
+              <a:rPr lang="sv-SE" dirty="0"/>
               <a:t>Add a Button to toggle fullscreen mode</a:t>
             </a:r>
           </a:p>
@@ -7983,37 +8052,26 @@
         </p:spPr>
         <p:txBody>
           <a:bodyPr>
-            <a:normAutofit lnSpcReduction="10000"/>
+            <a:normAutofit/>
           </a:bodyPr>
           <a:lstStyle/>
           <a:p>
             <a:r>
               <a:rPr lang="sv-SE" dirty="0"/>
-              <a:t>Add a CommandProperty to ViewModel</a:t>
+              <a:t>Add a FullScreenCommand property to ViewModel</a:t>
             </a:r>
           </a:p>
           <a:p>
             <a:r>
               <a:rPr lang="sv-SE" dirty="0"/>
-              <a:t>Bind Button command </a:t>
+              <a:t>Add and bind a Button to the command </a:t>
             </a:r>
           </a:p>
           <a:p>
             <a:r>
               <a:rPr lang="sv-SE" dirty="0"/>
-              <a:t>Toggle fullScreen mode</a:t>
-            </a:r>
-          </a:p>
-          <a:p>
-            <a:r>
-              <a:rPr lang="sv-SE" dirty="0"/>
-              <a:t>Add a VisualState to change icon. </a:t>
-            </a:r>
-            <a:r>
-              <a:rPr lang="sv-SE"/>
-              <a:t>Use a VisualStateTrigger</a:t>
-            </a:r>
-            <a:endParaRPr lang="sv-SE" dirty="0"/>
+              <a:t>Add a VisualState to change icon. Use a VisualStateTrigger</a:t>
+            </a:r>
           </a:p>
           <a:p>
             <a:endParaRPr lang="sv-SE" dirty="0"/>
@@ -8430,7 +8488,7 @@
 </p:sld>
 </file>
 
-<file path=ppt/slides/slide7.xml><?xml version="1.0" encoding="utf-8"?>
+<file path=ppt/slides/slide8.xml><?xml version="1.0" encoding="utf-8"?>
 <p:sld xmlns:a="http://schemas.openxmlformats.org/drawingml/2006/main" xmlns:r="http://schemas.openxmlformats.org/officeDocument/2006/relationships" xmlns:p="http://schemas.openxmlformats.org/presentationml/2006/main">
   <p:cSld>
     <p:spTree>
